--- a/powerpoint.pptx
+++ b/powerpoint.pptx
@@ -16633,7 +16633,7 @@
       </p:sp>
       <p:pic>
         <p:nvPicPr>
-          <p:cNvPr id="3" name=""/>
+          <p:cNvPr id="3" name="Picture 2"/>
           <p:cNvPicPr>
             <a:picLocks noChangeAspect="1"/>
           </p:cNvPicPr>
@@ -16895,11 +16895,11 @@
   <p:clrMapOvr>
     <a:masterClrMapping/>
   </p:clrMapOvr>
-  <mc:AlternateContent xmlns:mc="http://schemas.openxmlformats.org/markup-compatibility/2006">
-    <mc:Choice xmlns:p14="http://schemas.microsoft.com/office/powerpoint/2010/main" Requires="p14">
+  <mc:AlternateContent xmlns:mc="http://schemas.openxmlformats.org/markup-compatibility/2006" xmlns:p14="http://schemas.microsoft.com/office/powerpoint/2010/main">
+    <mc:Choice Requires="p14">
       <p:transition spd="slow" p14:dur="2000"/>
     </mc:Choice>
-    <mc:Fallback>
+    <mc:Fallback xmlns="">
       <p:transition spd="slow"/>
     </mc:Fallback>
   </mc:AlternateContent>
@@ -17313,11 +17313,11 @@
   <p:clrMapOvr>
     <a:masterClrMapping/>
   </p:clrMapOvr>
-  <mc:AlternateContent xmlns:mc="http://schemas.openxmlformats.org/markup-compatibility/2006">
-    <mc:Choice xmlns:p14="http://schemas.microsoft.com/office/powerpoint/2010/main" Requires="p14">
+  <mc:AlternateContent xmlns:mc="http://schemas.openxmlformats.org/markup-compatibility/2006" xmlns:p14="http://schemas.microsoft.com/office/powerpoint/2010/main">
+    <mc:Choice Requires="p14">
       <p:transition spd="slow" p14:dur="2000"/>
     </mc:Choice>
-    <mc:Fallback>
+    <mc:Fallback xmlns="">
       <p:transition spd="slow"/>
     </mc:Fallback>
   </mc:AlternateContent>
@@ -17711,11 +17711,11 @@
   <p:clrMapOvr>
     <a:masterClrMapping/>
   </p:clrMapOvr>
-  <mc:AlternateContent xmlns:mc="http://schemas.openxmlformats.org/markup-compatibility/2006">
-    <mc:Choice xmlns:p14="http://schemas.microsoft.com/office/powerpoint/2010/main" Requires="p14">
+  <mc:AlternateContent xmlns:mc="http://schemas.openxmlformats.org/markup-compatibility/2006" xmlns:p14="http://schemas.microsoft.com/office/powerpoint/2010/main">
+    <mc:Choice Requires="p14">
       <p:transition spd="slow" p14:dur="2000"/>
     </mc:Choice>
-    <mc:Fallback>
+    <mc:Fallback xmlns="">
       <p:transition spd="slow"/>
     </mc:Fallback>
   </mc:AlternateContent>
@@ -18116,11 +18116,11 @@
   <p:clrMapOvr>
     <a:masterClrMapping/>
   </p:clrMapOvr>
-  <mc:AlternateContent xmlns:mc="http://schemas.openxmlformats.org/markup-compatibility/2006">
-    <mc:Choice xmlns:p14="http://schemas.microsoft.com/office/powerpoint/2010/main" Requires="p14">
+  <mc:AlternateContent xmlns:mc="http://schemas.openxmlformats.org/markup-compatibility/2006" xmlns:p14="http://schemas.microsoft.com/office/powerpoint/2010/main">
+    <mc:Choice Requires="p14">
       <p:transition spd="slow" p14:dur="2000"/>
     </mc:Choice>
-    <mc:Fallback>
+    <mc:Fallback xmlns="">
       <p:transition spd="slow"/>
     </mc:Fallback>
   </mc:AlternateContent>
@@ -18284,11 +18284,11 @@
   <p:clrMapOvr>
     <a:masterClrMapping/>
   </p:clrMapOvr>
-  <mc:AlternateContent xmlns:mc="http://schemas.openxmlformats.org/markup-compatibility/2006">
-    <mc:Choice xmlns:p14="http://schemas.microsoft.com/office/powerpoint/2010/main" Requires="p14">
+  <mc:AlternateContent xmlns:mc="http://schemas.openxmlformats.org/markup-compatibility/2006" xmlns:p14="http://schemas.microsoft.com/office/powerpoint/2010/main">
+    <mc:Choice Requires="p14">
       <p:transition spd="slow" p14:dur="2000"/>
     </mc:Choice>
-    <mc:Fallback>
+    <mc:Fallback xmlns="">
       <p:transition spd="slow"/>
     </mc:Fallback>
   </mc:AlternateContent>
@@ -18731,11 +18731,11 @@
   <p:clrMapOvr>
     <a:masterClrMapping/>
   </p:clrMapOvr>
-  <mc:AlternateContent xmlns:mc="http://schemas.openxmlformats.org/markup-compatibility/2006">
-    <mc:Choice xmlns:p14="http://schemas.microsoft.com/office/powerpoint/2010/main" Requires="p14">
+  <mc:AlternateContent xmlns:mc="http://schemas.openxmlformats.org/markup-compatibility/2006" xmlns:p14="http://schemas.microsoft.com/office/powerpoint/2010/main">
+    <mc:Choice Requires="p14">
       <p:transition spd="slow" p14:dur="2000"/>
     </mc:Choice>
-    <mc:Fallback>
+    <mc:Fallback xmlns="">
       <p:transition spd="slow"/>
     </mc:Fallback>
   </mc:AlternateContent>
@@ -19154,7 +19154,7 @@
       </p:sp>
       <p:pic>
         <p:nvPicPr>
-          <p:cNvPr id="4" name=""/>
+          <p:cNvPr id="4" name="Picture 3"/>
           <p:cNvPicPr>
             <a:picLocks noChangeAspect="1"/>
           </p:cNvPicPr>
@@ -19189,11 +19189,11 @@
   <p:clrMapOvr>
     <a:masterClrMapping/>
   </p:clrMapOvr>
-  <mc:AlternateContent xmlns:mc="http://schemas.openxmlformats.org/markup-compatibility/2006">
-    <mc:Choice xmlns:p14="http://schemas.microsoft.com/office/powerpoint/2010/main" Requires="p14">
+  <mc:AlternateContent xmlns:mc="http://schemas.openxmlformats.org/markup-compatibility/2006" xmlns:p14="http://schemas.microsoft.com/office/powerpoint/2010/main">
+    <mc:Choice Requires="p14">
       <p:transition spd="slow" p14:dur="2000"/>
     </mc:Choice>
-    <mc:Fallback>
+    <mc:Fallback xmlns="">
       <p:transition spd="slow"/>
     </mc:Fallback>
   </mc:AlternateContent>
@@ -19615,11 +19615,11 @@
   <p:clrMapOvr>
     <a:masterClrMapping/>
   </p:clrMapOvr>
-  <mc:AlternateContent xmlns:mc="http://schemas.openxmlformats.org/markup-compatibility/2006">
-    <mc:Choice xmlns:p14="http://schemas.microsoft.com/office/powerpoint/2010/main" Requires="p14">
+  <mc:AlternateContent xmlns:mc="http://schemas.openxmlformats.org/markup-compatibility/2006" xmlns:p14="http://schemas.microsoft.com/office/powerpoint/2010/main">
+    <mc:Choice Requires="p14">
       <p:transition spd="slow" p14:dur="2000"/>
     </mc:Choice>
-    <mc:Fallback>
+    <mc:Fallback xmlns="">
       <p:transition spd="slow"/>
     </mc:Fallback>
   </mc:AlternateContent>
@@ -20007,34 +20007,43 @@
       </p:sp>
       <p:pic>
         <p:nvPicPr>
-          <p:cNvPr id="4" name=""/>
+          <p:cNvPr id="1026" name="Picture 2" descr="C:\Users\Arkane\AppData\Roaming\Skype\live#3aa4arkane\media_messaging\media_cache_v3\^2F7E45C40017E18C9BC7F5B96B448E7E7529CD72BB6901AFCC^pimgpsh_fullsize_distr.png"/>
           <p:cNvPicPr>
-            <a:picLocks noChangeAspect="1"/>
+            <a:picLocks noChangeAspect="1" noChangeArrowheads="1"/>
           </p:cNvPicPr>
           <p:nvPr/>
         </p:nvPicPr>
         <p:blipFill>
           <a:blip r:embed="rId3">
-            <a:lum/>
-            <a:alphaModFix/>
+            <a:extLst>
+              <a:ext uri="{28A0092B-C50C-407E-A947-70E740481C1C}">
+                <a14:useLocalDpi xmlns:a14="http://schemas.microsoft.com/office/drawing/2010/main" val="0"/>
+              </a:ext>
+            </a:extLst>
           </a:blip>
           <a:srcRect/>
           <a:stretch>
             <a:fillRect/>
           </a:stretch>
         </p:blipFill>
-        <p:spPr>
+        <p:spPr bwMode="auto">
           <a:xfrm>
-            <a:off x="666000" y="3240000"/>
-            <a:ext cx="8154000" cy="2047680"/>
+            <a:off x="689291" y="2915741"/>
+            <a:ext cx="8707066" cy="2743583"/>
           </a:xfrm>
           <a:prstGeom prst="rect">
             <a:avLst/>
           </a:prstGeom>
           <a:noFill/>
-          <a:ln>
-            <a:noFill/>
-          </a:ln>
+          <a:extLst>
+            <a:ext uri="{909E8E84-426E-40DD-AFC4-6F175D3DCCD1}">
+              <a14:hiddenFill xmlns:a14="http://schemas.microsoft.com/office/drawing/2010/main">
+                <a:solidFill>
+                  <a:srgbClr val="FFFFFF"/>
+                </a:solidFill>
+              </a14:hiddenFill>
+            </a:ext>
+          </a:extLst>
         </p:spPr>
       </p:pic>
     </p:spTree>
@@ -20042,11 +20051,11 @@
   <p:clrMapOvr>
     <a:masterClrMapping/>
   </p:clrMapOvr>
-  <mc:AlternateContent xmlns:mc="http://schemas.openxmlformats.org/markup-compatibility/2006">
-    <mc:Choice xmlns:p14="http://schemas.microsoft.com/office/powerpoint/2010/main" Requires="p14">
+  <mc:AlternateContent xmlns:mc="http://schemas.openxmlformats.org/markup-compatibility/2006" xmlns:p14="http://schemas.microsoft.com/office/powerpoint/2010/main">
+    <mc:Choice Requires="p14">
       <p:transition spd="slow" p14:dur="2000"/>
     </mc:Choice>
-    <mc:Fallback>
+    <mc:Fallback xmlns="">
       <p:transition spd="slow"/>
     </mc:Fallback>
   </mc:AlternateContent>
@@ -20126,7 +20135,7 @@
       </p:sp>
       <p:pic>
         <p:nvPicPr>
-          <p:cNvPr id="2" name=""/>
+          <p:cNvPr id="2" name="Picture Placeholder 1"/>
           <p:cNvPicPr>
             <a:picLocks noGrp="1" noChangeAspect="1"/>
           </p:cNvPicPr>
@@ -20267,11 +20276,11 @@
   <p:clrMapOvr>
     <a:masterClrMapping/>
   </p:clrMapOvr>
-  <mc:AlternateContent xmlns:mc="http://schemas.openxmlformats.org/markup-compatibility/2006">
-    <mc:Choice xmlns:p14="http://schemas.microsoft.com/office/powerpoint/2010/main" Requires="p14">
+  <mc:AlternateContent xmlns:mc="http://schemas.openxmlformats.org/markup-compatibility/2006" xmlns:p14="http://schemas.microsoft.com/office/powerpoint/2010/main">
+    <mc:Choice Requires="p14">
       <p:transition spd="slow" p14:dur="2000"/>
     </mc:Choice>
-    <mc:Fallback>
+    <mc:Fallback xmlns="">
       <p:transition spd="slow"/>
     </mc:Fallback>
   </mc:AlternateContent>
@@ -20700,11 +20709,11 @@
   <p:clrMapOvr>
     <a:masterClrMapping/>
   </p:clrMapOvr>
-  <mc:AlternateContent xmlns:mc="http://schemas.openxmlformats.org/markup-compatibility/2006">
-    <mc:Choice xmlns:p14="http://schemas.microsoft.com/office/powerpoint/2010/main" Requires="p14">
+  <mc:AlternateContent xmlns:mc="http://schemas.openxmlformats.org/markup-compatibility/2006" xmlns:p14="http://schemas.microsoft.com/office/powerpoint/2010/main">
+    <mc:Choice Requires="p14">
       <p:transition spd="slow" p14:dur="2000"/>
     </mc:Choice>
-    <mc:Fallback>
+    <mc:Fallback xmlns="">
       <p:transition spd="slow"/>
     </mc:Fallback>
   </mc:AlternateContent>
@@ -21119,11 +21128,11 @@
   <p:clrMapOvr>
     <a:masterClrMapping/>
   </p:clrMapOvr>
-  <mc:AlternateContent xmlns:mc="http://schemas.openxmlformats.org/markup-compatibility/2006">
-    <mc:Choice xmlns:p14="http://schemas.microsoft.com/office/powerpoint/2010/main" Requires="p14">
+  <mc:AlternateContent xmlns:mc="http://schemas.openxmlformats.org/markup-compatibility/2006" xmlns:p14="http://schemas.microsoft.com/office/powerpoint/2010/main">
+    <mc:Choice Requires="p14">
       <p:transition spd="slow" p14:dur="2000"/>
     </mc:Choice>
-    <mc:Fallback>
+    <mc:Fallback xmlns="">
       <p:transition spd="slow"/>
     </mc:Fallback>
   </mc:AlternateContent>
@@ -21521,7 +21530,7 @@
       </p:sp>
       <p:pic>
         <p:nvPicPr>
-          <p:cNvPr id="4" name=""/>
+          <p:cNvPr id="4" name="Picture 3"/>
           <p:cNvPicPr>
             <a:picLocks noChangeAspect="1"/>
           </p:cNvPicPr>
@@ -21556,11 +21565,11 @@
   <p:clrMapOvr>
     <a:masterClrMapping/>
   </p:clrMapOvr>
-  <mc:AlternateContent xmlns:mc="http://schemas.openxmlformats.org/markup-compatibility/2006">
-    <mc:Choice xmlns:p14="http://schemas.microsoft.com/office/powerpoint/2010/main" Requires="p14">
+  <mc:AlternateContent xmlns:mc="http://schemas.openxmlformats.org/markup-compatibility/2006" xmlns:p14="http://schemas.microsoft.com/office/powerpoint/2010/main">
+    <mc:Choice Requires="p14">
       <p:transition spd="slow" p14:dur="2000"/>
     </mc:Choice>
-    <mc:Fallback>
+    <mc:Fallback xmlns="">
       <p:transition spd="slow"/>
     </mc:Fallback>
   </mc:AlternateContent>

--- a/powerpoint.pptx
+++ b/powerpoint.pptx
@@ -122,6 +122,22 @@
       </a:defRPr>
     </a:lvl9pPr>
   </p:defaultTextStyle>
+  <p:extLst>
+    <p:ext uri="{EFAFB233-063F-42B5-8137-9DF3F51BA10A}">
+      <p15:sldGuideLst xmlns:p15="http://schemas.microsoft.com/office/powerpoint/2012/main">
+        <p15:guide id="1" orient="horz" pos="2381">
+          <p15:clr>
+            <a:srgbClr val="A4A3A4"/>
+          </p15:clr>
+        </p15:guide>
+        <p15:guide id="2" pos="3175">
+          <p15:clr>
+            <a:srgbClr val="A4A3A4"/>
+          </p15:clr>
+        </p15:guide>
+      </p15:sldGuideLst>
+    </p:ext>
+  </p:extLst>
 </p:presentation>
 </file>
 
@@ -1110,101 +1126,6 @@
 </p:notes>
 </file>
 
-<file path=ppt/notesSlides/notesSlide13.xml><?xml version="1.0" encoding="utf-8"?>
-<p:notes xmlns:a="http://schemas.openxmlformats.org/drawingml/2006/main" xmlns:r="http://schemas.openxmlformats.org/officeDocument/2006/relationships" xmlns:p="http://schemas.openxmlformats.org/presentationml/2006/main">
-  <p:cSld>
-    <p:spTree>
-      <p:nvGrpSpPr>
-        <p:cNvPr id="1" name=""/>
-        <p:cNvGrpSpPr/>
-        <p:nvPr/>
-      </p:nvGrpSpPr>
-      <p:grpSpPr>
-        <a:xfrm>
-          <a:off x="0" y="0"/>
-          <a:ext cx="0" cy="0"/>
-          <a:chOff x="0" y="0"/>
-          <a:chExt cx="0" cy="0"/>
-        </a:xfrm>
-      </p:grpSpPr>
-      <p:sp>
-        <p:nvSpPr>
-          <p:cNvPr id="7" name="Slide Number Placeholder 6"/>
-          <p:cNvSpPr txBox="1">
-            <a:spLocks noGrp="1"/>
-          </p:cNvSpPr>
-          <p:nvPr>
-            <p:ph type="sldNum" sz="quarter" idx="5"/>
-          </p:nvPr>
-        </p:nvSpPr>
-        <p:spPr>
-          <a:ln/>
-        </p:spPr>
-        <p:txBody>
-          <a:bodyPr lIns="0" tIns="0" rIns="0" bIns="0" anchor="b"/>
-          <a:lstStyle/>
-          <a:p>
-            <a:pPr lvl="0"/>
-            <a:fld id="{9E78FDA7-E832-4D88-BB15-A037F60B4C14}" type="slidenum">
-              <a:t>13</a:t>
-            </a:fld>
-            <a:endParaRPr lang="x-none"/>
-          </a:p>
-        </p:txBody>
-      </p:sp>
-      <p:sp>
-        <p:nvSpPr>
-          <p:cNvPr id="2" name="Slide Image Placeholder 1"/>
-          <p:cNvSpPr>
-            <a:spLocks noGrp="1" noRot="1" noChangeAspect="1" noResize="1"/>
-          </p:cNvSpPr>
-          <p:nvPr>
-            <p:ph type="sldImg"/>
-          </p:nvPr>
-        </p:nvSpPr>
-        <p:spPr>
-          <a:xfrm>
-            <a:off x="1106488" y="812800"/>
-            <a:ext cx="5345112" cy="4008438"/>
-          </a:xfrm>
-          <a:solidFill>
-            <a:srgbClr val="99CCFF"/>
-          </a:solidFill>
-          <a:ln w="25400">
-            <a:solidFill>
-              <a:srgbClr val="000000"/>
-            </a:solidFill>
-            <a:prstDash val="solid"/>
-          </a:ln>
-        </p:spPr>
-      </p:sp>
-      <p:sp>
-        <p:nvSpPr>
-          <p:cNvPr id="3" name="Notes Placeholder 2"/>
-          <p:cNvSpPr txBox="1">
-            <a:spLocks noGrp="1"/>
-          </p:cNvSpPr>
-          <p:nvPr>
-            <p:ph type="body" sz="quarter" idx="1"/>
-          </p:nvPr>
-        </p:nvSpPr>
-        <p:spPr/>
-        <p:txBody>
-          <a:bodyPr/>
-          <a:lstStyle/>
-          <a:p>
-            <a:endParaRPr lang="x-none"/>
-          </a:p>
-        </p:txBody>
-      </p:sp>
-    </p:spTree>
-  </p:cSld>
-  <p:clrMapOvr>
-    <a:masterClrMapping/>
-  </p:clrMapOvr>
-</p:notes>
-</file>
-
 <file path=ppt/notesSlides/notesSlide2.xml><?xml version="1.0" encoding="utf-8"?>
 <p:notes xmlns:a="http://schemas.openxmlformats.org/drawingml/2006/main" xmlns:r="http://schemas.openxmlformats.org/officeDocument/2006/relationships" xmlns:p="http://schemas.openxmlformats.org/presentationml/2006/main">
   <p:cSld>
@@ -3650,7 +3571,7 @@
           </a:lstStyle>
           <a:p>
             <a:r>
-              <a:rPr lang="en-US" smtClean="0"/>
+              <a:rPr lang="en-US"/>
               <a:t>Click to edit Master title style</a:t>
             </a:r>
             <a:endParaRPr lang="en-US" dirty="0"/>
@@ -3769,7 +3690,7 @@
           </a:lstStyle>
           <a:p>
             <a:r>
-              <a:rPr lang="en-US" smtClean="0"/>
+              <a:rPr lang="en-US"/>
               <a:t>Click to edit Master subtitle style</a:t>
             </a:r>
             <a:endParaRPr lang="en-US" dirty="0"/>
@@ -3881,10 +3802,9 @@
           <a:lstStyle/>
           <a:p>
             <a:r>
-              <a:rPr lang="en-US" smtClean="0"/>
+              <a:rPr lang="en-US"/>
               <a:t>Click to edit Master title style</a:t>
             </a:r>
-            <a:endParaRPr lang="en-US"/>
           </a:p>
         </p:txBody>
       </p:sp>
@@ -3921,38 +3841,37 @@
           <a:p>
             <a:pPr lvl="0"/>
             <a:r>
-              <a:rPr lang="en-US" smtClean="0"/>
+              <a:rPr lang="en-US"/>
               <a:t>Click to edit Master text styles</a:t>
             </a:r>
           </a:p>
           <a:p>
             <a:pPr lvl="1"/>
             <a:r>
-              <a:rPr lang="en-US" smtClean="0"/>
+              <a:rPr lang="en-US"/>
               <a:t>Second level</a:t>
             </a:r>
           </a:p>
           <a:p>
             <a:pPr lvl="2"/>
             <a:r>
-              <a:rPr lang="en-US" smtClean="0"/>
+              <a:rPr lang="en-US"/>
               <a:t>Third level</a:t>
             </a:r>
           </a:p>
           <a:p>
             <a:pPr lvl="3"/>
             <a:r>
-              <a:rPr lang="en-US" smtClean="0"/>
+              <a:rPr lang="en-US"/>
               <a:t>Fourth level</a:t>
             </a:r>
           </a:p>
           <a:p>
             <a:pPr lvl="4"/>
             <a:r>
-              <a:rPr lang="en-US" smtClean="0"/>
+              <a:rPr lang="en-US"/>
               <a:t>Fifth level</a:t>
             </a:r>
-            <a:endParaRPr lang="en-US"/>
           </a:p>
         </p:txBody>
       </p:sp>
@@ -5759,7 +5678,7 @@
           </a:lstStyle>
           <a:p>
             <a:r>
-              <a:rPr lang="en-US" smtClean="0"/>
+              <a:rPr lang="en-US"/>
               <a:t>Click to edit Master title style</a:t>
             </a:r>
             <a:endParaRPr lang="en-US" dirty="0"/>
@@ -5819,35 +5738,35 @@
           <a:p>
             <a:pPr lvl="0"/>
             <a:r>
-              <a:rPr lang="en-US" smtClean="0"/>
+              <a:rPr lang="en-US"/>
               <a:t>Click to edit Master text styles</a:t>
             </a:r>
           </a:p>
           <a:p>
             <a:pPr lvl="1"/>
             <a:r>
-              <a:rPr lang="en-US" smtClean="0"/>
+              <a:rPr lang="en-US"/>
               <a:t>Second level</a:t>
             </a:r>
           </a:p>
           <a:p>
             <a:pPr lvl="2"/>
             <a:r>
-              <a:rPr lang="en-US" smtClean="0"/>
+              <a:rPr lang="en-US"/>
               <a:t>Third level</a:t>
             </a:r>
           </a:p>
           <a:p>
             <a:pPr lvl="3"/>
             <a:r>
-              <a:rPr lang="en-US" smtClean="0"/>
+              <a:rPr lang="en-US"/>
               <a:t>Fourth level</a:t>
             </a:r>
           </a:p>
           <a:p>
             <a:pPr lvl="4"/>
             <a:r>
-              <a:rPr lang="en-US" smtClean="0"/>
+              <a:rPr lang="en-US"/>
               <a:t>Fifth level</a:t>
             </a:r>
             <a:endParaRPr lang="en-US" dirty="0"/>
@@ -5896,38 +5815,37 @@
           <a:p>
             <a:pPr lvl="0"/>
             <a:r>
-              <a:rPr lang="en-US" smtClean="0"/>
+              <a:rPr lang="en-US"/>
               <a:t>Click to edit Master text styles</a:t>
             </a:r>
           </a:p>
           <a:p>
             <a:pPr lvl="1"/>
             <a:r>
-              <a:rPr lang="en-US" smtClean="0"/>
+              <a:rPr lang="en-US"/>
               <a:t>Second level</a:t>
             </a:r>
           </a:p>
           <a:p>
             <a:pPr lvl="2"/>
             <a:r>
-              <a:rPr lang="en-US" smtClean="0"/>
+              <a:rPr lang="en-US"/>
               <a:t>Third level</a:t>
             </a:r>
           </a:p>
           <a:p>
             <a:pPr lvl="3"/>
             <a:r>
-              <a:rPr lang="en-US" smtClean="0"/>
+              <a:rPr lang="en-US"/>
               <a:t>Fourth level</a:t>
             </a:r>
           </a:p>
           <a:p>
             <a:pPr lvl="4"/>
             <a:r>
-              <a:rPr lang="en-US" smtClean="0"/>
+              <a:rPr lang="en-US"/>
               <a:t>Fifth level</a:t>
             </a:r>
-            <a:endParaRPr lang="en-US"/>
           </a:p>
         </p:txBody>
       </p:sp>
@@ -6011,10 +5929,9 @@
           <a:lstStyle/>
           <a:p>
             <a:r>
-              <a:rPr lang="en-US" smtClean="0"/>
+              <a:rPr lang="en-US"/>
               <a:t>Click to edit Master title style</a:t>
             </a:r>
-            <a:endParaRPr lang="en-US"/>
           </a:p>
         </p:txBody>
       </p:sp>
@@ -7674,7 +7591,7 @@
           </a:lstStyle>
           <a:p>
             <a:r>
-              <a:rPr lang="en-US" smtClean="0"/>
+              <a:rPr lang="en-US"/>
               <a:t>Click to edit Master title style</a:t>
             </a:r>
             <a:endParaRPr lang="en-US" dirty="0"/>
@@ -7794,7 +7711,7 @@
           <a:p>
             <a:pPr lvl="0"/>
             <a:r>
-              <a:rPr lang="en-US" smtClean="0"/>
+              <a:rPr lang="en-US"/>
               <a:t>Click to edit Master text styles</a:t>
             </a:r>
           </a:p>
@@ -7905,10 +7822,9 @@
           <a:lstStyle/>
           <a:p>
             <a:r>
-              <a:rPr lang="en-US" smtClean="0"/>
+              <a:rPr lang="en-US"/>
               <a:t>Click to edit Master title style</a:t>
             </a:r>
-            <a:endParaRPr lang="en-US"/>
           </a:p>
         </p:txBody>
       </p:sp>
@@ -7998,38 +7914,37 @@
           <a:p>
             <a:pPr lvl="0"/>
             <a:r>
-              <a:rPr lang="en-US" smtClean="0"/>
+              <a:rPr lang="en-US"/>
               <a:t>Click to edit Master text styles</a:t>
             </a:r>
           </a:p>
           <a:p>
             <a:pPr lvl="1"/>
             <a:r>
-              <a:rPr lang="en-US" smtClean="0"/>
+              <a:rPr lang="en-US"/>
               <a:t>Second level</a:t>
             </a:r>
           </a:p>
           <a:p>
             <a:pPr lvl="2"/>
             <a:r>
-              <a:rPr lang="en-US" smtClean="0"/>
+              <a:rPr lang="en-US"/>
               <a:t>Third level</a:t>
             </a:r>
           </a:p>
           <a:p>
             <a:pPr lvl="3"/>
             <a:r>
-              <a:rPr lang="en-US" smtClean="0"/>
+              <a:rPr lang="en-US"/>
               <a:t>Fourth level</a:t>
             </a:r>
           </a:p>
           <a:p>
             <a:pPr lvl="4"/>
             <a:r>
-              <a:rPr lang="en-US" smtClean="0"/>
+              <a:rPr lang="en-US"/>
               <a:t>Fifth level</a:t>
             </a:r>
-            <a:endParaRPr lang="en-US"/>
           </a:p>
         </p:txBody>
       </p:sp>
@@ -8055,38 +7970,37 @@
           <a:p>
             <a:pPr lvl="0"/>
             <a:r>
-              <a:rPr lang="en-US" smtClean="0"/>
+              <a:rPr lang="en-US"/>
               <a:t>Click to edit Master text styles</a:t>
             </a:r>
           </a:p>
           <a:p>
             <a:pPr lvl="1"/>
             <a:r>
-              <a:rPr lang="en-US" smtClean="0"/>
+              <a:rPr lang="en-US"/>
               <a:t>Second level</a:t>
             </a:r>
           </a:p>
           <a:p>
             <a:pPr lvl="2"/>
             <a:r>
-              <a:rPr lang="en-US" smtClean="0"/>
+              <a:rPr lang="en-US"/>
               <a:t>Third level</a:t>
             </a:r>
           </a:p>
           <a:p>
             <a:pPr lvl="3"/>
             <a:r>
-              <a:rPr lang="en-US" smtClean="0"/>
+              <a:rPr lang="en-US"/>
               <a:t>Fourth level</a:t>
             </a:r>
           </a:p>
           <a:p>
             <a:pPr lvl="4"/>
             <a:r>
-              <a:rPr lang="en-US" smtClean="0"/>
+              <a:rPr lang="en-US"/>
               <a:t>Fifth level</a:t>
             </a:r>
-            <a:endParaRPr lang="en-US"/>
           </a:p>
         </p:txBody>
       </p:sp>
@@ -8135,10 +8049,9 @@
           </a:lstStyle>
           <a:p>
             <a:r>
-              <a:rPr lang="en-US" smtClean="0"/>
+              <a:rPr lang="en-US"/>
               <a:t>Click to edit Master title style</a:t>
             </a:r>
-            <a:endParaRPr lang="en-US"/>
           </a:p>
         </p:txBody>
       </p:sp>
@@ -8206,7 +8119,7 @@
           <a:p>
             <a:pPr lvl="0"/>
             <a:r>
-              <a:rPr lang="en-US" smtClean="0"/>
+              <a:rPr lang="en-US"/>
               <a:t>Click to edit Master text styles</a:t>
             </a:r>
           </a:p>
@@ -8262,35 +8175,35 @@
           <a:p>
             <a:pPr lvl="0"/>
             <a:r>
-              <a:rPr lang="en-US" smtClean="0"/>
+              <a:rPr lang="en-US"/>
               <a:t>Click to edit Master text styles</a:t>
             </a:r>
           </a:p>
           <a:p>
             <a:pPr lvl="1"/>
             <a:r>
-              <a:rPr lang="en-US" smtClean="0"/>
+              <a:rPr lang="en-US"/>
               <a:t>Second level</a:t>
             </a:r>
           </a:p>
           <a:p>
             <a:pPr lvl="2"/>
             <a:r>
-              <a:rPr lang="en-US" smtClean="0"/>
+              <a:rPr lang="en-US"/>
               <a:t>Third level</a:t>
             </a:r>
           </a:p>
           <a:p>
             <a:pPr lvl="3"/>
             <a:r>
-              <a:rPr lang="en-US" smtClean="0"/>
+              <a:rPr lang="en-US"/>
               <a:t>Fourth level</a:t>
             </a:r>
           </a:p>
           <a:p>
             <a:pPr lvl="4"/>
             <a:r>
-              <a:rPr lang="en-US" smtClean="0"/>
+              <a:rPr lang="en-US"/>
               <a:t>Fifth level</a:t>
             </a:r>
             <a:endParaRPr lang="en-US" dirty="0"/>
@@ -8361,7 +8274,7 @@
           <a:p>
             <a:pPr lvl="0"/>
             <a:r>
-              <a:rPr lang="en-US" smtClean="0"/>
+              <a:rPr lang="en-US"/>
               <a:t>Click to edit Master text styles</a:t>
             </a:r>
           </a:p>
@@ -8417,35 +8330,35 @@
           <a:p>
             <a:pPr lvl="0"/>
             <a:r>
-              <a:rPr lang="en-US" smtClean="0"/>
+              <a:rPr lang="en-US"/>
               <a:t>Click to edit Master text styles</a:t>
             </a:r>
           </a:p>
           <a:p>
             <a:pPr lvl="1"/>
             <a:r>
-              <a:rPr lang="en-US" smtClean="0"/>
+              <a:rPr lang="en-US"/>
               <a:t>Second level</a:t>
             </a:r>
           </a:p>
           <a:p>
             <a:pPr lvl="2"/>
             <a:r>
-              <a:rPr lang="en-US" smtClean="0"/>
+              <a:rPr lang="en-US"/>
               <a:t>Third level</a:t>
             </a:r>
           </a:p>
           <a:p>
             <a:pPr lvl="3"/>
             <a:r>
-              <a:rPr lang="en-US" smtClean="0"/>
+              <a:rPr lang="en-US"/>
               <a:t>Fourth level</a:t>
             </a:r>
           </a:p>
           <a:p>
             <a:pPr lvl="4"/>
             <a:r>
-              <a:rPr lang="en-US" smtClean="0"/>
+              <a:rPr lang="en-US"/>
               <a:t>Fifth level</a:t>
             </a:r>
             <a:endParaRPr lang="en-US" dirty="0"/>
@@ -8557,10 +8470,9 @@
           <a:lstStyle/>
           <a:p>
             <a:r>
-              <a:rPr lang="en-US" smtClean="0"/>
+              <a:rPr lang="en-US"/>
               <a:t>Click to edit Master title style</a:t>
             </a:r>
-            <a:endParaRPr lang="en-US"/>
           </a:p>
         </p:txBody>
       </p:sp>
@@ -10560,7 +10472,7 @@
           <a:p>
             <a:pPr lvl="0"/>
             <a:r>
-              <a:rPr lang="en-US" smtClean="0"/>
+              <a:rPr lang="en-US"/>
               <a:t>Click to edit Master text styles</a:t>
             </a:r>
           </a:p>
@@ -12157,7 +12069,7 @@
           </a:lstStyle>
           <a:p>
             <a:r>
-              <a:rPr lang="en-US" smtClean="0"/>
+              <a:rPr lang="en-US"/>
               <a:t>Click to edit Master title style</a:t>
             </a:r>
             <a:endParaRPr lang="en-US" dirty="0"/>
@@ -12249,35 +12161,35 @@
           <a:p>
             <a:pPr lvl="0"/>
             <a:r>
-              <a:rPr lang="en-US" smtClean="0"/>
+              <a:rPr lang="en-US"/>
               <a:t>Click to edit Master text styles</a:t>
             </a:r>
           </a:p>
           <a:p>
             <a:pPr lvl="1"/>
             <a:r>
-              <a:rPr lang="en-US" smtClean="0"/>
+              <a:rPr lang="en-US"/>
               <a:t>Second level</a:t>
             </a:r>
           </a:p>
           <a:p>
             <a:pPr lvl="2"/>
             <a:r>
-              <a:rPr lang="en-US" smtClean="0"/>
+              <a:rPr lang="en-US"/>
               <a:t>Third level</a:t>
             </a:r>
           </a:p>
           <a:p>
             <a:pPr lvl="3"/>
             <a:r>
-              <a:rPr lang="en-US" smtClean="0"/>
+              <a:rPr lang="en-US"/>
               <a:t>Fourth level</a:t>
             </a:r>
           </a:p>
           <a:p>
             <a:pPr lvl="4"/>
             <a:r>
-              <a:rPr lang="en-US" smtClean="0"/>
+              <a:rPr lang="en-US"/>
               <a:t>Fifth level</a:t>
             </a:r>
             <a:endParaRPr lang="en-US" dirty="0"/>
@@ -13961,7 +13873,7 @@
           </a:lstStyle>
           <a:p>
             <a:r>
-              <a:rPr lang="en-US" smtClean="0"/>
+              <a:rPr lang="en-US"/>
               <a:t>Click to edit Master title style</a:t>
             </a:r>
             <a:endParaRPr lang="en-US" dirty="0"/>
@@ -14033,7 +13945,7 @@
           <a:p>
             <a:pPr lvl="0"/>
             <a:r>
-              <a:rPr lang="en-US" smtClean="0"/>
+              <a:rPr lang="en-US"/>
               <a:t>Click to edit Master text styles</a:t>
             </a:r>
           </a:p>
@@ -14190,7 +14102,7 @@
           </a:lstStyle>
           <a:p>
             <a:r>
-              <a:rPr lang="en-US" smtClean="0"/>
+              <a:rPr lang="en-US"/>
               <a:t>Click icon to add picture</a:t>
             </a:r>
             <a:endParaRPr lang="en-US" dirty="0"/>
@@ -15874,7 +15786,7 @@
           <a:lstStyle/>
           <a:p>
             <a:r>
-              <a:rPr lang="en-US" smtClean="0"/>
+              <a:rPr lang="en-US"/>
               <a:t>Click to edit Master title style</a:t>
             </a:r>
             <a:endParaRPr lang="en-US" dirty="0"/>
@@ -16020,35 +15932,35 @@
           <a:p>
             <a:pPr lvl="0"/>
             <a:r>
-              <a:rPr lang="en-US" smtClean="0"/>
+              <a:rPr lang="en-US"/>
               <a:t>Click to edit Master text styles</a:t>
             </a:r>
           </a:p>
           <a:p>
             <a:pPr lvl="1"/>
             <a:r>
-              <a:rPr lang="en-US" smtClean="0"/>
+              <a:rPr lang="en-US"/>
               <a:t>Second level</a:t>
             </a:r>
           </a:p>
           <a:p>
             <a:pPr lvl="2"/>
             <a:r>
-              <a:rPr lang="en-US" smtClean="0"/>
+              <a:rPr lang="en-US"/>
               <a:t>Third level</a:t>
             </a:r>
           </a:p>
           <a:p>
             <a:pPr lvl="3"/>
             <a:r>
-              <a:rPr lang="en-US" smtClean="0"/>
+              <a:rPr lang="en-US"/>
               <a:t>Fourth level</a:t>
             </a:r>
           </a:p>
           <a:p>
             <a:pPr lvl="4"/>
             <a:r>
-              <a:rPr lang="en-US" smtClean="0"/>
+              <a:rPr lang="en-US"/>
               <a:t>Fifth level</a:t>
             </a:r>
             <a:endParaRPr lang="en-US" dirty="0"/>
@@ -16446,10 +16358,9 @@
           <a:p>
             <a:pPr lvl="0"/>
             <a:r>
-              <a:rPr lang="x-none" smtClean="0"/>
+              <a:rPr lang="x-none"/>
               <a:t>L3 Informatique ---- Projet Motus</a:t>
             </a:r>
-            <a:endParaRPr lang="x-none"/>
           </a:p>
         </p:txBody>
       </p:sp>
@@ -16552,17 +16463,9 @@
             <a:pPr lvl="0">
               <a:buNone/>
             </a:pPr>
-            <a:r>
-              <a:rPr lang="x-none" dirty="0"/>
-              <a:t/>
-            </a:r>
             <a:br>
               <a:rPr lang="x-none" dirty="0"/>
             </a:br>
-            <a:r>
-              <a:rPr lang="x-none" dirty="0"/>
-              <a:t/>
-            </a:r>
             <a:br>
               <a:rPr lang="x-none" dirty="0"/>
             </a:br>
@@ -16575,51 +16478,23 @@
               </a:rPr>
               <a:t>Groupe 7</a:t>
             </a:r>
-            <a:r>
-              <a:rPr lang="x-none" dirty="0"/>
-              <a:t/>
-            </a:r>
             <a:br>
               <a:rPr lang="x-none" dirty="0"/>
             </a:br>
-            <a:r>
-              <a:rPr lang="x-none" dirty="0"/>
-              <a:t/>
-            </a:r>
             <a:br>
               <a:rPr lang="x-none" dirty="0"/>
             </a:br>
-            <a:r>
-              <a:rPr lang="x-none" dirty="0"/>
-              <a:t/>
-            </a:r>
             <a:br>
               <a:rPr lang="x-none" dirty="0"/>
             </a:br>
-            <a:r>
-              <a:rPr lang="x-none" dirty="0"/>
-              <a:t/>
-            </a:r>
             <a:br>
               <a:rPr lang="x-none" dirty="0"/>
             </a:br>
-            <a:r>
-              <a:rPr lang="x-none" sz="2200" dirty="0">
-                <a:latin typeface="Tahoma" pitchFamily="34"/>
-              </a:rPr>
-              <a:t/>
-            </a:r>
             <a:br>
               <a:rPr lang="x-none" sz="2200" dirty="0">
                 <a:latin typeface="Tahoma" pitchFamily="34"/>
               </a:rPr>
             </a:br>
-            <a:r>
-              <a:rPr lang="x-none" sz="2200" dirty="0">
-                <a:latin typeface="Tahoma" pitchFamily="34"/>
-              </a:rPr>
-              <a:t/>
-            </a:r>
             <a:br>
               <a:rPr lang="x-none" sz="2200" dirty="0">
                 <a:latin typeface="Tahoma" pitchFamily="34"/>
@@ -16693,14 +16568,6 @@
                 <a:latin typeface="Arial" pitchFamily="34"/>
               </a:defRPr>
             </a:pPr>
-            <a:r>
-              <a:rPr lang="fr-FR" sz="2200" dirty="0">
-                <a:latin typeface="Arial" pitchFamily="34"/>
-                <a:ea typeface="Andale Sans UI" pitchFamily="2"/>
-                <a:cs typeface="Tahoma" pitchFamily="2"/>
-              </a:rPr>
-              <a:t/>
-            </a:r>
             <a:br>
               <a:rPr lang="fr-FR" sz="2200" dirty="0">
                 <a:latin typeface="Arial" pitchFamily="34"/>
@@ -16717,61 +16584,7 @@
                 <a:ea typeface="Andale Sans UI" pitchFamily="2"/>
                 <a:cs typeface="Tahoma" pitchFamily="2"/>
               </a:rPr>
-              <a:t>GESNOUIN </a:t>
-            </a:r>
-            <a:r>
-              <a:rPr lang="fr-FR" sz="2600" dirty="0" smtClean="0">
-                <a:solidFill>
-                  <a:srgbClr val="1C1C1C"/>
-                </a:solidFill>
-                <a:latin typeface="Arial" pitchFamily="34"/>
-                <a:ea typeface="Andale Sans UI" pitchFamily="2"/>
-                <a:cs typeface="Tahoma" pitchFamily="2"/>
-              </a:rPr>
-              <a:t>	Kévin</a:t>
-            </a:r>
-            <a:r>
-              <a:rPr lang="fr-FR" sz="2600" dirty="0">
-                <a:solidFill>
-                  <a:srgbClr val="1C1C1C"/>
-                </a:solidFill>
-                <a:latin typeface="Arial" pitchFamily="34"/>
-                <a:ea typeface="Andale Sans UI" pitchFamily="2"/>
-                <a:cs typeface="Tahoma" pitchFamily="2"/>
-              </a:rPr>
-              <a:t/>
-            </a:r>
-            <a:br>
-              <a:rPr lang="fr-FR" sz="2600" dirty="0">
-                <a:solidFill>
-                  <a:srgbClr val="1C1C1C"/>
-                </a:solidFill>
-                <a:latin typeface="Arial" pitchFamily="34"/>
-                <a:ea typeface="Andale Sans UI" pitchFamily="2"/>
-                <a:cs typeface="Tahoma" pitchFamily="2"/>
-              </a:rPr>
-            </a:br>
-            <a:r>
-              <a:rPr lang="fr-FR" sz="2600" dirty="0" smtClean="0">
-                <a:solidFill>
-                  <a:srgbClr val="1C1C1C"/>
-                </a:solidFill>
-                <a:latin typeface="Arial" pitchFamily="34"/>
-                <a:ea typeface="Andale Sans UI" pitchFamily="2"/>
-                <a:cs typeface="Tahoma" pitchFamily="2"/>
-              </a:rPr>
-              <a:t>LAVASTE 		Maxime</a:t>
-            </a:r>
-            <a:r>
-              <a:rPr lang="fr-FR" sz="2600" dirty="0">
-                <a:solidFill>
-                  <a:srgbClr val="1C1C1C"/>
-                </a:solidFill>
-                <a:latin typeface="Arial" pitchFamily="34"/>
-                <a:ea typeface="Andale Sans UI" pitchFamily="2"/>
-                <a:cs typeface="Tahoma" pitchFamily="2"/>
-              </a:rPr>
-              <a:t/>
+              <a:t>GESNOUIN 	Kévin</a:t>
             </a:r>
             <a:br>
               <a:rPr lang="fr-FR" sz="2600" dirty="0">
@@ -16792,29 +16605,7 @@
                 <a:ea typeface="Andale Sans UI" pitchFamily="2"/>
                 <a:cs typeface="Tahoma" pitchFamily="2"/>
               </a:rPr>
-              <a:t>LAFONTAINE </a:t>
-            </a:r>
-            <a:r>
-              <a:rPr lang="fr-FR" sz="2600" dirty="0" smtClean="0">
-                <a:solidFill>
-                  <a:srgbClr val="1C1C1C"/>
-                </a:solidFill>
-                <a:latin typeface="Arial" pitchFamily="34"/>
-                <a:ea typeface="Andale Sans UI" pitchFamily="2"/>
-                <a:cs typeface="Tahoma" pitchFamily="2"/>
-              </a:rPr>
-              <a:t>	Loïc</a:t>
-            </a:r>
-            <a:r>
-              <a:rPr lang="fr-FR" sz="2600" dirty="0">
-                <a:solidFill>
-                  <a:srgbClr val="1C1C1C"/>
-                </a:solidFill>
-                <a:latin typeface="Arial" pitchFamily="34"/>
-                <a:ea typeface="Andale Sans UI" pitchFamily="2"/>
-                <a:cs typeface="Tahoma" pitchFamily="2"/>
-              </a:rPr>
-              <a:t/>
+              <a:t>LAVASTE 		Maxime</a:t>
             </a:r>
             <a:br>
               <a:rPr lang="fr-FR" sz="2600" dirty="0">
@@ -16835,10 +16626,10 @@
                 <a:ea typeface="Andale Sans UI" pitchFamily="2"/>
                 <a:cs typeface="Tahoma" pitchFamily="2"/>
               </a:rPr>
-              <a:t>MALAMAS </a:t>
+              <a:t>LAFONTAINE 	Loïc</a:t>
             </a:r>
-            <a:r>
-              <a:rPr lang="fr-FR" sz="2600" dirty="0" smtClean="0">
+            <a:br>
+              <a:rPr lang="fr-FR" sz="2600" dirty="0">
                 <a:solidFill>
                   <a:srgbClr val="1C1C1C"/>
                 </a:solidFill>
@@ -16846,16 +16637,18 @@
                 <a:ea typeface="Andale Sans UI" pitchFamily="2"/>
                 <a:cs typeface="Tahoma" pitchFamily="2"/>
               </a:rPr>
-              <a:t>		Alexis</a:t>
+            </a:br>
+            <a:r>
+              <a:rPr lang="fr-FR" sz="2600" dirty="0">
+                <a:solidFill>
+                  <a:srgbClr val="1C1C1C"/>
+                </a:solidFill>
+                <a:latin typeface="Arial" pitchFamily="34"/>
+                <a:ea typeface="Andale Sans UI" pitchFamily="2"/>
+                <a:cs typeface="Tahoma" pitchFamily="2"/>
+              </a:rPr>
+              <a:t>MALAMAS 		Alexis</a:t>
             </a:r>
-            <a:endParaRPr lang="fr-FR" sz="2600" dirty="0">
-              <a:solidFill>
-                <a:srgbClr val="1C1C1C"/>
-              </a:solidFill>
-              <a:latin typeface="Arial" pitchFamily="34"/>
-              <a:ea typeface="Andale Sans UI" pitchFamily="2"/>
-              <a:cs typeface="Tahoma" pitchFamily="2"/>
-            </a:endParaRPr>
           </a:p>
         </p:txBody>
       </p:sp>
@@ -16867,8 +16660,8 @@
         </p:nvSpPr>
         <p:spPr>
           <a:xfrm>
-            <a:off x="8208664" y="438229"/>
-            <a:ext cx="1018227" cy="369332"/>
+            <a:off x="7704608" y="576351"/>
+            <a:ext cx="1851789" cy="646331"/>
           </a:xfrm>
           <a:prstGeom prst="rect">
             <a:avLst/>
@@ -16881,12 +16674,41 @@
           <a:lstStyle/>
           <a:p>
             <a:r>
-              <a:rPr lang="x-none" dirty="0" smtClean="0">
+              <a:rPr lang="x-none" sz="3600" b="1" dirty="0">
+                <a:ln w="6600">
+                  <a:solidFill>
+                    <a:schemeClr val="accent2"/>
+                  </a:solidFill>
+                  <a:prstDash val="solid"/>
+                </a:ln>
+                <a:solidFill>
+                  <a:srgbClr val="FFFFFF"/>
+                </a:solidFill>
+                <a:effectLst>
+                  <a:outerShdw dist="38100" dir="2700000" algn="tl" rotWithShape="0">
+                    <a:schemeClr val="accent2"/>
+                  </a:outerShdw>
+                </a:effectLst>
                 <a:latin typeface="Arial" pitchFamily="34"/>
               </a:rPr>
               <a:t>MOTUS</a:t>
             </a:r>
-            <a:endParaRPr lang="fr-FR" dirty="0"/>
+            <a:endParaRPr lang="fr-FR" sz="3600" b="1" dirty="0">
+              <a:ln w="6600">
+                <a:solidFill>
+                  <a:schemeClr val="accent2"/>
+                </a:solidFill>
+                <a:prstDash val="solid"/>
+              </a:ln>
+              <a:solidFill>
+                <a:srgbClr val="FFFFFF"/>
+              </a:solidFill>
+              <a:effectLst>
+                <a:outerShdw dist="38100" dir="2700000" algn="tl" rotWithShape="0">
+                  <a:schemeClr val="accent2"/>
+                </a:outerShdw>
+              </a:effectLst>
+            </a:endParaRPr>
           </a:p>
         </p:txBody>
       </p:sp>
@@ -16895,21 +16717,6 @@
   <p:clrMapOvr>
     <a:masterClrMapping/>
   </p:clrMapOvr>
-  <mc:AlternateContent xmlns:mc="http://schemas.openxmlformats.org/markup-compatibility/2006" xmlns:p14="http://schemas.microsoft.com/office/powerpoint/2010/main">
-    <mc:Choice Requires="p14">
-      <p:transition spd="slow" p14:dur="2000"/>
-    </mc:Choice>
-    <mc:Fallback xmlns="">
-      <p:transition spd="slow"/>
-    </mc:Fallback>
-  </mc:AlternateContent>
-  <p:timing>
-    <p:tnLst>
-      <p:par>
-        <p:cTn id="1" dur="indefinite" restart="never" nodeType="tmRoot"/>
-      </p:par>
-    </p:tnLst>
-  </p:timing>
 </p:sld>
 </file>
 
@@ -16947,10 +16754,9 @@
           <a:p>
             <a:pPr lvl="0"/>
             <a:r>
-              <a:rPr lang="x-none" smtClean="0"/>
+              <a:rPr lang="x-none"/>
               <a:t>L3 Informatique ---- Projet Motus</a:t>
             </a:r>
-            <a:endParaRPr lang="x-none"/>
           </a:p>
         </p:txBody>
       </p:sp>
@@ -16989,8 +16795,8 @@
         </p:nvSpPr>
         <p:spPr>
           <a:xfrm>
-            <a:off x="4896297" y="97657"/>
-            <a:ext cx="4824535" cy="1609883"/>
+            <a:off x="2808064" y="426831"/>
+            <a:ext cx="7200800" cy="655776"/>
           </a:xfrm>
         </p:spPr>
         <p:txBody>
@@ -17054,22 +16860,59 @@
               <a:buNone/>
             </a:pPr>
             <a:r>
-              <a:rPr lang="x-none" dirty="0"/>
-              <a:t>Communication </a:t>
+              <a:rPr lang="x-none" sz="3600" b="1" dirty="0">
+                <a:ln w="6600">
+                  <a:solidFill>
+                    <a:schemeClr val="accent2"/>
+                  </a:solidFill>
+                  <a:prstDash val="solid"/>
+                </a:ln>
+                <a:effectLst>
+                  <a:outerShdw dist="38100" dir="2700000" algn="tl" rotWithShape="0">
+                    <a:schemeClr val="accent2"/>
+                  </a:outerShdw>
+                </a:effectLst>
+                <a:latin typeface="Arial" panose="020B0604020202020204" pitchFamily="34" charset="0"/>
+                <a:cs typeface="Arial" panose="020B0604020202020204" pitchFamily="34" charset="0"/>
+              </a:rPr>
+              <a:t>Communication C</a:t>
             </a:r>
             <a:r>
-              <a:rPr lang="x-none" dirty="0" smtClean="0"/>
-              <a:t>C</a:t>
-            </a:r>
-            <a:r>
-              <a:rPr lang="fr-FR" dirty="0" smtClean="0"/>
+              <a:rPr lang="fr-FR" sz="3600" b="1" dirty="0">
+                <a:ln w="6600">
+                  <a:solidFill>
+                    <a:schemeClr val="accent2"/>
+                  </a:solidFill>
+                  <a:prstDash val="solid"/>
+                </a:ln>
+                <a:effectLst>
+                  <a:outerShdw dist="38100" dir="2700000" algn="tl" rotWithShape="0">
+                    <a:schemeClr val="accent2"/>
+                  </a:outerShdw>
+                </a:effectLst>
+                <a:latin typeface="Arial" panose="020B0604020202020204" pitchFamily="34" charset="0"/>
+                <a:cs typeface="Arial" panose="020B0604020202020204" pitchFamily="34" charset="0"/>
+              </a:rPr>
               <a:t>l</a:t>
             </a:r>
             <a:r>
-              <a:rPr lang="x-none" dirty="0" smtClean="0"/>
+              <a:rPr lang="x-none" sz="3600" b="1" dirty="0">
+                <a:ln w="6600">
+                  <a:solidFill>
+                    <a:schemeClr val="accent2"/>
+                  </a:solidFill>
+                  <a:prstDash val="solid"/>
+                </a:ln>
+                <a:effectLst>
+                  <a:outerShdw dist="38100" dir="2700000" algn="tl" rotWithShape="0">
+                    <a:schemeClr val="accent2"/>
+                  </a:outerShdw>
+                </a:effectLst>
+                <a:latin typeface="Arial" panose="020B0604020202020204" pitchFamily="34" charset="0"/>
+                <a:cs typeface="Arial" panose="020B0604020202020204" pitchFamily="34" charset="0"/>
+              </a:rPr>
               <a:t>ient/Serveur</a:t>
             </a:r>
-            <a:endParaRPr lang="x-none" dirty="0"/>
           </a:p>
         </p:txBody>
       </p:sp>
@@ -17288,21 +17131,21 @@
           <a:p>
             <a:pPr lvl="0"/>
             <a:r>
-              <a:rPr lang="x-none"/>
+              <a:rPr lang="x-none" dirty="0"/>
               <a:t>Gestion des meilleurs scores</a:t>
             </a:r>
           </a:p>
           <a:p>
             <a:pPr lvl="0"/>
             <a:r>
-              <a:rPr lang="x-none"/>
+              <a:rPr lang="x-none" dirty="0"/>
               <a:t>Pseudo demandé à la fin d'une partie</a:t>
             </a:r>
           </a:p>
           <a:p>
             <a:pPr lvl="0"/>
             <a:r>
-              <a:rPr lang="x-none"/>
+              <a:rPr lang="x-none" dirty="0"/>
               <a:t>Scores enregistré côté serveur</a:t>
             </a:r>
           </a:p>
@@ -17313,21 +17156,6 @@
   <p:clrMapOvr>
     <a:masterClrMapping/>
   </p:clrMapOvr>
-  <mc:AlternateContent xmlns:mc="http://schemas.openxmlformats.org/markup-compatibility/2006" xmlns:p14="http://schemas.microsoft.com/office/powerpoint/2010/main">
-    <mc:Choice Requires="p14">
-      <p:transition spd="slow" p14:dur="2000"/>
-    </mc:Choice>
-    <mc:Fallback xmlns="">
-      <p:transition spd="slow"/>
-    </mc:Fallback>
-  </mc:AlternateContent>
-  <p:timing>
-    <p:tnLst>
-      <p:par>
-        <p:cTn id="1" dur="indefinite" restart="never" nodeType="tmRoot"/>
-      </p:par>
-    </p:tnLst>
-  </p:timing>
 </p:sld>
 </file>
 
@@ -17365,10 +17193,9 @@
           <a:p>
             <a:pPr lvl="0"/>
             <a:r>
-              <a:rPr lang="x-none" smtClean="0"/>
+              <a:rPr lang="x-none"/>
               <a:t>L3 Informatique ---- Projet Motus</a:t>
             </a:r>
-            <a:endParaRPr lang="x-none"/>
           </a:p>
         </p:txBody>
       </p:sp>
@@ -17407,8 +17234,8 @@
         </p:nvSpPr>
         <p:spPr>
           <a:xfrm>
-            <a:off x="5112320" y="323453"/>
-            <a:ext cx="4680271" cy="855831"/>
+            <a:off x="5760392" y="467469"/>
+            <a:ext cx="4680271" cy="655776"/>
           </a:xfrm>
         </p:spPr>
         <p:txBody>
@@ -17472,8 +17299,443 @@
               <a:buNone/>
             </a:pPr>
             <a:r>
+              <a:rPr lang="x-none" sz="3600" b="1" dirty="0">
+                <a:ln w="6600">
+                  <a:solidFill>
+                    <a:schemeClr val="accent2"/>
+                  </a:solidFill>
+                  <a:prstDash val="solid"/>
+                </a:ln>
+                <a:effectLst>
+                  <a:outerShdw dist="38100" dir="2700000" algn="tl" rotWithShape="0">
+                    <a:schemeClr val="accent2"/>
+                  </a:outerShdw>
+                </a:effectLst>
+                <a:latin typeface="Arial" panose="020B0604020202020204" pitchFamily="34" charset="0"/>
+                <a:cs typeface="Arial" panose="020B0604020202020204" pitchFamily="34" charset="0"/>
+              </a:rPr>
+              <a:t>Module TALN</a:t>
+            </a:r>
+          </a:p>
+        </p:txBody>
+      </p:sp>
+      <p:sp>
+        <p:nvSpPr>
+          <p:cNvPr id="3" name="Text Placeholder 2"/>
+          <p:cNvSpPr txBox="1">
+            <a:spLocks noGrp="1"/>
+          </p:cNvSpPr>
+          <p:nvPr>
+            <p:ph type="body" idx="4294967295"/>
+          </p:nvPr>
+        </p:nvSpPr>
+        <p:spPr>
+          <a:xfrm>
+            <a:off x="0" y="1768475"/>
+            <a:ext cx="9072563" cy="2410103"/>
+          </a:xfrm>
+        </p:spPr>
+        <p:txBody>
+          <a:bodyPr>
+            <a:spAutoFit/>
+          </a:bodyPr>
+          <a:lstStyle>
+            <a:defPPr marL="432000" marR="0" lvl="0" indent="-324000">
+              <a:spcBef>
+                <a:spcPts val="0"/>
+              </a:spcBef>
+              <a:spcAft>
+                <a:spcPts val="1417"/>
+              </a:spcAft>
+              <a:buSzPct val="45000"/>
+              <a:buFont typeface="StarSymbol"/>
+              <a:buNone/>
+              <a:defRPr lang="x-none" sz="3200" b="0" i="0" u="none" strike="noStrike" kern="1200">
+                <a:ln>
+                  <a:noFill/>
+                </a:ln>
+                <a:latin typeface="Arial" pitchFamily="18"/>
+                <a:ea typeface="Andale Sans UI" pitchFamily="2"/>
+                <a:cs typeface="Tahoma" pitchFamily="2"/>
+              </a:defRPr>
+            </a:defPPr>
+            <a:lvl1pPr marL="432000" marR="0" lvl="0" indent="-324000">
+              <a:spcBef>
+                <a:spcPts val="0"/>
+              </a:spcBef>
+              <a:spcAft>
+                <a:spcPts val="1417"/>
+              </a:spcAft>
+              <a:buSzPct val="45000"/>
+              <a:buFont typeface="StarSymbol"/>
+              <a:buChar char="●"/>
+              <a:defRPr lang="x-none" sz="3200" b="0" i="0" u="none" strike="noStrike" kern="1200">
+                <a:ln>
+                  <a:noFill/>
+                </a:ln>
+                <a:latin typeface="Arial" pitchFamily="18"/>
+                <a:ea typeface="Andale Sans UI" pitchFamily="2"/>
+                <a:cs typeface="Tahoma" pitchFamily="2"/>
+              </a:defRPr>
+            </a:lvl1pPr>
+            <a:lvl2pPr marL="864000" marR="0" lvl="1" indent="-324000">
+              <a:spcBef>
+                <a:spcPts val="0"/>
+              </a:spcBef>
+              <a:spcAft>
+                <a:spcPts val="1134"/>
+              </a:spcAft>
+              <a:buSzPct val="45000"/>
+              <a:buFont typeface="StarSymbol"/>
+              <a:buChar char="●"/>
+              <a:defRPr lang="x-none" sz="2800" b="0" i="0" u="none" strike="noStrike" kern="1200">
+                <a:ln>
+                  <a:noFill/>
+                </a:ln>
+                <a:latin typeface="Arial" pitchFamily="18"/>
+                <a:ea typeface="Andale Sans UI" pitchFamily="2"/>
+                <a:cs typeface="Tahoma" pitchFamily="2"/>
+              </a:defRPr>
+            </a:lvl2pPr>
+            <a:lvl3pPr marL="1295999" marR="0" lvl="2" indent="-288000">
+              <a:spcBef>
+                <a:spcPts val="0"/>
+              </a:spcBef>
+              <a:spcAft>
+                <a:spcPts val="850"/>
+              </a:spcAft>
+              <a:buSzPct val="75000"/>
+              <a:buFont typeface="StarSymbol"/>
+              <a:buChar char="–"/>
+              <a:defRPr lang="x-none" sz="2400" b="0" i="0" u="none" strike="noStrike" kern="1200">
+                <a:ln>
+                  <a:noFill/>
+                </a:ln>
+                <a:latin typeface="Arial" pitchFamily="18"/>
+                <a:ea typeface="Andale Sans UI" pitchFamily="2"/>
+                <a:cs typeface="Tahoma" pitchFamily="2"/>
+              </a:defRPr>
+            </a:lvl3pPr>
+            <a:lvl4pPr marL="1728000" marR="0" lvl="3" indent="-216000">
+              <a:spcBef>
+                <a:spcPts val="0"/>
+              </a:spcBef>
+              <a:spcAft>
+                <a:spcPts val="567"/>
+              </a:spcAft>
+              <a:buSzPct val="45000"/>
+              <a:buFont typeface="StarSymbol"/>
+              <a:buChar char="●"/>
+              <a:defRPr lang="x-none" sz="2000" b="0" i="0" u="none" strike="noStrike" kern="1200">
+                <a:ln>
+                  <a:noFill/>
+                </a:ln>
+                <a:latin typeface="Arial" pitchFamily="18"/>
+                <a:ea typeface="Andale Sans UI" pitchFamily="2"/>
+                <a:cs typeface="Tahoma" pitchFamily="2"/>
+              </a:defRPr>
+            </a:lvl4pPr>
+            <a:lvl5pPr marL="2160000" marR="0" lvl="4" indent="-216000">
+              <a:spcBef>
+                <a:spcPts val="0"/>
+              </a:spcBef>
+              <a:spcAft>
+                <a:spcPts val="283"/>
+              </a:spcAft>
+              <a:buSzPct val="75000"/>
+              <a:buFont typeface="StarSymbol"/>
+              <a:buChar char="–"/>
+              <a:defRPr lang="x-none" sz="2000" b="0" i="0" u="none" strike="noStrike" kern="1200">
+                <a:ln>
+                  <a:noFill/>
+                </a:ln>
+                <a:latin typeface="Arial" pitchFamily="18"/>
+                <a:ea typeface="Andale Sans UI" pitchFamily="2"/>
+                <a:cs typeface="Tahoma" pitchFamily="2"/>
+              </a:defRPr>
+            </a:lvl5pPr>
+            <a:lvl6pPr marL="2592000" marR="0" lvl="5" indent="-216000">
+              <a:spcBef>
+                <a:spcPts val="0"/>
+              </a:spcBef>
+              <a:spcAft>
+                <a:spcPts val="283"/>
+              </a:spcAft>
+              <a:buSzPct val="45000"/>
+              <a:buFont typeface="StarSymbol"/>
+              <a:buChar char="●"/>
+              <a:defRPr lang="x-none" sz="2000" b="0" i="0" u="none" strike="noStrike" kern="1200">
+                <a:ln>
+                  <a:noFill/>
+                </a:ln>
+                <a:latin typeface="Arial" pitchFamily="18"/>
+                <a:ea typeface="Andale Sans UI" pitchFamily="2"/>
+                <a:cs typeface="Tahoma" pitchFamily="2"/>
+              </a:defRPr>
+            </a:lvl6pPr>
+            <a:lvl7pPr marL="3024000" marR="0" lvl="6" indent="-216000">
+              <a:spcBef>
+                <a:spcPts val="0"/>
+              </a:spcBef>
+              <a:spcAft>
+                <a:spcPts val="283"/>
+              </a:spcAft>
+              <a:buSzPct val="45000"/>
+              <a:buFont typeface="StarSymbol"/>
+              <a:buChar char="●"/>
+              <a:defRPr lang="x-none" sz="2000" b="0" i="0" u="none" strike="noStrike" kern="1200">
+                <a:ln>
+                  <a:noFill/>
+                </a:ln>
+                <a:latin typeface="Arial" pitchFamily="18"/>
+                <a:ea typeface="Andale Sans UI" pitchFamily="2"/>
+                <a:cs typeface="Tahoma" pitchFamily="2"/>
+              </a:defRPr>
+            </a:lvl7pPr>
+            <a:lvl8pPr marL="3456000" marR="0" lvl="7" indent="-216000">
+              <a:spcBef>
+                <a:spcPts val="0"/>
+              </a:spcBef>
+              <a:spcAft>
+                <a:spcPts val="283"/>
+              </a:spcAft>
+              <a:buSzPct val="45000"/>
+              <a:buFont typeface="StarSymbol"/>
+              <a:buChar char="●"/>
+              <a:defRPr lang="x-none" sz="2000" b="0" i="0" u="none" strike="noStrike" kern="1200">
+                <a:ln>
+                  <a:noFill/>
+                </a:ln>
+                <a:latin typeface="Arial" pitchFamily="18"/>
+                <a:ea typeface="Andale Sans UI" pitchFamily="2"/>
+                <a:cs typeface="Tahoma" pitchFamily="2"/>
+              </a:defRPr>
+            </a:lvl8pPr>
+            <a:lvl9pPr marL="3887999" marR="0" lvl="8" indent="-216000">
+              <a:spcBef>
+                <a:spcPts val="0"/>
+              </a:spcBef>
+              <a:spcAft>
+                <a:spcPts val="283"/>
+              </a:spcAft>
+              <a:buSzPct val="45000"/>
+              <a:buFont typeface="StarSymbol"/>
+              <a:buChar char="●"/>
+              <a:defRPr lang="x-none" sz="2000" b="0" i="0" u="none" strike="noStrike" kern="1200">
+                <a:ln>
+                  <a:noFill/>
+                </a:ln>
+                <a:latin typeface="Arial" pitchFamily="18"/>
+                <a:ea typeface="Andale Sans UI" pitchFamily="2"/>
+                <a:cs typeface="Tahoma" pitchFamily="2"/>
+              </a:defRPr>
+            </a:lvl9pPr>
+          </a:lstStyle>
+          <a:p>
+            <a:pPr lvl="0"/>
+            <a:r>
               <a:rPr lang="x-none" dirty="0"/>
-              <a:t>Module TALN</a:t>
+              <a:t>Vérification de l'existence du mot</a:t>
+            </a:r>
+          </a:p>
+          <a:p>
+            <a:pPr lvl="1">
+              <a:buFont typeface="Wingdings" panose="05000000000000000000" pitchFamily="2" charset="2"/>
+              <a:buChar char="Ø"/>
+            </a:pPr>
+            <a:r>
+              <a:rPr lang="x-none" dirty="0"/>
+              <a:t>dans la langue française</a:t>
+            </a:r>
+            <a:endParaRPr lang="fr-FR" dirty="0"/>
+          </a:p>
+          <a:p>
+            <a:pPr lvl="1">
+              <a:buFont typeface="Wingdings" panose="05000000000000000000" pitchFamily="2" charset="2"/>
+              <a:buChar char="Ø"/>
+            </a:pPr>
+            <a:r>
+              <a:rPr lang="x-none" dirty="0"/>
+              <a:t>dans la langue </a:t>
+            </a:r>
+            <a:r>
+              <a:rPr lang="fr-FR" dirty="0"/>
+              <a:t>anglaise</a:t>
+            </a:r>
+            <a:endParaRPr lang="x-none" dirty="0"/>
+          </a:p>
+          <a:p>
+            <a:pPr marL="108000" lvl="0" indent="0">
+              <a:buNone/>
+            </a:pPr>
+            <a:endParaRPr lang="x-none" dirty="0"/>
+          </a:p>
+        </p:txBody>
+      </p:sp>
+    </p:spTree>
+  </p:cSld>
+  <p:clrMapOvr>
+    <a:masterClrMapping/>
+  </p:clrMapOvr>
+</p:sld>
+</file>
+
+<file path=ppt/slides/slide12.xml><?xml version="1.0" encoding="utf-8"?>
+<p:sld xmlns:a="http://schemas.openxmlformats.org/drawingml/2006/main" xmlns:r="http://schemas.openxmlformats.org/officeDocument/2006/relationships" xmlns:p="http://schemas.openxmlformats.org/presentationml/2006/main">
+  <p:cSld name="page12">
+    <p:spTree>
+      <p:nvGrpSpPr>
+        <p:cNvPr id="1" name=""/>
+        <p:cNvGrpSpPr/>
+        <p:nvPr/>
+      </p:nvGrpSpPr>
+      <p:grpSpPr>
+        <a:xfrm>
+          <a:off x="0" y="0"/>
+          <a:ext cx="0" cy="0"/>
+          <a:chOff x="0" y="0"/>
+          <a:chExt cx="0" cy="0"/>
+        </a:xfrm>
+      </p:grpSpPr>
+      <p:sp>
+        <p:nvSpPr>
+          <p:cNvPr id="5" name="Footer Placeholder 2"/>
+          <p:cNvSpPr>
+            <a:spLocks noGrp="1"/>
+          </p:cNvSpPr>
+          <p:nvPr>
+            <p:ph type="ftr" sz="quarter" idx="11"/>
+          </p:nvPr>
+        </p:nvSpPr>
+        <p:spPr/>
+        <p:txBody>
+          <a:bodyPr/>
+          <a:lstStyle/>
+          <a:p>
+            <a:pPr lvl="0"/>
+            <a:r>
+              <a:rPr lang="x-none"/>
+              <a:t>L3 Informatique ---- Projet Motus</a:t>
+            </a:r>
+          </a:p>
+        </p:txBody>
+      </p:sp>
+      <p:sp>
+        <p:nvSpPr>
+          <p:cNvPr id="6" name="Slide Number Placeholder 3"/>
+          <p:cNvSpPr>
+            <a:spLocks noGrp="1"/>
+          </p:cNvSpPr>
+          <p:nvPr>
+            <p:ph type="sldNum" sz="quarter" idx="12"/>
+          </p:nvPr>
+        </p:nvSpPr>
+        <p:spPr/>
+        <p:txBody>
+          <a:bodyPr/>
+          <a:lstStyle/>
+          <a:p>
+            <a:pPr lvl="0"/>
+            <a:fld id="{C5AE6F1F-2397-4D5A-B6A3-3CBEE1BE85B0}" type="slidenum">
+              <a:t>12</a:t>
+            </a:fld>
+            <a:endParaRPr lang="x-none"/>
+          </a:p>
+        </p:txBody>
+      </p:sp>
+      <p:sp>
+        <p:nvSpPr>
+          <p:cNvPr id="2" name="Title 1"/>
+          <p:cNvSpPr txBox="1">
+            <a:spLocks noGrp="1"/>
+          </p:cNvSpPr>
+          <p:nvPr>
+            <p:ph type="title" idx="4294967295"/>
+          </p:nvPr>
+        </p:nvSpPr>
+        <p:spPr>
+          <a:xfrm>
+            <a:off x="4555455" y="288340"/>
+            <a:ext cx="5688384" cy="655776"/>
+          </a:xfrm>
+        </p:spPr>
+        <p:txBody>
+          <a:bodyPr wrap="square">
+            <a:spAutoFit/>
+          </a:bodyPr>
+          <a:lstStyle>
+            <a:defPPr lvl="0">
+              <a:buSzPct val="45000"/>
+              <a:buFont typeface="StarSymbol"/>
+              <a:buNone/>
+            </a:defPPr>
+            <a:lvl1pPr lvl="0">
+              <a:buSzPct val="45000"/>
+              <a:buFont typeface="StarSymbol"/>
+              <a:buChar char="●"/>
+            </a:lvl1pPr>
+            <a:lvl2pPr lvl="1">
+              <a:buSzPct val="45000"/>
+              <a:buFont typeface="StarSymbol"/>
+              <a:buChar char="●"/>
+            </a:lvl2pPr>
+            <a:lvl3pPr lvl="2">
+              <a:buSzPct val="45000"/>
+              <a:buFont typeface="StarSymbol"/>
+              <a:buChar char="●"/>
+            </a:lvl3pPr>
+            <a:lvl4pPr lvl="3">
+              <a:buSzPct val="45000"/>
+              <a:buFont typeface="StarSymbol"/>
+              <a:buChar char="●"/>
+            </a:lvl4pPr>
+            <a:lvl5pPr lvl="4">
+              <a:buSzPct val="45000"/>
+              <a:buFont typeface="StarSymbol"/>
+              <a:buChar char="●"/>
+            </a:lvl5pPr>
+            <a:lvl6pPr lvl="5">
+              <a:buSzPct val="45000"/>
+              <a:buFont typeface="StarSymbol"/>
+              <a:buChar char="●"/>
+            </a:lvl6pPr>
+            <a:lvl7pPr lvl="6">
+              <a:buSzPct val="45000"/>
+              <a:buFont typeface="StarSymbol"/>
+              <a:buChar char="●"/>
+            </a:lvl7pPr>
+            <a:lvl8pPr lvl="7">
+              <a:buSzPct val="45000"/>
+              <a:buFont typeface="StarSymbol"/>
+              <a:buChar char="●"/>
+            </a:lvl8pPr>
+            <a:lvl9pPr lvl="8">
+              <a:buSzPct val="45000"/>
+              <a:buFont typeface="StarSymbol"/>
+              <a:buChar char="●"/>
+            </a:lvl9pPr>
+          </a:lstStyle>
+          <a:p>
+            <a:pPr lvl="0">
+              <a:buNone/>
+            </a:pPr>
+            <a:r>
+              <a:rPr lang="x-none" sz="3600" b="1" dirty="0">
+                <a:ln w="6600">
+                  <a:solidFill>
+                    <a:schemeClr val="accent2"/>
+                  </a:solidFill>
+                  <a:prstDash val="solid"/>
+                </a:ln>
+                <a:effectLst>
+                  <a:outerShdw dist="38100" dir="2700000" algn="tl" rotWithShape="0">
+                    <a:schemeClr val="accent2"/>
+                  </a:outerShdw>
+                </a:effectLst>
+                <a:latin typeface="Arial" panose="020B0604020202020204" pitchFamily="34" charset="0"/>
+                <a:cs typeface="Arial" panose="020B0604020202020204" pitchFamily="34" charset="0"/>
+              </a:rPr>
+              <a:t>Module Timer</a:t>
             </a:r>
           </a:p>
         </p:txBody>
@@ -17694,14 +17956,21 @@
             <a:pPr lvl="0"/>
             <a:r>
               <a:rPr lang="x-none" dirty="0"/>
-              <a:t>Vérification de l'existence du mot</a:t>
+              <a:t>Gérer le temps</a:t>
             </a:r>
           </a:p>
           <a:p>
             <a:pPr lvl="0"/>
             <a:r>
               <a:rPr lang="x-none" dirty="0"/>
-              <a:t>dans la langue française</a:t>
+              <a:t>Fonction timerEvent</a:t>
+            </a:r>
+          </a:p>
+          <a:p>
+            <a:pPr lvl="0"/>
+            <a:r>
+              <a:rPr lang="x-none" dirty="0"/>
+              <a:t>Fonction resetTimer</a:t>
             </a:r>
           </a:p>
         </p:txBody>
@@ -17711,27 +17980,89 @@
   <p:clrMapOvr>
     <a:masterClrMapping/>
   </p:clrMapOvr>
-  <mc:AlternateContent xmlns:mc="http://schemas.openxmlformats.org/markup-compatibility/2006" xmlns:p14="http://schemas.microsoft.com/office/powerpoint/2010/main">
-    <mc:Choice Requires="p14">
-      <p:transition spd="slow" p14:dur="2000"/>
-    </mc:Choice>
-    <mc:Fallback xmlns="">
-      <p:transition spd="slow"/>
-    </mc:Fallback>
-  </mc:AlternateContent>
-  <p:timing>
-    <p:tnLst>
-      <p:par>
-        <p:cTn id="1" dur="indefinite" restart="never" nodeType="tmRoot"/>
-      </p:par>
-    </p:tnLst>
-  </p:timing>
 </p:sld>
 </file>
 
-<file path=ppt/slides/slide12.xml><?xml version="1.0" encoding="utf-8"?>
+<file path=ppt/slides/slide13.xml><?xml version="1.0" encoding="utf-8"?>
 <p:sld xmlns:a="http://schemas.openxmlformats.org/drawingml/2006/main" xmlns:r="http://schemas.openxmlformats.org/officeDocument/2006/relationships" xmlns:p="http://schemas.openxmlformats.org/presentationml/2006/main">
-  <p:cSld name="page12">
+  <p:cSld>
+    <p:spTree>
+      <p:nvGrpSpPr>
+        <p:cNvPr id="1" name=""/>
+        <p:cNvGrpSpPr/>
+        <p:nvPr/>
+      </p:nvGrpSpPr>
+      <p:grpSpPr>
+        <a:xfrm>
+          <a:off x="0" y="0"/>
+          <a:ext cx="0" cy="0"/>
+          <a:chOff x="0" y="0"/>
+          <a:chExt cx="0" cy="0"/>
+        </a:xfrm>
+      </p:grpSpPr>
+      <p:sp>
+        <p:nvSpPr>
+          <p:cNvPr id="2" name="TextBox 1"/>
+          <p:cNvSpPr txBox="1"/>
+          <p:nvPr/>
+        </p:nvSpPr>
+        <p:spPr>
+          <a:xfrm>
+            <a:off x="7056536" y="467469"/>
+            <a:ext cx="4536504" cy="646331"/>
+          </a:xfrm>
+          <a:prstGeom prst="rect">
+            <a:avLst/>
+          </a:prstGeom>
+          <a:noFill/>
+        </p:spPr>
+        <p:txBody>
+          <a:bodyPr wrap="square" rtlCol="0">
+            <a:spAutoFit/>
+          </a:bodyPr>
+          <a:lstStyle/>
+          <a:p>
+            <a:r>
+              <a:rPr lang="fr-FR" sz="3600" b="1" dirty="0">
+                <a:ln w="6600">
+                  <a:solidFill>
+                    <a:schemeClr val="accent2"/>
+                  </a:solidFill>
+                  <a:prstDash val="solid"/>
+                </a:ln>
+                <a:solidFill>
+                  <a:srgbClr val="FFFFFF"/>
+                </a:solidFill>
+                <a:effectLst>
+                  <a:outerShdw dist="38100" dir="2700000" algn="tl" rotWithShape="0">
+                    <a:schemeClr val="accent2"/>
+                  </a:outerShdw>
+                </a:effectLst>
+                <a:latin typeface="Arial" panose="020B0604020202020204" pitchFamily="34" charset="0"/>
+                <a:ea typeface="+mj-ea"/>
+                <a:cs typeface="Arial" panose="020B0604020202020204" pitchFamily="34" charset="0"/>
+              </a:rPr>
+              <a:t>Conclusion</a:t>
+            </a:r>
+          </a:p>
+        </p:txBody>
+      </p:sp>
+    </p:spTree>
+    <p:extLst>
+      <p:ext uri="{BB962C8B-B14F-4D97-AF65-F5344CB8AC3E}">
+        <p14:creationId xmlns:p14="http://schemas.microsoft.com/office/powerpoint/2010/main" val="35485430"/>
+      </p:ext>
+    </p:extLst>
+  </p:cSld>
+  <p:clrMapOvr>
+    <a:masterClrMapping/>
+  </p:clrMapOvr>
+</p:sld>
+</file>
+
+<file path=ppt/slides/slide2.xml><?xml version="1.0" encoding="utf-8"?>
+<p:sld xmlns:a="http://schemas.openxmlformats.org/drawingml/2006/main" xmlns:r="http://schemas.openxmlformats.org/officeDocument/2006/relationships" xmlns:p="http://schemas.openxmlformats.org/presentationml/2006/main">
+  <p:cSld name="page2">
     <p:spTree>
       <p:nvGrpSpPr>
         <p:cNvPr id="1" name=""/>
@@ -17763,10 +18094,9 @@
           <a:p>
             <a:pPr lvl="0"/>
             <a:r>
-              <a:rPr lang="x-none" smtClean="0"/>
+              <a:rPr lang="x-none"/>
               <a:t>L3 Informatique ---- Projet Motus</a:t>
             </a:r>
-            <a:endParaRPr lang="x-none"/>
           </a:p>
         </p:txBody>
       </p:sp>
@@ -17786,8 +18116,8 @@
           <a:lstStyle/>
           <a:p>
             <a:pPr lvl="0"/>
-            <a:fld id="{C5AE6F1F-2397-4D5A-B6A3-3CBEE1BE85B0}" type="slidenum">
-              <a:t>12</a:t>
+            <a:fld id="{67C6197F-CBCF-43E1-ABBF-D73CB3D8E996}" type="slidenum">
+              <a:t>2</a:t>
             </a:fld>
             <a:endParaRPr lang="x-none"/>
           </a:p>
@@ -17805,8 +18135,8 @@
         </p:nvSpPr>
         <p:spPr>
           <a:xfrm>
-            <a:off x="5472360" y="323453"/>
-            <a:ext cx="4248224" cy="855831"/>
+            <a:off x="6696496" y="398096"/>
+            <a:ext cx="3672159" cy="655776"/>
           </a:xfrm>
         </p:spPr>
         <p:txBody>
@@ -17870,8 +18200,2064 @@
               <a:buNone/>
             </a:pPr>
             <a:r>
+              <a:rPr lang="x-none" sz="3600" b="1" dirty="0">
+                <a:ln w="6600">
+                  <a:solidFill>
+                    <a:schemeClr val="accent2"/>
+                  </a:solidFill>
+                  <a:prstDash val="solid"/>
+                </a:ln>
+                <a:effectLst>
+                  <a:outerShdw dist="38100" dir="2700000" algn="tl" rotWithShape="0">
+                    <a:schemeClr val="accent2"/>
+                  </a:outerShdw>
+                </a:effectLst>
+                <a:latin typeface="Arial" pitchFamily="34"/>
+              </a:rPr>
+              <a:t>Sommaire</a:t>
+            </a:r>
+          </a:p>
+        </p:txBody>
+      </p:sp>
+      <p:sp>
+        <p:nvSpPr>
+          <p:cNvPr id="3" name="Text Placeholder 2"/>
+          <p:cNvSpPr txBox="1">
+            <a:spLocks noGrp="1"/>
+          </p:cNvSpPr>
+          <p:nvPr>
+            <p:ph type="body" idx="4294967295"/>
+          </p:nvPr>
+        </p:nvSpPr>
+        <p:spPr>
+          <a:xfrm>
+            <a:off x="0" y="1768475"/>
+            <a:ext cx="9072563" cy="4384675"/>
+          </a:xfrm>
+        </p:spPr>
+        <p:txBody>
+          <a:bodyPr/>
+          <a:lstStyle>
+            <a:defPPr marL="432000" marR="0" lvl="0" indent="-324000">
+              <a:spcBef>
+                <a:spcPts val="0"/>
+              </a:spcBef>
+              <a:spcAft>
+                <a:spcPts val="1417"/>
+              </a:spcAft>
+              <a:buSzPct val="45000"/>
+              <a:buFont typeface="StarSymbol"/>
+              <a:buNone/>
+              <a:defRPr lang="x-none" sz="3200" b="0" i="0" u="none" strike="noStrike" kern="1200">
+                <a:ln>
+                  <a:noFill/>
+                </a:ln>
+                <a:latin typeface="Arial" pitchFamily="18"/>
+                <a:ea typeface="Andale Sans UI" pitchFamily="2"/>
+                <a:cs typeface="Tahoma" pitchFamily="2"/>
+              </a:defRPr>
+            </a:defPPr>
+            <a:lvl1pPr marL="432000" marR="0" lvl="0" indent="-324000">
+              <a:spcBef>
+                <a:spcPts val="0"/>
+              </a:spcBef>
+              <a:spcAft>
+                <a:spcPts val="1417"/>
+              </a:spcAft>
+              <a:buSzPct val="45000"/>
+              <a:buFont typeface="StarSymbol"/>
+              <a:buChar char="●"/>
+              <a:defRPr lang="x-none" sz="3200" b="0" i="0" u="none" strike="noStrike" kern="1200">
+                <a:ln>
+                  <a:noFill/>
+                </a:ln>
+                <a:latin typeface="Arial" pitchFamily="18"/>
+                <a:ea typeface="Andale Sans UI" pitchFamily="2"/>
+                <a:cs typeface="Tahoma" pitchFamily="2"/>
+              </a:defRPr>
+            </a:lvl1pPr>
+            <a:lvl2pPr marL="864000" marR="0" lvl="1" indent="-324000">
+              <a:spcBef>
+                <a:spcPts val="0"/>
+              </a:spcBef>
+              <a:spcAft>
+                <a:spcPts val="1134"/>
+              </a:spcAft>
+              <a:buSzPct val="45000"/>
+              <a:buFont typeface="StarSymbol"/>
+              <a:buChar char="●"/>
+              <a:defRPr lang="x-none" sz="2800" b="0" i="0" u="none" strike="noStrike" kern="1200">
+                <a:ln>
+                  <a:noFill/>
+                </a:ln>
+                <a:latin typeface="Arial" pitchFamily="18"/>
+                <a:ea typeface="Andale Sans UI" pitchFamily="2"/>
+                <a:cs typeface="Tahoma" pitchFamily="2"/>
+              </a:defRPr>
+            </a:lvl2pPr>
+            <a:lvl3pPr marL="1295999" marR="0" lvl="2" indent="-288000">
+              <a:spcBef>
+                <a:spcPts val="0"/>
+              </a:spcBef>
+              <a:spcAft>
+                <a:spcPts val="850"/>
+              </a:spcAft>
+              <a:buSzPct val="75000"/>
+              <a:buFont typeface="StarSymbol"/>
+              <a:buChar char="–"/>
+              <a:defRPr lang="x-none" sz="2400" b="0" i="0" u="none" strike="noStrike" kern="1200">
+                <a:ln>
+                  <a:noFill/>
+                </a:ln>
+                <a:latin typeface="Arial" pitchFamily="18"/>
+                <a:ea typeface="Andale Sans UI" pitchFamily="2"/>
+                <a:cs typeface="Tahoma" pitchFamily="2"/>
+              </a:defRPr>
+            </a:lvl3pPr>
+            <a:lvl4pPr marL="1728000" marR="0" lvl="3" indent="-216000">
+              <a:spcBef>
+                <a:spcPts val="0"/>
+              </a:spcBef>
+              <a:spcAft>
+                <a:spcPts val="567"/>
+              </a:spcAft>
+              <a:buSzPct val="45000"/>
+              <a:buFont typeface="StarSymbol"/>
+              <a:buChar char="●"/>
+              <a:defRPr lang="x-none" sz="2000" b="0" i="0" u="none" strike="noStrike" kern="1200">
+                <a:ln>
+                  <a:noFill/>
+                </a:ln>
+                <a:latin typeface="Arial" pitchFamily="18"/>
+                <a:ea typeface="Andale Sans UI" pitchFamily="2"/>
+                <a:cs typeface="Tahoma" pitchFamily="2"/>
+              </a:defRPr>
+            </a:lvl4pPr>
+            <a:lvl5pPr marL="2160000" marR="0" lvl="4" indent="-216000">
+              <a:spcBef>
+                <a:spcPts val="0"/>
+              </a:spcBef>
+              <a:spcAft>
+                <a:spcPts val="283"/>
+              </a:spcAft>
+              <a:buSzPct val="75000"/>
+              <a:buFont typeface="StarSymbol"/>
+              <a:buChar char="–"/>
+              <a:defRPr lang="x-none" sz="2000" b="0" i="0" u="none" strike="noStrike" kern="1200">
+                <a:ln>
+                  <a:noFill/>
+                </a:ln>
+                <a:latin typeface="Arial" pitchFamily="18"/>
+                <a:ea typeface="Andale Sans UI" pitchFamily="2"/>
+                <a:cs typeface="Tahoma" pitchFamily="2"/>
+              </a:defRPr>
+            </a:lvl5pPr>
+            <a:lvl6pPr marL="2592000" marR="0" lvl="5" indent="-216000">
+              <a:spcBef>
+                <a:spcPts val="0"/>
+              </a:spcBef>
+              <a:spcAft>
+                <a:spcPts val="283"/>
+              </a:spcAft>
+              <a:buSzPct val="45000"/>
+              <a:buFont typeface="StarSymbol"/>
+              <a:buChar char="●"/>
+              <a:defRPr lang="x-none" sz="2000" b="0" i="0" u="none" strike="noStrike" kern="1200">
+                <a:ln>
+                  <a:noFill/>
+                </a:ln>
+                <a:latin typeface="Arial" pitchFamily="18"/>
+                <a:ea typeface="Andale Sans UI" pitchFamily="2"/>
+                <a:cs typeface="Tahoma" pitchFamily="2"/>
+              </a:defRPr>
+            </a:lvl6pPr>
+            <a:lvl7pPr marL="3024000" marR="0" lvl="6" indent="-216000">
+              <a:spcBef>
+                <a:spcPts val="0"/>
+              </a:spcBef>
+              <a:spcAft>
+                <a:spcPts val="283"/>
+              </a:spcAft>
+              <a:buSzPct val="45000"/>
+              <a:buFont typeface="StarSymbol"/>
+              <a:buChar char="●"/>
+              <a:defRPr lang="x-none" sz="2000" b="0" i="0" u="none" strike="noStrike" kern="1200">
+                <a:ln>
+                  <a:noFill/>
+                </a:ln>
+                <a:latin typeface="Arial" pitchFamily="18"/>
+                <a:ea typeface="Andale Sans UI" pitchFamily="2"/>
+                <a:cs typeface="Tahoma" pitchFamily="2"/>
+              </a:defRPr>
+            </a:lvl7pPr>
+            <a:lvl8pPr marL="3456000" marR="0" lvl="7" indent="-216000">
+              <a:spcBef>
+                <a:spcPts val="0"/>
+              </a:spcBef>
+              <a:spcAft>
+                <a:spcPts val="283"/>
+              </a:spcAft>
+              <a:buSzPct val="45000"/>
+              <a:buFont typeface="StarSymbol"/>
+              <a:buChar char="●"/>
+              <a:defRPr lang="x-none" sz="2000" b="0" i="0" u="none" strike="noStrike" kern="1200">
+                <a:ln>
+                  <a:noFill/>
+                </a:ln>
+                <a:latin typeface="Arial" pitchFamily="18"/>
+                <a:ea typeface="Andale Sans UI" pitchFamily="2"/>
+                <a:cs typeface="Tahoma" pitchFamily="2"/>
+              </a:defRPr>
+            </a:lvl8pPr>
+            <a:lvl9pPr marL="3887999" marR="0" lvl="8" indent="-216000">
+              <a:spcBef>
+                <a:spcPts val="0"/>
+              </a:spcBef>
+              <a:spcAft>
+                <a:spcPts val="283"/>
+              </a:spcAft>
+              <a:buSzPct val="45000"/>
+              <a:buFont typeface="StarSymbol"/>
+              <a:buChar char="●"/>
+              <a:defRPr lang="x-none" sz="2000" b="0" i="0" u="none" strike="noStrike" kern="1200">
+                <a:ln>
+                  <a:noFill/>
+                </a:ln>
+                <a:latin typeface="Arial" pitchFamily="18"/>
+                <a:ea typeface="Andale Sans UI" pitchFamily="2"/>
+                <a:cs typeface="Tahoma" pitchFamily="2"/>
+              </a:defRPr>
+            </a:lvl9pPr>
+          </a:lstStyle>
+          <a:p>
+            <a:pPr lvl="0">
+              <a:buSzPct val="100000"/>
+              <a:buAutoNum type="romanUcPeriod"/>
+            </a:pPr>
+            <a:r>
+              <a:rPr lang="fr-FR">
+                <a:latin typeface="Arial" pitchFamily="34"/>
+              </a:rPr>
+              <a:t> Présentation du jeu Motus</a:t>
+            </a:r>
+          </a:p>
+          <a:p>
+            <a:pPr lvl="0">
+              <a:buSzPct val="100000"/>
+              <a:buAutoNum type="romanUcPeriod"/>
+            </a:pPr>
+            <a:r>
+              <a:rPr lang="fr-FR">
+                <a:latin typeface="Arial" pitchFamily="34"/>
+              </a:rPr>
+              <a:t> Description globale</a:t>
+            </a:r>
+          </a:p>
+          <a:p>
+            <a:pPr lvl="0">
+              <a:buSzPct val="100000"/>
+              <a:buAutoNum type="romanUcPeriod"/>
+            </a:pPr>
+            <a:r>
+              <a:rPr lang="fr-FR">
+                <a:latin typeface="Arial" pitchFamily="34"/>
+              </a:rPr>
+              <a:t> Les fonctionnalités</a:t>
+            </a:r>
+          </a:p>
+          <a:p>
+            <a:pPr lvl="0">
+              <a:buSzPct val="100000"/>
+              <a:buAutoNum type="romanUcPeriod"/>
+            </a:pPr>
+            <a:r>
+              <a:rPr lang="fr-FR">
+                <a:latin typeface="Arial" pitchFamily="34"/>
+              </a:rPr>
+              <a:t> Les modules</a:t>
+            </a:r>
+          </a:p>
+          <a:p>
+            <a:pPr lvl="0">
+              <a:buSzPct val="100000"/>
+              <a:buAutoNum type="romanUcPeriod"/>
+            </a:pPr>
+            <a:r>
+              <a:rPr lang="fr-FR">
+                <a:latin typeface="Arial" pitchFamily="34"/>
+              </a:rPr>
+              <a:t> Conclusion</a:t>
+            </a:r>
+          </a:p>
+        </p:txBody>
+      </p:sp>
+    </p:spTree>
+  </p:cSld>
+  <p:clrMapOvr>
+    <a:masterClrMapping/>
+  </p:clrMapOvr>
+</p:sld>
+</file>
+
+<file path=ppt/slides/slide3.xml><?xml version="1.0" encoding="utf-8"?>
+<p:sld xmlns:a="http://schemas.openxmlformats.org/drawingml/2006/main" xmlns:r="http://schemas.openxmlformats.org/officeDocument/2006/relationships" xmlns:p="http://schemas.openxmlformats.org/presentationml/2006/main">
+  <p:cSld name="page3">
+    <p:spTree>
+      <p:nvGrpSpPr>
+        <p:cNvPr id="1" name=""/>
+        <p:cNvGrpSpPr/>
+        <p:nvPr/>
+      </p:nvGrpSpPr>
+      <p:grpSpPr>
+        <a:xfrm>
+          <a:off x="0" y="0"/>
+          <a:ext cx="0" cy="0"/>
+          <a:chOff x="0" y="0"/>
+          <a:chExt cx="0" cy="0"/>
+        </a:xfrm>
+      </p:grpSpPr>
+      <p:sp>
+        <p:nvSpPr>
+          <p:cNvPr id="6" name="Footer Placeholder 2"/>
+          <p:cNvSpPr>
+            <a:spLocks noGrp="1"/>
+          </p:cNvSpPr>
+          <p:nvPr>
+            <p:ph type="ftr" sz="quarter" idx="11"/>
+          </p:nvPr>
+        </p:nvSpPr>
+        <p:spPr/>
+        <p:txBody>
+          <a:bodyPr/>
+          <a:lstStyle/>
+          <a:p>
+            <a:pPr lvl="0"/>
+            <a:r>
+              <a:rPr lang="x-none"/>
+              <a:t>L3 Informatique ---- Projet Motus</a:t>
+            </a:r>
+          </a:p>
+        </p:txBody>
+      </p:sp>
+      <p:sp>
+        <p:nvSpPr>
+          <p:cNvPr id="7" name="Slide Number Placeholder 3"/>
+          <p:cNvSpPr>
+            <a:spLocks noGrp="1"/>
+          </p:cNvSpPr>
+          <p:nvPr>
+            <p:ph type="sldNum" sz="quarter" idx="12"/>
+          </p:nvPr>
+        </p:nvSpPr>
+        <p:spPr/>
+        <p:txBody>
+          <a:bodyPr/>
+          <a:lstStyle/>
+          <a:p>
+            <a:pPr lvl="0"/>
+            <a:fld id="{081A910D-1295-467C-B6AD-87BAD4657547}" type="slidenum">
+              <a:t>3</a:t>
+            </a:fld>
+            <a:endParaRPr lang="x-none"/>
+          </a:p>
+        </p:txBody>
+      </p:sp>
+      <p:sp>
+        <p:nvSpPr>
+          <p:cNvPr id="2" name="Title 1"/>
+          <p:cNvSpPr txBox="1">
+            <a:spLocks noGrp="1"/>
+          </p:cNvSpPr>
+          <p:nvPr>
+            <p:ph type="title" idx="4294967295"/>
+          </p:nvPr>
+        </p:nvSpPr>
+        <p:spPr>
+          <a:xfrm>
+            <a:off x="6912520" y="431293"/>
+            <a:ext cx="3816424" cy="655776"/>
+          </a:xfrm>
+        </p:spPr>
+        <p:txBody>
+          <a:bodyPr wrap="square">
+            <a:spAutoFit/>
+          </a:bodyPr>
+          <a:lstStyle>
+            <a:defPPr lvl="0">
+              <a:buSzPct val="45000"/>
+              <a:buFont typeface="StarSymbol"/>
+              <a:buNone/>
+            </a:defPPr>
+            <a:lvl1pPr lvl="0">
+              <a:buSzPct val="45000"/>
+              <a:buFont typeface="StarSymbol"/>
+              <a:buChar char="●"/>
+            </a:lvl1pPr>
+            <a:lvl2pPr lvl="1">
+              <a:buSzPct val="45000"/>
+              <a:buFont typeface="StarSymbol"/>
+              <a:buChar char="●"/>
+            </a:lvl2pPr>
+            <a:lvl3pPr lvl="2">
+              <a:buSzPct val="45000"/>
+              <a:buFont typeface="StarSymbol"/>
+              <a:buChar char="●"/>
+            </a:lvl3pPr>
+            <a:lvl4pPr lvl="3">
+              <a:buSzPct val="45000"/>
+              <a:buFont typeface="StarSymbol"/>
+              <a:buChar char="●"/>
+            </a:lvl4pPr>
+            <a:lvl5pPr lvl="4">
+              <a:buSzPct val="45000"/>
+              <a:buFont typeface="StarSymbol"/>
+              <a:buChar char="●"/>
+            </a:lvl5pPr>
+            <a:lvl6pPr lvl="5">
+              <a:buSzPct val="45000"/>
+              <a:buFont typeface="StarSymbol"/>
+              <a:buChar char="●"/>
+            </a:lvl6pPr>
+            <a:lvl7pPr lvl="6">
+              <a:buSzPct val="45000"/>
+              <a:buFont typeface="StarSymbol"/>
+              <a:buChar char="●"/>
+            </a:lvl7pPr>
+            <a:lvl8pPr lvl="7">
+              <a:buSzPct val="45000"/>
+              <a:buFont typeface="StarSymbol"/>
+              <a:buChar char="●"/>
+            </a:lvl8pPr>
+            <a:lvl9pPr lvl="8">
+              <a:buSzPct val="45000"/>
+              <a:buFont typeface="StarSymbol"/>
+              <a:buChar char="●"/>
+            </a:lvl9pPr>
+          </a:lstStyle>
+          <a:p>
+            <a:pPr lvl="0">
+              <a:buNone/>
+            </a:pPr>
+            <a:r>
+              <a:rPr lang="fr-FR" sz="3600" b="1" dirty="0">
+                <a:ln w="6600">
+                  <a:solidFill>
+                    <a:schemeClr val="accent2"/>
+                  </a:solidFill>
+                  <a:prstDash val="solid"/>
+                </a:ln>
+                <a:effectLst>
+                  <a:outerShdw dist="38100" dir="2700000" algn="tl" rotWithShape="0">
+                    <a:schemeClr val="accent2"/>
+                  </a:outerShdw>
+                </a:effectLst>
+                <a:latin typeface="Arial" pitchFamily="34"/>
+              </a:rPr>
+              <a:t>Règle</a:t>
+            </a:r>
+            <a:endParaRPr lang="x-none" sz="3600" b="1" dirty="0">
+              <a:ln w="6600">
+                <a:solidFill>
+                  <a:schemeClr val="accent2"/>
+                </a:solidFill>
+                <a:prstDash val="solid"/>
+              </a:ln>
+              <a:effectLst>
+                <a:outerShdw dist="38100" dir="2700000" algn="tl" rotWithShape="0">
+                  <a:schemeClr val="accent2"/>
+                </a:outerShdw>
+              </a:effectLst>
+              <a:latin typeface="Arial" pitchFamily="34"/>
+            </a:endParaRPr>
+          </a:p>
+        </p:txBody>
+      </p:sp>
+      <p:sp>
+        <p:nvSpPr>
+          <p:cNvPr id="3" name="Text Placeholder 2"/>
+          <p:cNvSpPr txBox="1">
+            <a:spLocks noGrp="1"/>
+          </p:cNvSpPr>
+          <p:nvPr>
+            <p:ph type="body" idx="4294967295"/>
+          </p:nvPr>
+        </p:nvSpPr>
+        <p:spPr>
+          <a:xfrm>
+            <a:off x="0" y="2123653"/>
+            <a:ext cx="9072563" cy="4384675"/>
+          </a:xfrm>
+        </p:spPr>
+        <p:txBody>
+          <a:bodyPr/>
+          <a:lstStyle>
+            <a:defPPr marL="432000" marR="0" lvl="0" indent="-324000">
+              <a:spcBef>
+                <a:spcPts val="0"/>
+              </a:spcBef>
+              <a:spcAft>
+                <a:spcPts val="1417"/>
+              </a:spcAft>
+              <a:buSzPct val="45000"/>
+              <a:buFont typeface="StarSymbol"/>
+              <a:buNone/>
+              <a:defRPr lang="x-none" sz="3200" b="0" i="0" u="none" strike="noStrike" kern="1200">
+                <a:ln>
+                  <a:noFill/>
+                </a:ln>
+                <a:latin typeface="Arial" pitchFamily="18"/>
+                <a:ea typeface="Andale Sans UI" pitchFamily="2"/>
+                <a:cs typeface="Tahoma" pitchFamily="2"/>
+              </a:defRPr>
+            </a:defPPr>
+            <a:lvl1pPr marL="432000" marR="0" lvl="0" indent="-324000">
+              <a:spcBef>
+                <a:spcPts val="0"/>
+              </a:spcBef>
+              <a:spcAft>
+                <a:spcPts val="1417"/>
+              </a:spcAft>
+              <a:buSzPct val="45000"/>
+              <a:buFont typeface="StarSymbol"/>
+              <a:buChar char="●"/>
+              <a:defRPr lang="x-none" sz="3200" b="0" i="0" u="none" strike="noStrike" kern="1200">
+                <a:ln>
+                  <a:noFill/>
+                </a:ln>
+                <a:latin typeface="Arial" pitchFamily="18"/>
+                <a:ea typeface="Andale Sans UI" pitchFamily="2"/>
+                <a:cs typeface="Tahoma" pitchFamily="2"/>
+              </a:defRPr>
+            </a:lvl1pPr>
+            <a:lvl2pPr marL="864000" marR="0" lvl="1" indent="-324000">
+              <a:spcBef>
+                <a:spcPts val="0"/>
+              </a:spcBef>
+              <a:spcAft>
+                <a:spcPts val="1134"/>
+              </a:spcAft>
+              <a:buSzPct val="45000"/>
+              <a:buFont typeface="StarSymbol"/>
+              <a:buChar char="●"/>
+              <a:defRPr lang="x-none" sz="2800" b="0" i="0" u="none" strike="noStrike" kern="1200">
+                <a:ln>
+                  <a:noFill/>
+                </a:ln>
+                <a:latin typeface="Arial" pitchFamily="18"/>
+                <a:ea typeface="Andale Sans UI" pitchFamily="2"/>
+                <a:cs typeface="Tahoma" pitchFamily="2"/>
+              </a:defRPr>
+            </a:lvl2pPr>
+            <a:lvl3pPr marL="1295999" marR="0" lvl="2" indent="-288000">
+              <a:spcBef>
+                <a:spcPts val="0"/>
+              </a:spcBef>
+              <a:spcAft>
+                <a:spcPts val="850"/>
+              </a:spcAft>
+              <a:buSzPct val="75000"/>
+              <a:buFont typeface="StarSymbol"/>
+              <a:buChar char="–"/>
+              <a:defRPr lang="x-none" sz="2400" b="0" i="0" u="none" strike="noStrike" kern="1200">
+                <a:ln>
+                  <a:noFill/>
+                </a:ln>
+                <a:latin typeface="Arial" pitchFamily="18"/>
+                <a:ea typeface="Andale Sans UI" pitchFamily="2"/>
+                <a:cs typeface="Tahoma" pitchFamily="2"/>
+              </a:defRPr>
+            </a:lvl3pPr>
+            <a:lvl4pPr marL="1728000" marR="0" lvl="3" indent="-216000">
+              <a:spcBef>
+                <a:spcPts val="0"/>
+              </a:spcBef>
+              <a:spcAft>
+                <a:spcPts val="567"/>
+              </a:spcAft>
+              <a:buSzPct val="45000"/>
+              <a:buFont typeface="StarSymbol"/>
+              <a:buChar char="●"/>
+              <a:defRPr lang="x-none" sz="2000" b="0" i="0" u="none" strike="noStrike" kern="1200">
+                <a:ln>
+                  <a:noFill/>
+                </a:ln>
+                <a:latin typeface="Arial" pitchFamily="18"/>
+                <a:ea typeface="Andale Sans UI" pitchFamily="2"/>
+                <a:cs typeface="Tahoma" pitchFamily="2"/>
+              </a:defRPr>
+            </a:lvl4pPr>
+            <a:lvl5pPr marL="2160000" marR="0" lvl="4" indent="-216000">
+              <a:spcBef>
+                <a:spcPts val="0"/>
+              </a:spcBef>
+              <a:spcAft>
+                <a:spcPts val="283"/>
+              </a:spcAft>
+              <a:buSzPct val="75000"/>
+              <a:buFont typeface="StarSymbol"/>
+              <a:buChar char="–"/>
+              <a:defRPr lang="x-none" sz="2000" b="0" i="0" u="none" strike="noStrike" kern="1200">
+                <a:ln>
+                  <a:noFill/>
+                </a:ln>
+                <a:latin typeface="Arial" pitchFamily="18"/>
+                <a:ea typeface="Andale Sans UI" pitchFamily="2"/>
+                <a:cs typeface="Tahoma" pitchFamily="2"/>
+              </a:defRPr>
+            </a:lvl5pPr>
+            <a:lvl6pPr marL="2592000" marR="0" lvl="5" indent="-216000">
+              <a:spcBef>
+                <a:spcPts val="0"/>
+              </a:spcBef>
+              <a:spcAft>
+                <a:spcPts val="283"/>
+              </a:spcAft>
+              <a:buSzPct val="45000"/>
+              <a:buFont typeface="StarSymbol"/>
+              <a:buChar char="●"/>
+              <a:defRPr lang="x-none" sz="2000" b="0" i="0" u="none" strike="noStrike" kern="1200">
+                <a:ln>
+                  <a:noFill/>
+                </a:ln>
+                <a:latin typeface="Arial" pitchFamily="18"/>
+                <a:ea typeface="Andale Sans UI" pitchFamily="2"/>
+                <a:cs typeface="Tahoma" pitchFamily="2"/>
+              </a:defRPr>
+            </a:lvl6pPr>
+            <a:lvl7pPr marL="3024000" marR="0" lvl="6" indent="-216000">
+              <a:spcBef>
+                <a:spcPts val="0"/>
+              </a:spcBef>
+              <a:spcAft>
+                <a:spcPts val="283"/>
+              </a:spcAft>
+              <a:buSzPct val="45000"/>
+              <a:buFont typeface="StarSymbol"/>
+              <a:buChar char="●"/>
+              <a:defRPr lang="x-none" sz="2000" b="0" i="0" u="none" strike="noStrike" kern="1200">
+                <a:ln>
+                  <a:noFill/>
+                </a:ln>
+                <a:latin typeface="Arial" pitchFamily="18"/>
+                <a:ea typeface="Andale Sans UI" pitchFamily="2"/>
+                <a:cs typeface="Tahoma" pitchFamily="2"/>
+              </a:defRPr>
+            </a:lvl7pPr>
+            <a:lvl8pPr marL="3456000" marR="0" lvl="7" indent="-216000">
+              <a:spcBef>
+                <a:spcPts val="0"/>
+              </a:spcBef>
+              <a:spcAft>
+                <a:spcPts val="283"/>
+              </a:spcAft>
+              <a:buSzPct val="45000"/>
+              <a:buFont typeface="StarSymbol"/>
+              <a:buChar char="●"/>
+              <a:defRPr lang="x-none" sz="2000" b="0" i="0" u="none" strike="noStrike" kern="1200">
+                <a:ln>
+                  <a:noFill/>
+                </a:ln>
+                <a:latin typeface="Arial" pitchFamily="18"/>
+                <a:ea typeface="Andale Sans UI" pitchFamily="2"/>
+                <a:cs typeface="Tahoma" pitchFamily="2"/>
+              </a:defRPr>
+            </a:lvl8pPr>
+            <a:lvl9pPr marL="3887999" marR="0" lvl="8" indent="-216000">
+              <a:spcBef>
+                <a:spcPts val="0"/>
+              </a:spcBef>
+              <a:spcAft>
+                <a:spcPts val="283"/>
+              </a:spcAft>
+              <a:buSzPct val="45000"/>
+              <a:buFont typeface="StarSymbol"/>
+              <a:buChar char="●"/>
+              <a:defRPr lang="x-none" sz="2000" b="0" i="0" u="none" strike="noStrike" kern="1200">
+                <a:ln>
+                  <a:noFill/>
+                </a:ln>
+                <a:latin typeface="Arial" pitchFamily="18"/>
+                <a:ea typeface="Andale Sans UI" pitchFamily="2"/>
+                <a:cs typeface="Tahoma" pitchFamily="2"/>
+              </a:defRPr>
+            </a:lvl9pPr>
+          </a:lstStyle>
+          <a:p>
+            <a:pPr lvl="0"/>
+            <a:r>
+              <a:rPr lang="fr-FR" dirty="0">
+                <a:latin typeface="Arial" pitchFamily="34"/>
+              </a:rPr>
+              <a:t>Trouver un mot mystère</a:t>
+            </a:r>
+          </a:p>
+          <a:p>
+            <a:pPr lvl="0"/>
+            <a:r>
+              <a:rPr lang="fr-FR" dirty="0">
+                <a:latin typeface="Arial" pitchFamily="34"/>
+              </a:rPr>
+              <a:t>Mot de taille fixe</a:t>
+            </a:r>
+          </a:p>
+          <a:p>
+            <a:pPr lvl="0"/>
+            <a:r>
+              <a:rPr lang="fr-FR" dirty="0">
+                <a:latin typeface="Arial" pitchFamily="34"/>
+              </a:rPr>
+              <a:t>Nombre de tentatives limité</a:t>
+            </a:r>
+          </a:p>
+          <a:p>
+            <a:pPr lvl="0"/>
+            <a:r>
+              <a:rPr lang="fr-FR" dirty="0">
+                <a:latin typeface="Arial" pitchFamily="34"/>
+              </a:rPr>
+              <a:t>Temps limité par tentative</a:t>
+            </a:r>
+          </a:p>
+          <a:p>
+            <a:pPr lvl="0"/>
+            <a:endParaRPr lang="fr-FR" dirty="0">
+              <a:latin typeface="Tahoma" pitchFamily="34"/>
+            </a:endParaRPr>
+          </a:p>
+        </p:txBody>
+      </p:sp>
+      <p:pic>
+        <p:nvPicPr>
+          <p:cNvPr id="4" name="Picture 3"/>
+          <p:cNvPicPr>
+            <a:picLocks noChangeAspect="1"/>
+          </p:cNvPicPr>
+          <p:nvPr/>
+        </p:nvPicPr>
+        <p:blipFill>
+          <a:blip r:embed="rId3">
+            <a:lum/>
+            <a:alphaModFix/>
+          </a:blip>
+          <a:srcRect/>
+          <a:stretch>
+            <a:fillRect/>
+          </a:stretch>
+        </p:blipFill>
+        <p:spPr>
+          <a:xfrm>
+            <a:off x="7020003" y="2123653"/>
+            <a:ext cx="2314441" cy="2685960"/>
+          </a:xfrm>
+          <a:prstGeom prst="rect">
+            <a:avLst/>
+          </a:prstGeom>
+          <a:noFill/>
+          <a:ln>
+            <a:noFill/>
+          </a:ln>
+        </p:spPr>
+      </p:pic>
+    </p:spTree>
+  </p:cSld>
+  <p:clrMapOvr>
+    <a:masterClrMapping/>
+  </p:clrMapOvr>
+</p:sld>
+</file>
+
+<file path=ppt/slides/slide4.xml><?xml version="1.0" encoding="utf-8"?>
+<p:sld xmlns:a="http://schemas.openxmlformats.org/drawingml/2006/main" xmlns:r="http://schemas.openxmlformats.org/officeDocument/2006/relationships" xmlns:p="http://schemas.openxmlformats.org/presentationml/2006/main">
+  <p:cSld name="page4">
+    <p:spTree>
+      <p:nvGrpSpPr>
+        <p:cNvPr id="1" name=""/>
+        <p:cNvGrpSpPr/>
+        <p:nvPr/>
+      </p:nvGrpSpPr>
+      <p:grpSpPr>
+        <a:xfrm>
+          <a:off x="0" y="0"/>
+          <a:ext cx="0" cy="0"/>
+          <a:chOff x="0" y="0"/>
+          <a:chExt cx="0" cy="0"/>
+        </a:xfrm>
+      </p:grpSpPr>
+      <p:sp>
+        <p:nvSpPr>
+          <p:cNvPr id="5" name="Footer Placeholder 2"/>
+          <p:cNvSpPr>
+            <a:spLocks noGrp="1"/>
+          </p:cNvSpPr>
+          <p:nvPr>
+            <p:ph type="ftr" sz="quarter" idx="11"/>
+          </p:nvPr>
+        </p:nvSpPr>
+        <p:spPr/>
+        <p:txBody>
+          <a:bodyPr/>
+          <a:lstStyle/>
+          <a:p>
+            <a:pPr lvl="0"/>
+            <a:r>
+              <a:rPr lang="x-none"/>
+              <a:t>L3 Informatique ---- Projet Motus</a:t>
+            </a:r>
+          </a:p>
+        </p:txBody>
+      </p:sp>
+      <p:sp>
+        <p:nvSpPr>
+          <p:cNvPr id="6" name="Slide Number Placeholder 3"/>
+          <p:cNvSpPr>
+            <a:spLocks noGrp="1"/>
+          </p:cNvSpPr>
+          <p:nvPr>
+            <p:ph type="sldNum" sz="quarter" idx="12"/>
+          </p:nvPr>
+        </p:nvSpPr>
+        <p:spPr/>
+        <p:txBody>
+          <a:bodyPr/>
+          <a:lstStyle/>
+          <a:p>
+            <a:pPr lvl="0"/>
+            <a:fld id="{85613A41-7B6C-42B8-AF3A-DC4170726D25}" type="slidenum">
+              <a:t>4</a:t>
+            </a:fld>
+            <a:endParaRPr lang="x-none"/>
+          </a:p>
+        </p:txBody>
+      </p:sp>
+      <p:sp>
+        <p:nvSpPr>
+          <p:cNvPr id="2" name="Title 1"/>
+          <p:cNvSpPr txBox="1">
+            <a:spLocks noGrp="1"/>
+          </p:cNvSpPr>
+          <p:nvPr>
+            <p:ph type="title" idx="4294967295"/>
+          </p:nvPr>
+        </p:nvSpPr>
+        <p:spPr>
+          <a:xfrm>
+            <a:off x="4388037" y="416562"/>
+            <a:ext cx="6336456" cy="655776"/>
+          </a:xfrm>
+        </p:spPr>
+        <p:txBody>
+          <a:bodyPr wrap="square">
+            <a:spAutoFit/>
+          </a:bodyPr>
+          <a:lstStyle>
+            <a:defPPr lvl="0">
+              <a:buSzPct val="45000"/>
+              <a:buFont typeface="StarSymbol"/>
+              <a:buNone/>
+            </a:defPPr>
+            <a:lvl1pPr lvl="0">
+              <a:buSzPct val="45000"/>
+              <a:buFont typeface="StarSymbol"/>
+              <a:buChar char="●"/>
+            </a:lvl1pPr>
+            <a:lvl2pPr lvl="1">
+              <a:buSzPct val="45000"/>
+              <a:buFont typeface="StarSymbol"/>
+              <a:buChar char="●"/>
+            </a:lvl2pPr>
+            <a:lvl3pPr lvl="2">
+              <a:buSzPct val="45000"/>
+              <a:buFont typeface="StarSymbol"/>
+              <a:buChar char="●"/>
+            </a:lvl3pPr>
+            <a:lvl4pPr lvl="3">
+              <a:buSzPct val="45000"/>
+              <a:buFont typeface="StarSymbol"/>
+              <a:buChar char="●"/>
+            </a:lvl4pPr>
+            <a:lvl5pPr lvl="4">
+              <a:buSzPct val="45000"/>
+              <a:buFont typeface="StarSymbol"/>
+              <a:buChar char="●"/>
+            </a:lvl5pPr>
+            <a:lvl6pPr lvl="5">
+              <a:buSzPct val="45000"/>
+              <a:buFont typeface="StarSymbol"/>
+              <a:buChar char="●"/>
+            </a:lvl6pPr>
+            <a:lvl7pPr lvl="6">
+              <a:buSzPct val="45000"/>
+              <a:buFont typeface="StarSymbol"/>
+              <a:buChar char="●"/>
+            </a:lvl7pPr>
+            <a:lvl8pPr lvl="7">
+              <a:buSzPct val="45000"/>
+              <a:buFont typeface="StarSymbol"/>
+              <a:buChar char="●"/>
+            </a:lvl8pPr>
+            <a:lvl9pPr lvl="8">
+              <a:buSzPct val="45000"/>
+              <a:buFont typeface="StarSymbol"/>
+              <a:buChar char="●"/>
+            </a:lvl9pPr>
+          </a:lstStyle>
+          <a:p>
+            <a:pPr lvl="0">
+              <a:buNone/>
+            </a:pPr>
+            <a:r>
+              <a:rPr lang="x-none" sz="3600" b="1" dirty="0">
+                <a:ln w="6600">
+                  <a:solidFill>
+                    <a:schemeClr val="accent2"/>
+                  </a:solidFill>
+                  <a:prstDash val="solid"/>
+                </a:ln>
+                <a:effectLst>
+                  <a:outerShdw dist="38100" dir="2700000" algn="tl" rotWithShape="0">
+                    <a:schemeClr val="accent2"/>
+                  </a:outerShdw>
+                </a:effectLst>
+                <a:latin typeface="Arial" pitchFamily="34"/>
+              </a:rPr>
+              <a:t>Description globale</a:t>
+            </a:r>
+          </a:p>
+        </p:txBody>
+      </p:sp>
+      <p:sp>
+        <p:nvSpPr>
+          <p:cNvPr id="3" name="Text Placeholder 2"/>
+          <p:cNvSpPr txBox="1">
+            <a:spLocks noGrp="1"/>
+          </p:cNvSpPr>
+          <p:nvPr>
+            <p:ph type="body" idx="4294967295"/>
+          </p:nvPr>
+        </p:nvSpPr>
+        <p:spPr>
+          <a:xfrm>
+            <a:off x="0" y="1768475"/>
+            <a:ext cx="9072563" cy="4384675"/>
+          </a:xfrm>
+        </p:spPr>
+        <p:txBody>
+          <a:bodyPr/>
+          <a:lstStyle>
+            <a:defPPr marL="432000" marR="0" lvl="0" indent="-324000">
+              <a:spcBef>
+                <a:spcPts val="0"/>
+              </a:spcBef>
+              <a:spcAft>
+                <a:spcPts val="1417"/>
+              </a:spcAft>
+              <a:buSzPct val="45000"/>
+              <a:buFont typeface="StarSymbol"/>
+              <a:buNone/>
+              <a:defRPr lang="x-none" sz="3200" b="0" i="0" u="none" strike="noStrike" kern="1200">
+                <a:ln>
+                  <a:noFill/>
+                </a:ln>
+                <a:latin typeface="Arial" pitchFamily="18"/>
+                <a:ea typeface="Andale Sans UI" pitchFamily="2"/>
+                <a:cs typeface="Tahoma" pitchFamily="2"/>
+              </a:defRPr>
+            </a:defPPr>
+            <a:lvl1pPr marL="432000" marR="0" lvl="0" indent="-324000">
+              <a:spcBef>
+                <a:spcPts val="0"/>
+              </a:spcBef>
+              <a:spcAft>
+                <a:spcPts val="1417"/>
+              </a:spcAft>
+              <a:buSzPct val="45000"/>
+              <a:buFont typeface="StarSymbol"/>
+              <a:buChar char="●"/>
+              <a:defRPr lang="x-none" sz="3200" b="0" i="0" u="none" strike="noStrike" kern="1200">
+                <a:ln>
+                  <a:noFill/>
+                </a:ln>
+                <a:latin typeface="Arial" pitchFamily="18"/>
+                <a:ea typeface="Andale Sans UI" pitchFamily="2"/>
+                <a:cs typeface="Tahoma" pitchFamily="2"/>
+              </a:defRPr>
+            </a:lvl1pPr>
+            <a:lvl2pPr marL="864000" marR="0" lvl="1" indent="-324000">
+              <a:spcBef>
+                <a:spcPts val="0"/>
+              </a:spcBef>
+              <a:spcAft>
+                <a:spcPts val="1134"/>
+              </a:spcAft>
+              <a:buSzPct val="45000"/>
+              <a:buFont typeface="StarSymbol"/>
+              <a:buChar char="●"/>
+              <a:defRPr lang="x-none" sz="2800" b="0" i="0" u="none" strike="noStrike" kern="1200">
+                <a:ln>
+                  <a:noFill/>
+                </a:ln>
+                <a:latin typeface="Arial" pitchFamily="18"/>
+                <a:ea typeface="Andale Sans UI" pitchFamily="2"/>
+                <a:cs typeface="Tahoma" pitchFamily="2"/>
+              </a:defRPr>
+            </a:lvl2pPr>
+            <a:lvl3pPr marL="1295999" marR="0" lvl="2" indent="-288000">
+              <a:spcBef>
+                <a:spcPts val="0"/>
+              </a:spcBef>
+              <a:spcAft>
+                <a:spcPts val="850"/>
+              </a:spcAft>
+              <a:buSzPct val="75000"/>
+              <a:buFont typeface="StarSymbol"/>
+              <a:buChar char="–"/>
+              <a:defRPr lang="x-none" sz="2400" b="0" i="0" u="none" strike="noStrike" kern="1200">
+                <a:ln>
+                  <a:noFill/>
+                </a:ln>
+                <a:latin typeface="Arial" pitchFamily="18"/>
+                <a:ea typeface="Andale Sans UI" pitchFamily="2"/>
+                <a:cs typeface="Tahoma" pitchFamily="2"/>
+              </a:defRPr>
+            </a:lvl3pPr>
+            <a:lvl4pPr marL="1728000" marR="0" lvl="3" indent="-216000">
+              <a:spcBef>
+                <a:spcPts val="0"/>
+              </a:spcBef>
+              <a:spcAft>
+                <a:spcPts val="567"/>
+              </a:spcAft>
+              <a:buSzPct val="45000"/>
+              <a:buFont typeface="StarSymbol"/>
+              <a:buChar char="●"/>
+              <a:defRPr lang="x-none" sz="2000" b="0" i="0" u="none" strike="noStrike" kern="1200">
+                <a:ln>
+                  <a:noFill/>
+                </a:ln>
+                <a:latin typeface="Arial" pitchFamily="18"/>
+                <a:ea typeface="Andale Sans UI" pitchFamily="2"/>
+                <a:cs typeface="Tahoma" pitchFamily="2"/>
+              </a:defRPr>
+            </a:lvl4pPr>
+            <a:lvl5pPr marL="2160000" marR="0" lvl="4" indent="-216000">
+              <a:spcBef>
+                <a:spcPts val="0"/>
+              </a:spcBef>
+              <a:spcAft>
+                <a:spcPts val="283"/>
+              </a:spcAft>
+              <a:buSzPct val="75000"/>
+              <a:buFont typeface="StarSymbol"/>
+              <a:buChar char="–"/>
+              <a:defRPr lang="x-none" sz="2000" b="0" i="0" u="none" strike="noStrike" kern="1200">
+                <a:ln>
+                  <a:noFill/>
+                </a:ln>
+                <a:latin typeface="Arial" pitchFamily="18"/>
+                <a:ea typeface="Andale Sans UI" pitchFamily="2"/>
+                <a:cs typeface="Tahoma" pitchFamily="2"/>
+              </a:defRPr>
+            </a:lvl5pPr>
+            <a:lvl6pPr marL="2592000" marR="0" lvl="5" indent="-216000">
+              <a:spcBef>
+                <a:spcPts val="0"/>
+              </a:spcBef>
+              <a:spcAft>
+                <a:spcPts val="283"/>
+              </a:spcAft>
+              <a:buSzPct val="45000"/>
+              <a:buFont typeface="StarSymbol"/>
+              <a:buChar char="●"/>
+              <a:defRPr lang="x-none" sz="2000" b="0" i="0" u="none" strike="noStrike" kern="1200">
+                <a:ln>
+                  <a:noFill/>
+                </a:ln>
+                <a:latin typeface="Arial" pitchFamily="18"/>
+                <a:ea typeface="Andale Sans UI" pitchFamily="2"/>
+                <a:cs typeface="Tahoma" pitchFamily="2"/>
+              </a:defRPr>
+            </a:lvl6pPr>
+            <a:lvl7pPr marL="3024000" marR="0" lvl="6" indent="-216000">
+              <a:spcBef>
+                <a:spcPts val="0"/>
+              </a:spcBef>
+              <a:spcAft>
+                <a:spcPts val="283"/>
+              </a:spcAft>
+              <a:buSzPct val="45000"/>
+              <a:buFont typeface="StarSymbol"/>
+              <a:buChar char="●"/>
+              <a:defRPr lang="x-none" sz="2000" b="0" i="0" u="none" strike="noStrike" kern="1200">
+                <a:ln>
+                  <a:noFill/>
+                </a:ln>
+                <a:latin typeface="Arial" pitchFamily="18"/>
+                <a:ea typeface="Andale Sans UI" pitchFamily="2"/>
+                <a:cs typeface="Tahoma" pitchFamily="2"/>
+              </a:defRPr>
+            </a:lvl7pPr>
+            <a:lvl8pPr marL="3456000" marR="0" lvl="7" indent="-216000">
+              <a:spcBef>
+                <a:spcPts val="0"/>
+              </a:spcBef>
+              <a:spcAft>
+                <a:spcPts val="283"/>
+              </a:spcAft>
+              <a:buSzPct val="45000"/>
+              <a:buFont typeface="StarSymbol"/>
+              <a:buChar char="●"/>
+              <a:defRPr lang="x-none" sz="2000" b="0" i="0" u="none" strike="noStrike" kern="1200">
+                <a:ln>
+                  <a:noFill/>
+                </a:ln>
+                <a:latin typeface="Arial" pitchFamily="18"/>
+                <a:ea typeface="Andale Sans UI" pitchFamily="2"/>
+                <a:cs typeface="Tahoma" pitchFamily="2"/>
+              </a:defRPr>
+            </a:lvl8pPr>
+            <a:lvl9pPr marL="3887999" marR="0" lvl="8" indent="-216000">
+              <a:spcBef>
+                <a:spcPts val="0"/>
+              </a:spcBef>
+              <a:spcAft>
+                <a:spcPts val="283"/>
+              </a:spcAft>
+              <a:buSzPct val="45000"/>
+              <a:buFont typeface="StarSymbol"/>
+              <a:buChar char="●"/>
+              <a:defRPr lang="x-none" sz="2000" b="0" i="0" u="none" strike="noStrike" kern="1200">
+                <a:ln>
+                  <a:noFill/>
+                </a:ln>
+                <a:latin typeface="Arial" pitchFamily="18"/>
+                <a:ea typeface="Andale Sans UI" pitchFamily="2"/>
+                <a:cs typeface="Tahoma" pitchFamily="2"/>
+              </a:defRPr>
+            </a:lvl9pPr>
+          </a:lstStyle>
+          <a:p>
+            <a:pPr lvl="0"/>
+            <a:r>
+              <a:rPr lang="fr-FR" dirty="0">
+                <a:latin typeface="Arial" pitchFamily="34"/>
+              </a:rPr>
+              <a:t>Jeu accessible via un site web</a:t>
+            </a:r>
+          </a:p>
+          <a:p>
+            <a:pPr lvl="0"/>
+            <a:r>
+              <a:rPr lang="fr-FR" dirty="0">
+                <a:latin typeface="Arial" pitchFamily="34"/>
+              </a:rPr>
+              <a:t>Clavier et écran nécessaire pour jouer</a:t>
+            </a:r>
+          </a:p>
+          <a:p>
+            <a:pPr lvl="0"/>
+            <a:endParaRPr lang="fr-FR" dirty="0">
+              <a:latin typeface="Arial" pitchFamily="34"/>
+            </a:endParaRPr>
+          </a:p>
+          <a:p>
+            <a:pPr lvl="0"/>
+            <a:r>
+              <a:rPr lang="fr-FR" dirty="0">
+                <a:latin typeface="Arial" pitchFamily="34"/>
+              </a:rPr>
+              <a:t>Profil des utilisateurs</a:t>
+            </a:r>
+          </a:p>
+          <a:p>
+            <a:pPr lvl="1">
+              <a:buFont typeface="Wingdings" panose="05000000000000000000" pitchFamily="2" charset="2"/>
+              <a:buChar char="Ø"/>
+            </a:pPr>
+            <a:r>
+              <a:rPr lang="fr-FR" dirty="0">
+                <a:latin typeface="Arial" pitchFamily="34"/>
+              </a:rPr>
+              <a:t> utilisable par toute personne lettrée</a:t>
+            </a:r>
+          </a:p>
+        </p:txBody>
+      </p:sp>
+    </p:spTree>
+  </p:cSld>
+  <p:clrMapOvr>
+    <a:masterClrMapping/>
+  </p:clrMapOvr>
+</p:sld>
+</file>
+
+<file path=ppt/slides/slide5.xml><?xml version="1.0" encoding="utf-8"?>
+<p:sld xmlns:a="http://schemas.openxmlformats.org/drawingml/2006/main" xmlns:r="http://schemas.openxmlformats.org/officeDocument/2006/relationships" xmlns:p="http://schemas.openxmlformats.org/presentationml/2006/main">
+  <p:cSld name="page5">
+    <p:spTree>
+      <p:nvGrpSpPr>
+        <p:cNvPr id="1" name=""/>
+        <p:cNvGrpSpPr/>
+        <p:nvPr/>
+      </p:nvGrpSpPr>
+      <p:grpSpPr>
+        <a:xfrm>
+          <a:off x="0" y="0"/>
+          <a:ext cx="0" cy="0"/>
+          <a:chOff x="0" y="0"/>
+          <a:chExt cx="0" cy="0"/>
+        </a:xfrm>
+      </p:grpSpPr>
+      <p:sp>
+        <p:nvSpPr>
+          <p:cNvPr id="6" name="Footer Placeholder 2"/>
+          <p:cNvSpPr>
+            <a:spLocks noGrp="1"/>
+          </p:cNvSpPr>
+          <p:nvPr>
+            <p:ph type="ftr" sz="quarter" idx="11"/>
+          </p:nvPr>
+        </p:nvSpPr>
+        <p:spPr/>
+        <p:txBody>
+          <a:bodyPr/>
+          <a:lstStyle/>
+          <a:p>
+            <a:pPr lvl="0"/>
+            <a:r>
+              <a:rPr lang="x-none"/>
+              <a:t>L3 Informatique ---- Projet Motus</a:t>
+            </a:r>
+          </a:p>
+        </p:txBody>
+      </p:sp>
+      <p:sp>
+        <p:nvSpPr>
+          <p:cNvPr id="7" name="Slide Number Placeholder 3"/>
+          <p:cNvSpPr>
+            <a:spLocks noGrp="1"/>
+          </p:cNvSpPr>
+          <p:nvPr>
+            <p:ph type="sldNum" sz="quarter" idx="12"/>
+          </p:nvPr>
+        </p:nvSpPr>
+        <p:spPr/>
+        <p:txBody>
+          <a:bodyPr/>
+          <a:lstStyle/>
+          <a:p>
+            <a:pPr lvl="0"/>
+            <a:fld id="{E8AB436A-D21B-4945-8154-9E28EA5B2729}" type="slidenum">
+              <a:t>5</a:t>
+            </a:fld>
+            <a:endParaRPr lang="x-none"/>
+          </a:p>
+        </p:txBody>
+      </p:sp>
+      <p:sp>
+        <p:nvSpPr>
+          <p:cNvPr id="2" name="Title 1"/>
+          <p:cNvSpPr txBox="1">
+            <a:spLocks noGrp="1"/>
+          </p:cNvSpPr>
+          <p:nvPr>
+            <p:ph type="title" idx="4294967295"/>
+          </p:nvPr>
+        </p:nvSpPr>
+        <p:spPr>
+          <a:xfrm>
+            <a:off x="3888184" y="436559"/>
+            <a:ext cx="7416824" cy="655776"/>
+          </a:xfrm>
+        </p:spPr>
+        <p:txBody>
+          <a:bodyPr wrap="square">
+            <a:spAutoFit/>
+          </a:bodyPr>
+          <a:lstStyle>
+            <a:defPPr lvl="0">
+              <a:buSzPct val="45000"/>
+              <a:buFont typeface="StarSymbol"/>
+              <a:buNone/>
+            </a:defPPr>
+            <a:lvl1pPr lvl="0">
+              <a:buSzPct val="45000"/>
+              <a:buFont typeface="StarSymbol"/>
+              <a:buChar char="●"/>
+            </a:lvl1pPr>
+            <a:lvl2pPr lvl="1">
+              <a:buSzPct val="45000"/>
+              <a:buFont typeface="StarSymbol"/>
+              <a:buChar char="●"/>
+            </a:lvl2pPr>
+            <a:lvl3pPr lvl="2">
+              <a:buSzPct val="45000"/>
+              <a:buFont typeface="StarSymbol"/>
+              <a:buChar char="●"/>
+            </a:lvl3pPr>
+            <a:lvl4pPr lvl="3">
+              <a:buSzPct val="45000"/>
+              <a:buFont typeface="StarSymbol"/>
+              <a:buChar char="●"/>
+            </a:lvl4pPr>
+            <a:lvl5pPr lvl="4">
+              <a:buSzPct val="45000"/>
+              <a:buFont typeface="StarSymbol"/>
+              <a:buChar char="●"/>
+            </a:lvl5pPr>
+            <a:lvl6pPr lvl="5">
+              <a:buSzPct val="45000"/>
+              <a:buFont typeface="StarSymbol"/>
+              <a:buChar char="●"/>
+            </a:lvl6pPr>
+            <a:lvl7pPr lvl="6">
+              <a:buSzPct val="45000"/>
+              <a:buFont typeface="StarSymbol"/>
+              <a:buChar char="●"/>
+            </a:lvl7pPr>
+            <a:lvl8pPr lvl="7">
+              <a:buSzPct val="45000"/>
+              <a:buFont typeface="StarSymbol"/>
+              <a:buChar char="●"/>
+            </a:lvl8pPr>
+            <a:lvl9pPr lvl="8">
+              <a:buSzPct val="45000"/>
+              <a:buFont typeface="StarSymbol"/>
+              <a:buChar char="●"/>
+            </a:lvl9pPr>
+          </a:lstStyle>
+          <a:p>
+            <a:pPr lvl="0">
+              <a:buNone/>
+            </a:pPr>
+            <a:r>
+              <a:rPr lang="x-none" sz="3600" b="1" dirty="0">
+                <a:ln w="6600">
+                  <a:solidFill>
+                    <a:schemeClr val="accent2"/>
+                  </a:solidFill>
+                  <a:prstDash val="solid"/>
+                </a:ln>
+                <a:effectLst>
+                  <a:outerShdw dist="38100" dir="2700000" algn="tl" rotWithShape="0">
+                    <a:schemeClr val="accent2"/>
+                  </a:outerShdw>
+                </a:effectLst>
+                <a:latin typeface="Arial" pitchFamily="34"/>
+              </a:rPr>
+              <a:t>Les fonctionnalités</a:t>
+            </a:r>
+          </a:p>
+        </p:txBody>
+      </p:sp>
+      <p:sp>
+        <p:nvSpPr>
+          <p:cNvPr id="3" name="Text Placeholder 2"/>
+          <p:cNvSpPr txBox="1">
+            <a:spLocks noGrp="1"/>
+          </p:cNvSpPr>
+          <p:nvPr>
+            <p:ph type="body" idx="4294967295"/>
+          </p:nvPr>
+        </p:nvSpPr>
+        <p:spPr>
+          <a:xfrm>
+            <a:off x="0" y="1768475"/>
+            <a:ext cx="9072563" cy="4384675"/>
+          </a:xfrm>
+        </p:spPr>
+        <p:txBody>
+          <a:bodyPr/>
+          <a:lstStyle>
+            <a:defPPr marL="432000" marR="0" lvl="0" indent="-324000">
+              <a:spcBef>
+                <a:spcPts val="0"/>
+              </a:spcBef>
+              <a:spcAft>
+                <a:spcPts val="1417"/>
+              </a:spcAft>
+              <a:buSzPct val="45000"/>
+              <a:buFont typeface="StarSymbol"/>
+              <a:buNone/>
+              <a:defRPr lang="x-none" sz="3200" b="0" i="0" u="none" strike="noStrike" kern="1200">
+                <a:ln>
+                  <a:noFill/>
+                </a:ln>
+                <a:latin typeface="Arial" pitchFamily="18"/>
+                <a:ea typeface="Andale Sans UI" pitchFamily="2"/>
+                <a:cs typeface="Tahoma" pitchFamily="2"/>
+              </a:defRPr>
+            </a:defPPr>
+            <a:lvl1pPr marL="432000" marR="0" lvl="0" indent="-324000">
+              <a:spcBef>
+                <a:spcPts val="0"/>
+              </a:spcBef>
+              <a:spcAft>
+                <a:spcPts val="1417"/>
+              </a:spcAft>
+              <a:buSzPct val="45000"/>
+              <a:buFont typeface="StarSymbol"/>
+              <a:buChar char="●"/>
+              <a:defRPr lang="x-none" sz="3200" b="0" i="0" u="none" strike="noStrike" kern="1200">
+                <a:ln>
+                  <a:noFill/>
+                </a:ln>
+                <a:latin typeface="Arial" pitchFamily="18"/>
+                <a:ea typeface="Andale Sans UI" pitchFamily="2"/>
+                <a:cs typeface="Tahoma" pitchFamily="2"/>
+              </a:defRPr>
+            </a:lvl1pPr>
+            <a:lvl2pPr marL="864000" marR="0" lvl="1" indent="-324000">
+              <a:spcBef>
+                <a:spcPts val="0"/>
+              </a:spcBef>
+              <a:spcAft>
+                <a:spcPts val="1134"/>
+              </a:spcAft>
+              <a:buSzPct val="45000"/>
+              <a:buFont typeface="StarSymbol"/>
+              <a:buChar char="●"/>
+              <a:defRPr lang="x-none" sz="2800" b="0" i="0" u="none" strike="noStrike" kern="1200">
+                <a:ln>
+                  <a:noFill/>
+                </a:ln>
+                <a:latin typeface="Arial" pitchFamily="18"/>
+                <a:ea typeface="Andale Sans UI" pitchFamily="2"/>
+                <a:cs typeface="Tahoma" pitchFamily="2"/>
+              </a:defRPr>
+            </a:lvl2pPr>
+            <a:lvl3pPr marL="1295999" marR="0" lvl="2" indent="-288000">
+              <a:spcBef>
+                <a:spcPts val="0"/>
+              </a:spcBef>
+              <a:spcAft>
+                <a:spcPts val="850"/>
+              </a:spcAft>
+              <a:buSzPct val="75000"/>
+              <a:buFont typeface="StarSymbol"/>
+              <a:buChar char="–"/>
+              <a:defRPr lang="x-none" sz="2400" b="0" i="0" u="none" strike="noStrike" kern="1200">
+                <a:ln>
+                  <a:noFill/>
+                </a:ln>
+                <a:latin typeface="Arial" pitchFamily="18"/>
+                <a:ea typeface="Andale Sans UI" pitchFamily="2"/>
+                <a:cs typeface="Tahoma" pitchFamily="2"/>
+              </a:defRPr>
+            </a:lvl3pPr>
+            <a:lvl4pPr marL="1728000" marR="0" lvl="3" indent="-216000">
+              <a:spcBef>
+                <a:spcPts val="0"/>
+              </a:spcBef>
+              <a:spcAft>
+                <a:spcPts val="567"/>
+              </a:spcAft>
+              <a:buSzPct val="45000"/>
+              <a:buFont typeface="StarSymbol"/>
+              <a:buChar char="●"/>
+              <a:defRPr lang="x-none" sz="2000" b="0" i="0" u="none" strike="noStrike" kern="1200">
+                <a:ln>
+                  <a:noFill/>
+                </a:ln>
+                <a:latin typeface="Arial" pitchFamily="18"/>
+                <a:ea typeface="Andale Sans UI" pitchFamily="2"/>
+                <a:cs typeface="Tahoma" pitchFamily="2"/>
+              </a:defRPr>
+            </a:lvl4pPr>
+            <a:lvl5pPr marL="2160000" marR="0" lvl="4" indent="-216000">
+              <a:spcBef>
+                <a:spcPts val="0"/>
+              </a:spcBef>
+              <a:spcAft>
+                <a:spcPts val="283"/>
+              </a:spcAft>
+              <a:buSzPct val="75000"/>
+              <a:buFont typeface="StarSymbol"/>
+              <a:buChar char="–"/>
+              <a:defRPr lang="x-none" sz="2000" b="0" i="0" u="none" strike="noStrike" kern="1200">
+                <a:ln>
+                  <a:noFill/>
+                </a:ln>
+                <a:latin typeface="Arial" pitchFamily="18"/>
+                <a:ea typeface="Andale Sans UI" pitchFamily="2"/>
+                <a:cs typeface="Tahoma" pitchFamily="2"/>
+              </a:defRPr>
+            </a:lvl5pPr>
+            <a:lvl6pPr marL="2592000" marR="0" lvl="5" indent="-216000">
+              <a:spcBef>
+                <a:spcPts val="0"/>
+              </a:spcBef>
+              <a:spcAft>
+                <a:spcPts val="283"/>
+              </a:spcAft>
+              <a:buSzPct val="45000"/>
+              <a:buFont typeface="StarSymbol"/>
+              <a:buChar char="●"/>
+              <a:defRPr lang="x-none" sz="2000" b="0" i="0" u="none" strike="noStrike" kern="1200">
+                <a:ln>
+                  <a:noFill/>
+                </a:ln>
+                <a:latin typeface="Arial" pitchFamily="18"/>
+                <a:ea typeface="Andale Sans UI" pitchFamily="2"/>
+                <a:cs typeface="Tahoma" pitchFamily="2"/>
+              </a:defRPr>
+            </a:lvl6pPr>
+            <a:lvl7pPr marL="3024000" marR="0" lvl="6" indent="-216000">
+              <a:spcBef>
+                <a:spcPts val="0"/>
+              </a:spcBef>
+              <a:spcAft>
+                <a:spcPts val="283"/>
+              </a:spcAft>
+              <a:buSzPct val="45000"/>
+              <a:buFont typeface="StarSymbol"/>
+              <a:buChar char="●"/>
+              <a:defRPr lang="x-none" sz="2000" b="0" i="0" u="none" strike="noStrike" kern="1200">
+                <a:ln>
+                  <a:noFill/>
+                </a:ln>
+                <a:latin typeface="Arial" pitchFamily="18"/>
+                <a:ea typeface="Andale Sans UI" pitchFamily="2"/>
+                <a:cs typeface="Tahoma" pitchFamily="2"/>
+              </a:defRPr>
+            </a:lvl7pPr>
+            <a:lvl8pPr marL="3456000" marR="0" lvl="7" indent="-216000">
+              <a:spcBef>
+                <a:spcPts val="0"/>
+              </a:spcBef>
+              <a:spcAft>
+                <a:spcPts val="283"/>
+              </a:spcAft>
+              <a:buSzPct val="45000"/>
+              <a:buFont typeface="StarSymbol"/>
+              <a:buChar char="●"/>
+              <a:defRPr lang="x-none" sz="2000" b="0" i="0" u="none" strike="noStrike" kern="1200">
+                <a:ln>
+                  <a:noFill/>
+                </a:ln>
+                <a:latin typeface="Arial" pitchFamily="18"/>
+                <a:ea typeface="Andale Sans UI" pitchFamily="2"/>
+                <a:cs typeface="Tahoma" pitchFamily="2"/>
+              </a:defRPr>
+            </a:lvl8pPr>
+            <a:lvl9pPr marL="3887999" marR="0" lvl="8" indent="-216000">
+              <a:spcBef>
+                <a:spcPts val="0"/>
+              </a:spcBef>
+              <a:spcAft>
+                <a:spcPts val="283"/>
+              </a:spcAft>
+              <a:buSzPct val="45000"/>
+              <a:buFont typeface="StarSymbol"/>
+              <a:buChar char="●"/>
+              <a:defRPr lang="x-none" sz="2000" b="0" i="0" u="none" strike="noStrike" kern="1200">
+                <a:ln>
+                  <a:noFill/>
+                </a:ln>
+                <a:latin typeface="Arial" pitchFamily="18"/>
+                <a:ea typeface="Andale Sans UI" pitchFamily="2"/>
+                <a:cs typeface="Tahoma" pitchFamily="2"/>
+              </a:defRPr>
+            </a:lvl9pPr>
+          </a:lstStyle>
+          <a:p>
+            <a:pPr marL="108000" lvl="0" indent="0">
+              <a:buNone/>
+            </a:pPr>
+            <a:r>
               <a:rPr lang="x-none" dirty="0"/>
-              <a:t>Module Timer</a:t>
+              <a:t>Choix des paramètres</a:t>
+            </a:r>
+          </a:p>
+          <a:p>
+            <a:pPr lvl="0"/>
+            <a:endParaRPr lang="x-none" dirty="0"/>
+          </a:p>
+        </p:txBody>
+      </p:sp>
+      <p:pic>
+        <p:nvPicPr>
+          <p:cNvPr id="1026" name="Picture 2" descr="C:\Users\Arkane\AppData\Roaming\Skype\live#3aa4arkane\media_messaging\media_cache_v3\^2F7E45C40017E18C9BC7F5B96B448E7E7529CD72BB6901AFCC^pimgpsh_fullsize_distr.png"/>
+          <p:cNvPicPr>
+            <a:picLocks noChangeAspect="1" noChangeArrowheads="1"/>
+          </p:cNvPicPr>
+          <p:nvPr/>
+        </p:nvPicPr>
+        <p:blipFill>
+          <a:blip r:embed="rId3">
+            <a:extLst>
+              <a:ext uri="{28A0092B-C50C-407E-A947-70E740481C1C}">
+                <a14:useLocalDpi xmlns:a14="http://schemas.microsoft.com/office/drawing/2010/main" val="0"/>
+              </a:ext>
+            </a:extLst>
+          </a:blip>
+          <a:srcRect/>
+          <a:stretch>
+            <a:fillRect/>
+          </a:stretch>
+        </p:blipFill>
+        <p:spPr bwMode="auto">
+          <a:xfrm>
+            <a:off x="689291" y="2915741"/>
+            <a:ext cx="8707066" cy="2743583"/>
+          </a:xfrm>
+          <a:prstGeom prst="rect">
+            <a:avLst/>
+          </a:prstGeom>
+          <a:noFill/>
+          <a:extLst>
+            <a:ext uri="{909E8E84-426E-40DD-AFC4-6F175D3DCCD1}">
+              <a14:hiddenFill xmlns:a14="http://schemas.microsoft.com/office/drawing/2010/main">
+                <a:solidFill>
+                  <a:srgbClr val="FFFFFF"/>
+                </a:solidFill>
+              </a14:hiddenFill>
+            </a:ext>
+          </a:extLst>
+        </p:spPr>
+      </p:pic>
+    </p:spTree>
+  </p:cSld>
+  <p:clrMapOvr>
+    <a:masterClrMapping/>
+  </p:clrMapOvr>
+</p:sld>
+</file>
+
+<file path=ppt/slides/slide6.xml><?xml version="1.0" encoding="utf-8"?>
+<p:sld xmlns:a="http://schemas.openxmlformats.org/drawingml/2006/main" xmlns:r="http://schemas.openxmlformats.org/officeDocument/2006/relationships" xmlns:p="http://schemas.openxmlformats.org/presentationml/2006/main">
+  <p:cSld name="page6">
+    <p:spTree>
+      <p:nvGrpSpPr>
+        <p:cNvPr id="1" name=""/>
+        <p:cNvGrpSpPr/>
+        <p:nvPr/>
+      </p:nvGrpSpPr>
+      <p:grpSpPr>
+        <a:xfrm>
+          <a:off x="0" y="0"/>
+          <a:ext cx="0" cy="0"/>
+          <a:chOff x="0" y="0"/>
+          <a:chExt cx="0" cy="0"/>
+        </a:xfrm>
+      </p:grpSpPr>
+      <p:sp>
+        <p:nvSpPr>
+          <p:cNvPr id="7" name="Footer Placeholder 2"/>
+          <p:cNvSpPr>
+            <a:spLocks noGrp="1"/>
+          </p:cNvSpPr>
+          <p:nvPr>
+            <p:ph type="ftr" sz="quarter" idx="11"/>
+          </p:nvPr>
+        </p:nvSpPr>
+        <p:spPr/>
+        <p:txBody>
+          <a:bodyPr/>
+          <a:lstStyle/>
+          <a:p>
+            <a:pPr lvl="0"/>
+            <a:r>
+              <a:rPr lang="x-none"/>
+              <a:t>L3 Informatique ---- Projet Motus</a:t>
+            </a:r>
+          </a:p>
+        </p:txBody>
+      </p:sp>
+      <p:sp>
+        <p:nvSpPr>
+          <p:cNvPr id="8" name="Slide Number Placeholder 3"/>
+          <p:cNvSpPr>
+            <a:spLocks noGrp="1"/>
+          </p:cNvSpPr>
+          <p:nvPr>
+            <p:ph type="sldNum" sz="quarter" idx="12"/>
+          </p:nvPr>
+        </p:nvSpPr>
+        <p:spPr/>
+        <p:txBody>
+          <a:bodyPr/>
+          <a:lstStyle/>
+          <a:p>
+            <a:pPr lvl="0"/>
+            <a:fld id="{D5D1E1A4-5BBC-4815-AF38-01366DED5F24}" type="slidenum">
+              <a:t>6</a:t>
+            </a:fld>
+            <a:endParaRPr lang="x-none"/>
+          </a:p>
+        </p:txBody>
+      </p:sp>
+      <p:pic>
+        <p:nvPicPr>
+          <p:cNvPr id="2" name="Picture Placeholder 1"/>
+          <p:cNvPicPr>
+            <a:picLocks noGrp="1" noChangeAspect="1"/>
+          </p:cNvPicPr>
+          <p:nvPr>
+            <p:ph type="pic" idx="4294967295"/>
+          </p:nvPr>
+        </p:nvPicPr>
+        <p:blipFill>
+          <a:blip r:embed="rId3">
+            <a:lum/>
+            <a:alphaModFix/>
+          </a:blip>
+          <a:srcRect/>
+          <a:stretch>
+            <a:fillRect/>
+          </a:stretch>
+        </p:blipFill>
+        <p:spPr>
+          <a:xfrm>
+            <a:off x="791840" y="1691605"/>
+            <a:ext cx="3778250" cy="4384675"/>
+          </a:xfrm>
+        </p:spPr>
+      </p:pic>
+      <p:sp>
+        <p:nvSpPr>
+          <p:cNvPr id="3" name="TextBox 2"/>
+          <p:cNvSpPr txBox="1"/>
+          <p:nvPr/>
+        </p:nvSpPr>
+        <p:spPr>
+          <a:xfrm>
+            <a:off x="1583928" y="1187549"/>
+            <a:ext cx="1772560" cy="356328"/>
+          </a:xfrm>
+          <a:prstGeom prst="rect">
+            <a:avLst/>
+          </a:prstGeom>
+          <a:noFill/>
+          <a:ln>
+            <a:noFill/>
+          </a:ln>
+        </p:spPr>
+        <p:txBody>
+          <a:bodyPr vert="horz" wrap="none" lIns="89944" tIns="44973" rIns="89944" bIns="44973" anchorCtr="0" compatLnSpc="0">
+            <a:spAutoFit/>
+          </a:bodyPr>
+          <a:lstStyle/>
+          <a:p>
+            <a:pPr hangingPunct="0"/>
+            <a:r>
+              <a:rPr lang="fr-FR" dirty="0">
+                <a:latin typeface="Arial" pitchFamily="18"/>
+                <a:ea typeface="Andale Sans UI" pitchFamily="2"/>
+                <a:cs typeface="Tahoma" pitchFamily="2"/>
+              </a:rPr>
+              <a:t>Mot de 6 lettres</a:t>
+            </a:r>
+          </a:p>
+        </p:txBody>
+      </p:sp>
+      <p:sp>
+        <p:nvSpPr>
+          <p:cNvPr id="4" name="TextBox 3"/>
+          <p:cNvSpPr txBox="1"/>
+          <p:nvPr/>
+        </p:nvSpPr>
+        <p:spPr>
+          <a:xfrm>
+            <a:off x="4824288" y="3995861"/>
+            <a:ext cx="1362191" cy="356328"/>
+          </a:xfrm>
+          <a:prstGeom prst="rect">
+            <a:avLst/>
+          </a:prstGeom>
+          <a:noFill/>
+          <a:ln>
+            <a:noFill/>
+          </a:ln>
+        </p:spPr>
+        <p:txBody>
+          <a:bodyPr vert="horz" wrap="none" lIns="89944" tIns="44973" rIns="89944" bIns="44973" anchorCtr="0" compatLnSpc="0">
+            <a:spAutoFit/>
+          </a:bodyPr>
+          <a:lstStyle/>
+          <a:p>
+            <a:pPr hangingPunct="0"/>
+            <a:r>
+              <a:rPr lang="fr-FR" dirty="0">
+                <a:latin typeface="Arial" pitchFamily="18"/>
+                <a:ea typeface="Andale Sans UI" pitchFamily="2"/>
+                <a:cs typeface="Tahoma" pitchFamily="2"/>
+              </a:rPr>
+              <a:t>7 tentatives</a:t>
+            </a:r>
+          </a:p>
+        </p:txBody>
+      </p:sp>
+      <p:sp>
+        <p:nvSpPr>
+          <p:cNvPr id="5" name="TextBox 4"/>
+          <p:cNvSpPr txBox="1"/>
+          <p:nvPr/>
+        </p:nvSpPr>
+        <p:spPr>
+          <a:xfrm>
+            <a:off x="5505383" y="5580037"/>
+            <a:ext cx="4270551" cy="356328"/>
+          </a:xfrm>
+          <a:prstGeom prst="rect">
+            <a:avLst/>
+          </a:prstGeom>
+          <a:noFill/>
+          <a:ln>
+            <a:noFill/>
+          </a:ln>
+        </p:spPr>
+        <p:txBody>
+          <a:bodyPr vert="horz" wrap="none" lIns="89944" tIns="44973" rIns="89944" bIns="44973" anchorCtr="0" compatLnSpc="0">
+            <a:spAutoFit/>
+          </a:bodyPr>
+          <a:lstStyle/>
+          <a:p>
+            <a:pPr hangingPunct="0"/>
+            <a:r>
+              <a:rPr lang="fr-FR" dirty="0">
+                <a:latin typeface="Arial" pitchFamily="18"/>
+                <a:ea typeface="Andale Sans UI" pitchFamily="2"/>
+                <a:cs typeface="Tahoma" pitchFamily="2"/>
+              </a:rPr>
+              <a:t>Durée : Temps en seconde par tentative</a:t>
+            </a:r>
+          </a:p>
+        </p:txBody>
+      </p:sp>
+      <p:pic>
+        <p:nvPicPr>
+          <p:cNvPr id="6" name="Picture 5"/>
+          <p:cNvPicPr>
+            <a:picLocks noChangeAspect="1"/>
+          </p:cNvPicPr>
+          <p:nvPr/>
+        </p:nvPicPr>
+        <p:blipFill>
+          <a:blip r:embed="rId4"/>
+          <a:stretch>
+            <a:fillRect/>
+          </a:stretch>
+        </p:blipFill>
+        <p:spPr>
+          <a:xfrm>
+            <a:off x="6420591" y="3252051"/>
+            <a:ext cx="2571750" cy="2200275"/>
+          </a:xfrm>
+          <a:prstGeom prst="rect">
+            <a:avLst/>
+          </a:prstGeom>
+        </p:spPr>
+      </p:pic>
+      <p:sp>
+        <p:nvSpPr>
+          <p:cNvPr id="9" name="TextBox 8"/>
+          <p:cNvSpPr txBox="1"/>
+          <p:nvPr/>
+        </p:nvSpPr>
+        <p:spPr>
+          <a:xfrm>
+            <a:off x="7708900" y="395461"/>
+            <a:ext cx="3896086" cy="646331"/>
+          </a:xfrm>
+          <a:prstGeom prst="rect">
+            <a:avLst/>
+          </a:prstGeom>
+          <a:noFill/>
+        </p:spPr>
+        <p:txBody>
+          <a:bodyPr wrap="square" rtlCol="0">
+            <a:spAutoFit/>
+          </a:bodyPr>
+          <a:lstStyle/>
+          <a:p>
+            <a:r>
+              <a:rPr lang="fr-FR" sz="3600" b="1" dirty="0">
+                <a:ln w="6600">
+                  <a:solidFill>
+                    <a:schemeClr val="accent2"/>
+                  </a:solidFill>
+                  <a:prstDash val="solid"/>
+                </a:ln>
+                <a:solidFill>
+                  <a:srgbClr val="FFFFFF"/>
+                </a:solidFill>
+                <a:effectLst>
+                  <a:outerShdw dist="38100" dir="2700000" algn="tl" rotWithShape="0">
+                    <a:schemeClr val="accent2"/>
+                  </a:outerShdw>
+                </a:effectLst>
+                <a:latin typeface="Arial" panose="020B0604020202020204" pitchFamily="34" charset="0"/>
+                <a:cs typeface="Arial" panose="020B0604020202020204" pitchFamily="34" charset="0"/>
+              </a:rPr>
+              <a:t>Exemple</a:t>
+            </a:r>
+          </a:p>
+        </p:txBody>
+      </p:sp>
+    </p:spTree>
+  </p:cSld>
+  <p:clrMapOvr>
+    <a:masterClrMapping/>
+  </p:clrMapOvr>
+</p:sld>
+</file>
+
+<file path=ppt/slides/slide7.xml><?xml version="1.0" encoding="utf-8"?>
+<p:sld xmlns:a="http://schemas.openxmlformats.org/drawingml/2006/main" xmlns:r="http://schemas.openxmlformats.org/officeDocument/2006/relationships" xmlns:p="http://schemas.openxmlformats.org/presentationml/2006/main">
+  <p:cSld name="page7">
+    <p:spTree>
+      <p:nvGrpSpPr>
+        <p:cNvPr id="1" name=""/>
+        <p:cNvGrpSpPr/>
+        <p:nvPr/>
+      </p:nvGrpSpPr>
+      <p:grpSpPr>
+        <a:xfrm>
+          <a:off x="0" y="0"/>
+          <a:ext cx="0" cy="0"/>
+          <a:chOff x="0" y="0"/>
+          <a:chExt cx="0" cy="0"/>
+        </a:xfrm>
+      </p:grpSpPr>
+      <p:sp>
+        <p:nvSpPr>
+          <p:cNvPr id="5" name="Footer Placeholder 2"/>
+          <p:cNvSpPr>
+            <a:spLocks noGrp="1"/>
+          </p:cNvSpPr>
+          <p:nvPr>
+            <p:ph type="ftr" sz="quarter" idx="11"/>
+          </p:nvPr>
+        </p:nvSpPr>
+        <p:spPr/>
+        <p:txBody>
+          <a:bodyPr/>
+          <a:lstStyle/>
+          <a:p>
+            <a:pPr lvl="0"/>
+            <a:r>
+              <a:rPr lang="x-none"/>
+              <a:t>L3 Informatique ---- Projet Motus</a:t>
+            </a:r>
+          </a:p>
+        </p:txBody>
+      </p:sp>
+      <p:sp>
+        <p:nvSpPr>
+          <p:cNvPr id="6" name="Slide Number Placeholder 3"/>
+          <p:cNvSpPr>
+            <a:spLocks noGrp="1"/>
+          </p:cNvSpPr>
+          <p:nvPr>
+            <p:ph type="sldNum" sz="quarter" idx="12"/>
+          </p:nvPr>
+        </p:nvSpPr>
+        <p:spPr/>
+        <p:txBody>
+          <a:bodyPr/>
+          <a:lstStyle/>
+          <a:p>
+            <a:pPr lvl="0"/>
+            <a:fld id="{8B028105-5D2A-46A1-8A05-EAC87363FDD8}" type="slidenum">
+              <a:t>7</a:t>
+            </a:fld>
+            <a:endParaRPr lang="x-none"/>
+          </a:p>
+        </p:txBody>
+      </p:sp>
+      <p:sp>
+        <p:nvSpPr>
+          <p:cNvPr id="2" name="Title 1"/>
+          <p:cNvSpPr txBox="1">
+            <a:spLocks noGrp="1"/>
+          </p:cNvSpPr>
+          <p:nvPr>
+            <p:ph type="title" idx="4294967295"/>
+          </p:nvPr>
+        </p:nvSpPr>
+        <p:spPr>
+          <a:xfrm>
+            <a:off x="5616376" y="442372"/>
+            <a:ext cx="5184576" cy="655776"/>
+          </a:xfrm>
+        </p:spPr>
+        <p:txBody>
+          <a:bodyPr wrap="square">
+            <a:spAutoFit/>
+          </a:bodyPr>
+          <a:lstStyle>
+            <a:defPPr lvl="0">
+              <a:buSzPct val="45000"/>
+              <a:buFont typeface="StarSymbol"/>
+              <a:buNone/>
+            </a:defPPr>
+            <a:lvl1pPr lvl="0">
+              <a:buSzPct val="45000"/>
+              <a:buFont typeface="StarSymbol"/>
+              <a:buChar char="●"/>
+            </a:lvl1pPr>
+            <a:lvl2pPr lvl="1">
+              <a:buSzPct val="45000"/>
+              <a:buFont typeface="StarSymbol"/>
+              <a:buChar char="●"/>
+            </a:lvl2pPr>
+            <a:lvl3pPr lvl="2">
+              <a:buSzPct val="45000"/>
+              <a:buFont typeface="StarSymbol"/>
+              <a:buChar char="●"/>
+            </a:lvl3pPr>
+            <a:lvl4pPr lvl="3">
+              <a:buSzPct val="45000"/>
+              <a:buFont typeface="StarSymbol"/>
+              <a:buChar char="●"/>
+            </a:lvl4pPr>
+            <a:lvl5pPr lvl="4">
+              <a:buSzPct val="45000"/>
+              <a:buFont typeface="StarSymbol"/>
+              <a:buChar char="●"/>
+            </a:lvl5pPr>
+            <a:lvl6pPr lvl="5">
+              <a:buSzPct val="45000"/>
+              <a:buFont typeface="StarSymbol"/>
+              <a:buChar char="●"/>
+            </a:lvl6pPr>
+            <a:lvl7pPr lvl="6">
+              <a:buSzPct val="45000"/>
+              <a:buFont typeface="StarSymbol"/>
+              <a:buChar char="●"/>
+            </a:lvl7pPr>
+            <a:lvl8pPr lvl="7">
+              <a:buSzPct val="45000"/>
+              <a:buFont typeface="StarSymbol"/>
+              <a:buChar char="●"/>
+            </a:lvl8pPr>
+            <a:lvl9pPr lvl="8">
+              <a:buSzPct val="45000"/>
+              <a:buFont typeface="StarSymbol"/>
+              <a:buChar char="●"/>
+            </a:lvl9pPr>
+          </a:lstStyle>
+          <a:p>
+            <a:pPr lvl="0">
+              <a:buNone/>
+            </a:pPr>
+            <a:r>
+              <a:rPr lang="x-none" sz="3600" b="1" dirty="0">
+                <a:ln w="6600">
+                  <a:solidFill>
+                    <a:schemeClr val="accent2"/>
+                  </a:solidFill>
+                  <a:prstDash val="solid"/>
+                </a:ln>
+                <a:effectLst>
+                  <a:outerShdw dist="38100" dir="2700000" algn="tl" rotWithShape="0">
+                    <a:schemeClr val="accent2"/>
+                  </a:outerShdw>
+                </a:effectLst>
+                <a:latin typeface="Arial" panose="020B0604020202020204" pitchFamily="34" charset="0"/>
+                <a:cs typeface="Arial" panose="020B0604020202020204" pitchFamily="34" charset="0"/>
+              </a:rPr>
+              <a:t>Les modules</a:t>
             </a:r>
           </a:p>
         </p:txBody>
@@ -18092,21 +20478,49 @@
             <a:pPr lvl="0"/>
             <a:r>
               <a:rPr lang="x-none"/>
-              <a:t>Gérer le temps</a:t>
+              <a:t>Interface graphique et sonore</a:t>
             </a:r>
           </a:p>
           <a:p>
             <a:pPr lvl="0"/>
             <a:r>
               <a:rPr lang="x-none"/>
-              <a:t>Fonction timerEvent</a:t>
+              <a:t>Traitement du mot</a:t>
             </a:r>
           </a:p>
           <a:p>
             <a:pPr lvl="0"/>
             <a:r>
               <a:rPr lang="x-none"/>
-              <a:t>Fonction resetTimer</a:t>
+              <a:t>Jeu</a:t>
+            </a:r>
+          </a:p>
+          <a:p>
+            <a:pPr lvl="0"/>
+            <a:r>
+              <a:rPr lang="x-none"/>
+              <a:t>Timer</a:t>
+            </a:r>
+          </a:p>
+          <a:p>
+            <a:pPr lvl="0"/>
+            <a:r>
+              <a:rPr lang="x-none"/>
+              <a:t>Paramètre</a:t>
+            </a:r>
+          </a:p>
+          <a:p>
+            <a:pPr lvl="0"/>
+            <a:r>
+              <a:rPr lang="x-none"/>
+              <a:t>TALN</a:t>
+            </a:r>
+          </a:p>
+          <a:p>
+            <a:pPr lvl="0"/>
+            <a:r>
+              <a:rPr lang="x-none"/>
+              <a:t>Communication Client/Serveur</a:t>
             </a:r>
           </a:p>
         </p:txBody>
@@ -18116,195 +20530,12 @@
   <p:clrMapOvr>
     <a:masterClrMapping/>
   </p:clrMapOvr>
-  <mc:AlternateContent xmlns:mc="http://schemas.openxmlformats.org/markup-compatibility/2006" xmlns:p14="http://schemas.microsoft.com/office/powerpoint/2010/main">
-    <mc:Choice Requires="p14">
-      <p:transition spd="slow" p14:dur="2000"/>
-    </mc:Choice>
-    <mc:Fallback xmlns="">
-      <p:transition spd="slow"/>
-    </mc:Fallback>
-  </mc:AlternateContent>
-  <p:timing>
-    <p:tnLst>
-      <p:par>
-        <p:cTn id="1" dur="indefinite" restart="never" nodeType="tmRoot"/>
-      </p:par>
-    </p:tnLst>
-  </p:timing>
 </p:sld>
 </file>
 
-<file path=ppt/slides/slide13.xml><?xml version="1.0" encoding="utf-8"?>
+<file path=ppt/slides/slide8.xml><?xml version="1.0" encoding="utf-8"?>
 <p:sld xmlns:a="http://schemas.openxmlformats.org/drawingml/2006/main" xmlns:r="http://schemas.openxmlformats.org/officeDocument/2006/relationships" xmlns:p="http://schemas.openxmlformats.org/presentationml/2006/main">
-  <p:cSld name="page13">
-    <p:spTree>
-      <p:nvGrpSpPr>
-        <p:cNvPr id="1" name=""/>
-        <p:cNvGrpSpPr/>
-        <p:nvPr/>
-      </p:nvGrpSpPr>
-      <p:grpSpPr>
-        <a:xfrm>
-          <a:off x="0" y="0"/>
-          <a:ext cx="0" cy="0"/>
-          <a:chOff x="0" y="0"/>
-          <a:chExt cx="0" cy="0"/>
-        </a:xfrm>
-      </p:grpSpPr>
-      <p:sp>
-        <p:nvSpPr>
-          <p:cNvPr id="4" name="Footer Placeholder 2"/>
-          <p:cNvSpPr>
-            <a:spLocks noGrp="1"/>
-          </p:cNvSpPr>
-          <p:nvPr>
-            <p:ph type="ftr" sz="quarter" idx="11"/>
-          </p:nvPr>
-        </p:nvSpPr>
-        <p:spPr/>
-        <p:txBody>
-          <a:bodyPr/>
-          <a:lstStyle/>
-          <a:p>
-            <a:pPr lvl="0"/>
-            <a:r>
-              <a:rPr lang="x-none" smtClean="0"/>
-              <a:t>L3 Informatique ---- Projet Motus</a:t>
-            </a:r>
-            <a:endParaRPr lang="x-none"/>
-          </a:p>
-        </p:txBody>
-      </p:sp>
-      <p:sp>
-        <p:nvSpPr>
-          <p:cNvPr id="5" name="Slide Number Placeholder 3"/>
-          <p:cNvSpPr>
-            <a:spLocks noGrp="1"/>
-          </p:cNvSpPr>
-          <p:nvPr>
-            <p:ph type="sldNum" sz="quarter" idx="12"/>
-          </p:nvPr>
-        </p:nvSpPr>
-        <p:spPr/>
-        <p:txBody>
-          <a:bodyPr/>
-          <a:lstStyle/>
-          <a:p>
-            <a:pPr lvl="0"/>
-            <a:fld id="{457969CC-DF56-4D5B-9BA9-020C2830C014}" type="slidenum">
-              <a:t>13</a:t>
-            </a:fld>
-            <a:endParaRPr lang="x-none"/>
-          </a:p>
-        </p:txBody>
-      </p:sp>
-      <p:sp>
-        <p:nvSpPr>
-          <p:cNvPr id="2" name="Subtitle 1"/>
-          <p:cNvSpPr txBox="1">
-            <a:spLocks noGrp="1"/>
-          </p:cNvSpPr>
-          <p:nvPr>
-            <p:ph type="subTitle" idx="4294967295"/>
-          </p:nvPr>
-        </p:nvSpPr>
-        <p:spPr>
-          <a:xfrm>
-            <a:off x="0" y="301625"/>
-            <a:ext cx="9072563" cy="5851525"/>
-          </a:xfrm>
-        </p:spPr>
-        <p:txBody>
-          <a:bodyPr anchor="ctr"/>
-          <a:lstStyle>
-            <a:defPPr lvl="0">
-              <a:buSzPct val="45000"/>
-              <a:buFont typeface="StarSymbol"/>
-              <a:buNone/>
-            </a:defPPr>
-            <a:lvl1pPr lvl="0">
-              <a:buSzPct val="45000"/>
-              <a:buFont typeface="StarSymbol"/>
-              <a:buChar char="●"/>
-            </a:lvl1pPr>
-            <a:lvl2pPr lvl="1">
-              <a:buSzPct val="45000"/>
-              <a:buFont typeface="StarSymbol"/>
-              <a:buChar char="●"/>
-            </a:lvl2pPr>
-            <a:lvl3pPr lvl="2">
-              <a:buSzPct val="45000"/>
-              <a:buFont typeface="StarSymbol"/>
-              <a:buChar char="●"/>
-            </a:lvl3pPr>
-            <a:lvl4pPr lvl="3">
-              <a:buSzPct val="45000"/>
-              <a:buFont typeface="StarSymbol"/>
-              <a:buChar char="●"/>
-            </a:lvl4pPr>
-            <a:lvl5pPr lvl="4">
-              <a:buSzPct val="45000"/>
-              <a:buFont typeface="StarSymbol"/>
-              <a:buChar char="●"/>
-            </a:lvl5pPr>
-            <a:lvl6pPr lvl="5">
-              <a:buSzPct val="45000"/>
-              <a:buFont typeface="StarSymbol"/>
-              <a:buChar char="●"/>
-            </a:lvl6pPr>
-            <a:lvl7pPr lvl="6">
-              <a:buSzPct val="45000"/>
-              <a:buFont typeface="StarSymbol"/>
-              <a:buChar char="●"/>
-            </a:lvl7pPr>
-            <a:lvl8pPr lvl="7">
-              <a:buSzPct val="45000"/>
-              <a:buFont typeface="StarSymbol"/>
-              <a:buChar char="●"/>
-            </a:lvl8pPr>
-            <a:lvl9pPr lvl="8">
-              <a:buSzPct val="45000"/>
-              <a:buFont typeface="StarSymbol"/>
-              <a:buChar char="●"/>
-            </a:lvl9pPr>
-          </a:lstStyle>
-          <a:p>
-            <a:pPr marL="0" indent="0" algn="ctr">
-              <a:buNone/>
-            </a:pPr>
-            <a:r>
-              <a:rPr lang="x-none"/>
-              <a:t>Conclusion</a:t>
-            </a:r>
-          </a:p>
-        </p:txBody>
-      </p:sp>
-    </p:spTree>
-  </p:cSld>
-  <p:clrMapOvr>
-    <a:masterClrMapping/>
-  </p:clrMapOvr>
-  <mc:AlternateContent xmlns:mc="http://schemas.openxmlformats.org/markup-compatibility/2006" xmlns:p14="http://schemas.microsoft.com/office/powerpoint/2010/main">
-    <mc:Choice Requires="p14">
-      <p:transition spd="slow" p14:dur="2000"/>
-    </mc:Choice>
-    <mc:Fallback xmlns="">
-      <p:transition spd="slow"/>
-    </mc:Fallback>
-  </mc:AlternateContent>
-  <p:timing>
-    <p:tnLst>
-      <p:par>
-        <p:cTn id="1" dur="indefinite" restart="never" nodeType="tmRoot"/>
-      </p:par>
-    </p:tnLst>
-  </p:timing>
-</p:sld>
-</file>
-
-<file path=ppt/slides/slide2.xml><?xml version="1.0" encoding="utf-8"?>
-<p:sld xmlns:a="http://schemas.openxmlformats.org/drawingml/2006/main" xmlns:r="http://schemas.openxmlformats.org/officeDocument/2006/relationships" xmlns:p="http://schemas.openxmlformats.org/presentationml/2006/main">
-  <p:cSld name="page2">
+  <p:cSld name="page8">
     <p:spTree>
       <p:nvGrpSpPr>
         <p:cNvPr id="1" name=""/>
@@ -18336,10 +20567,9 @@
           <a:p>
             <a:pPr lvl="0"/>
             <a:r>
-              <a:rPr lang="x-none" smtClean="0"/>
+              <a:rPr lang="x-none"/>
               <a:t>L3 Informatique ---- Projet Motus</a:t>
             </a:r>
-            <a:endParaRPr lang="x-none"/>
           </a:p>
         </p:txBody>
       </p:sp>
@@ -18359,8 +20589,8 @@
           <a:lstStyle/>
           <a:p>
             <a:pPr lvl="0"/>
-            <a:fld id="{67C6197F-CBCF-43E1-ABBF-D73CB3D8E996}" type="slidenum">
-              <a:t>2</a:t>
+            <a:fld id="{A30EB4BA-084B-49F9-8EB5-A4EE3C1EBD40}" type="slidenum">
+              <a:t>8</a:t>
             </a:fld>
             <a:endParaRPr lang="x-none"/>
           </a:p>
@@ -18378,8 +20608,8 @@
         </p:nvSpPr>
         <p:spPr>
           <a:xfrm>
-            <a:off x="6624488" y="251445"/>
-            <a:ext cx="3096095" cy="855831"/>
+            <a:off x="3096096" y="376200"/>
+            <a:ext cx="6768503" cy="655776"/>
           </a:xfrm>
         </p:spPr>
         <p:txBody>
@@ -18443,2000 +20673,22 @@
               <a:buNone/>
             </a:pPr>
             <a:r>
-              <a:rPr lang="x-none" dirty="0">
-                <a:solidFill>
-                  <a:srgbClr val="000000"/>
-                </a:solidFill>
-                <a:latin typeface="Arial" pitchFamily="34"/>
+              <a:rPr lang="x-none" sz="3600" b="1" dirty="0">
+                <a:ln w="6600">
+                  <a:solidFill>
+                    <a:schemeClr val="accent2"/>
+                  </a:solidFill>
+                  <a:prstDash val="solid"/>
+                </a:ln>
+                <a:effectLst>
+                  <a:outerShdw dist="38100" dir="2700000" algn="tl" rotWithShape="0">
+                    <a:schemeClr val="accent2"/>
+                  </a:outerShdw>
+                </a:effectLst>
+                <a:latin typeface="Arial" panose="020B0604020202020204" pitchFamily="34" charset="0"/>
+                <a:cs typeface="Arial" panose="020B0604020202020204" pitchFamily="34" charset="0"/>
               </a:rPr>
-              <a:t>Sommaire</a:t>
-            </a:r>
-          </a:p>
-        </p:txBody>
-      </p:sp>
-      <p:sp>
-        <p:nvSpPr>
-          <p:cNvPr id="3" name="Text Placeholder 2"/>
-          <p:cNvSpPr txBox="1">
-            <a:spLocks noGrp="1"/>
-          </p:cNvSpPr>
-          <p:nvPr>
-            <p:ph type="body" idx="4294967295"/>
-          </p:nvPr>
-        </p:nvSpPr>
-        <p:spPr>
-          <a:xfrm>
-            <a:off x="0" y="1768475"/>
-            <a:ext cx="9072563" cy="4384675"/>
-          </a:xfrm>
-        </p:spPr>
-        <p:txBody>
-          <a:bodyPr/>
-          <a:lstStyle>
-            <a:defPPr marL="432000" marR="0" lvl="0" indent="-324000">
-              <a:spcBef>
-                <a:spcPts val="0"/>
-              </a:spcBef>
-              <a:spcAft>
-                <a:spcPts val="1417"/>
-              </a:spcAft>
-              <a:buSzPct val="45000"/>
-              <a:buFont typeface="StarSymbol"/>
-              <a:buNone/>
-              <a:defRPr lang="x-none" sz="3200" b="0" i="0" u="none" strike="noStrike" kern="1200">
-                <a:ln>
-                  <a:noFill/>
-                </a:ln>
-                <a:latin typeface="Arial" pitchFamily="18"/>
-                <a:ea typeface="Andale Sans UI" pitchFamily="2"/>
-                <a:cs typeface="Tahoma" pitchFamily="2"/>
-              </a:defRPr>
-            </a:defPPr>
-            <a:lvl1pPr marL="432000" marR="0" lvl="0" indent="-324000">
-              <a:spcBef>
-                <a:spcPts val="0"/>
-              </a:spcBef>
-              <a:spcAft>
-                <a:spcPts val="1417"/>
-              </a:spcAft>
-              <a:buSzPct val="45000"/>
-              <a:buFont typeface="StarSymbol"/>
-              <a:buChar char="●"/>
-              <a:defRPr lang="x-none" sz="3200" b="0" i="0" u="none" strike="noStrike" kern="1200">
-                <a:ln>
-                  <a:noFill/>
-                </a:ln>
-                <a:latin typeface="Arial" pitchFamily="18"/>
-                <a:ea typeface="Andale Sans UI" pitchFamily="2"/>
-                <a:cs typeface="Tahoma" pitchFamily="2"/>
-              </a:defRPr>
-            </a:lvl1pPr>
-            <a:lvl2pPr marL="864000" marR="0" lvl="1" indent="-324000">
-              <a:spcBef>
-                <a:spcPts val="0"/>
-              </a:spcBef>
-              <a:spcAft>
-                <a:spcPts val="1134"/>
-              </a:spcAft>
-              <a:buSzPct val="45000"/>
-              <a:buFont typeface="StarSymbol"/>
-              <a:buChar char="●"/>
-              <a:defRPr lang="x-none" sz="2800" b="0" i="0" u="none" strike="noStrike" kern="1200">
-                <a:ln>
-                  <a:noFill/>
-                </a:ln>
-                <a:latin typeface="Arial" pitchFamily="18"/>
-                <a:ea typeface="Andale Sans UI" pitchFamily="2"/>
-                <a:cs typeface="Tahoma" pitchFamily="2"/>
-              </a:defRPr>
-            </a:lvl2pPr>
-            <a:lvl3pPr marL="1295999" marR="0" lvl="2" indent="-288000">
-              <a:spcBef>
-                <a:spcPts val="0"/>
-              </a:spcBef>
-              <a:spcAft>
-                <a:spcPts val="850"/>
-              </a:spcAft>
-              <a:buSzPct val="75000"/>
-              <a:buFont typeface="StarSymbol"/>
-              <a:buChar char="–"/>
-              <a:defRPr lang="x-none" sz="2400" b="0" i="0" u="none" strike="noStrike" kern="1200">
-                <a:ln>
-                  <a:noFill/>
-                </a:ln>
-                <a:latin typeface="Arial" pitchFamily="18"/>
-                <a:ea typeface="Andale Sans UI" pitchFamily="2"/>
-                <a:cs typeface="Tahoma" pitchFamily="2"/>
-              </a:defRPr>
-            </a:lvl3pPr>
-            <a:lvl4pPr marL="1728000" marR="0" lvl="3" indent="-216000">
-              <a:spcBef>
-                <a:spcPts val="0"/>
-              </a:spcBef>
-              <a:spcAft>
-                <a:spcPts val="567"/>
-              </a:spcAft>
-              <a:buSzPct val="45000"/>
-              <a:buFont typeface="StarSymbol"/>
-              <a:buChar char="●"/>
-              <a:defRPr lang="x-none" sz="2000" b="0" i="0" u="none" strike="noStrike" kern="1200">
-                <a:ln>
-                  <a:noFill/>
-                </a:ln>
-                <a:latin typeface="Arial" pitchFamily="18"/>
-                <a:ea typeface="Andale Sans UI" pitchFamily="2"/>
-                <a:cs typeface="Tahoma" pitchFamily="2"/>
-              </a:defRPr>
-            </a:lvl4pPr>
-            <a:lvl5pPr marL="2160000" marR="0" lvl="4" indent="-216000">
-              <a:spcBef>
-                <a:spcPts val="0"/>
-              </a:spcBef>
-              <a:spcAft>
-                <a:spcPts val="283"/>
-              </a:spcAft>
-              <a:buSzPct val="75000"/>
-              <a:buFont typeface="StarSymbol"/>
-              <a:buChar char="–"/>
-              <a:defRPr lang="x-none" sz="2000" b="0" i="0" u="none" strike="noStrike" kern="1200">
-                <a:ln>
-                  <a:noFill/>
-                </a:ln>
-                <a:latin typeface="Arial" pitchFamily="18"/>
-                <a:ea typeface="Andale Sans UI" pitchFamily="2"/>
-                <a:cs typeface="Tahoma" pitchFamily="2"/>
-              </a:defRPr>
-            </a:lvl5pPr>
-            <a:lvl6pPr marL="2592000" marR="0" lvl="5" indent="-216000">
-              <a:spcBef>
-                <a:spcPts val="0"/>
-              </a:spcBef>
-              <a:spcAft>
-                <a:spcPts val="283"/>
-              </a:spcAft>
-              <a:buSzPct val="45000"/>
-              <a:buFont typeface="StarSymbol"/>
-              <a:buChar char="●"/>
-              <a:defRPr lang="x-none" sz="2000" b="0" i="0" u="none" strike="noStrike" kern="1200">
-                <a:ln>
-                  <a:noFill/>
-                </a:ln>
-                <a:latin typeface="Arial" pitchFamily="18"/>
-                <a:ea typeface="Andale Sans UI" pitchFamily="2"/>
-                <a:cs typeface="Tahoma" pitchFamily="2"/>
-              </a:defRPr>
-            </a:lvl6pPr>
-            <a:lvl7pPr marL="3024000" marR="0" lvl="6" indent="-216000">
-              <a:spcBef>
-                <a:spcPts val="0"/>
-              </a:spcBef>
-              <a:spcAft>
-                <a:spcPts val="283"/>
-              </a:spcAft>
-              <a:buSzPct val="45000"/>
-              <a:buFont typeface="StarSymbol"/>
-              <a:buChar char="●"/>
-              <a:defRPr lang="x-none" sz="2000" b="0" i="0" u="none" strike="noStrike" kern="1200">
-                <a:ln>
-                  <a:noFill/>
-                </a:ln>
-                <a:latin typeface="Arial" pitchFamily="18"/>
-                <a:ea typeface="Andale Sans UI" pitchFamily="2"/>
-                <a:cs typeface="Tahoma" pitchFamily="2"/>
-              </a:defRPr>
-            </a:lvl7pPr>
-            <a:lvl8pPr marL="3456000" marR="0" lvl="7" indent="-216000">
-              <a:spcBef>
-                <a:spcPts val="0"/>
-              </a:spcBef>
-              <a:spcAft>
-                <a:spcPts val="283"/>
-              </a:spcAft>
-              <a:buSzPct val="45000"/>
-              <a:buFont typeface="StarSymbol"/>
-              <a:buChar char="●"/>
-              <a:defRPr lang="x-none" sz="2000" b="0" i="0" u="none" strike="noStrike" kern="1200">
-                <a:ln>
-                  <a:noFill/>
-                </a:ln>
-                <a:latin typeface="Arial" pitchFamily="18"/>
-                <a:ea typeface="Andale Sans UI" pitchFamily="2"/>
-                <a:cs typeface="Tahoma" pitchFamily="2"/>
-              </a:defRPr>
-            </a:lvl8pPr>
-            <a:lvl9pPr marL="3887999" marR="0" lvl="8" indent="-216000">
-              <a:spcBef>
-                <a:spcPts val="0"/>
-              </a:spcBef>
-              <a:spcAft>
-                <a:spcPts val="283"/>
-              </a:spcAft>
-              <a:buSzPct val="45000"/>
-              <a:buFont typeface="StarSymbol"/>
-              <a:buChar char="●"/>
-              <a:defRPr lang="x-none" sz="2000" b="0" i="0" u="none" strike="noStrike" kern="1200">
-                <a:ln>
-                  <a:noFill/>
-                </a:ln>
-                <a:latin typeface="Arial" pitchFamily="18"/>
-                <a:ea typeface="Andale Sans UI" pitchFamily="2"/>
-                <a:cs typeface="Tahoma" pitchFamily="2"/>
-              </a:defRPr>
-            </a:lvl9pPr>
-          </a:lstStyle>
-          <a:p>
-            <a:pPr lvl="0">
-              <a:buSzPct val="100000"/>
-              <a:buAutoNum type="romanUcPeriod"/>
-            </a:pPr>
-            <a:r>
-              <a:rPr lang="fr-FR">
-                <a:latin typeface="Arial" pitchFamily="34"/>
-              </a:rPr>
-              <a:t> Présentation du jeu Motus</a:t>
-            </a:r>
-          </a:p>
-          <a:p>
-            <a:pPr lvl="0">
-              <a:buSzPct val="100000"/>
-              <a:buAutoNum type="romanUcPeriod"/>
-            </a:pPr>
-            <a:r>
-              <a:rPr lang="fr-FR">
-                <a:latin typeface="Arial" pitchFamily="34"/>
-              </a:rPr>
-              <a:t> Description globale</a:t>
-            </a:r>
-          </a:p>
-          <a:p>
-            <a:pPr lvl="0">
-              <a:buSzPct val="100000"/>
-              <a:buAutoNum type="romanUcPeriod"/>
-            </a:pPr>
-            <a:r>
-              <a:rPr lang="fr-FR">
-                <a:latin typeface="Arial" pitchFamily="34"/>
-              </a:rPr>
-              <a:t> Les fonctionnalités</a:t>
-            </a:r>
-          </a:p>
-          <a:p>
-            <a:pPr lvl="0">
-              <a:buSzPct val="100000"/>
-              <a:buAutoNum type="romanUcPeriod"/>
-            </a:pPr>
-            <a:r>
-              <a:rPr lang="fr-FR">
-                <a:latin typeface="Arial" pitchFamily="34"/>
-              </a:rPr>
-              <a:t> Les modules</a:t>
-            </a:r>
-          </a:p>
-          <a:p>
-            <a:pPr lvl="0">
-              <a:buSzPct val="100000"/>
-              <a:buAutoNum type="romanUcPeriod"/>
-            </a:pPr>
-            <a:r>
-              <a:rPr lang="fr-FR">
-                <a:latin typeface="Arial" pitchFamily="34"/>
-              </a:rPr>
-              <a:t> Conclusion</a:t>
-            </a:r>
-          </a:p>
-        </p:txBody>
-      </p:sp>
-    </p:spTree>
-  </p:cSld>
-  <p:clrMapOvr>
-    <a:masterClrMapping/>
-  </p:clrMapOvr>
-  <mc:AlternateContent xmlns:mc="http://schemas.openxmlformats.org/markup-compatibility/2006" xmlns:p14="http://schemas.microsoft.com/office/powerpoint/2010/main">
-    <mc:Choice Requires="p14">
-      <p:transition spd="slow" p14:dur="2000"/>
-    </mc:Choice>
-    <mc:Fallback xmlns="">
-      <p:transition spd="slow"/>
-    </mc:Fallback>
-  </mc:AlternateContent>
-  <p:timing>
-    <p:tnLst>
-      <p:par>
-        <p:cTn id="1" dur="indefinite" restart="never" nodeType="tmRoot"/>
-      </p:par>
-    </p:tnLst>
-  </p:timing>
-</p:sld>
-</file>
-
-<file path=ppt/slides/slide3.xml><?xml version="1.0" encoding="utf-8"?>
-<p:sld xmlns:a="http://schemas.openxmlformats.org/drawingml/2006/main" xmlns:r="http://schemas.openxmlformats.org/officeDocument/2006/relationships" xmlns:p="http://schemas.openxmlformats.org/presentationml/2006/main">
-  <p:cSld name="page3">
-    <p:spTree>
-      <p:nvGrpSpPr>
-        <p:cNvPr id="1" name=""/>
-        <p:cNvGrpSpPr/>
-        <p:nvPr/>
-      </p:nvGrpSpPr>
-      <p:grpSpPr>
-        <a:xfrm>
-          <a:off x="0" y="0"/>
-          <a:ext cx="0" cy="0"/>
-          <a:chOff x="0" y="0"/>
-          <a:chExt cx="0" cy="0"/>
-        </a:xfrm>
-      </p:grpSpPr>
-      <p:sp>
-        <p:nvSpPr>
-          <p:cNvPr id="6" name="Footer Placeholder 2"/>
-          <p:cNvSpPr>
-            <a:spLocks noGrp="1"/>
-          </p:cNvSpPr>
-          <p:nvPr>
-            <p:ph type="ftr" sz="quarter" idx="11"/>
-          </p:nvPr>
-        </p:nvSpPr>
-        <p:spPr/>
-        <p:txBody>
-          <a:bodyPr/>
-          <a:lstStyle/>
-          <a:p>
-            <a:pPr lvl="0"/>
-            <a:r>
-              <a:rPr lang="x-none" smtClean="0"/>
-              <a:t>L3 Informatique ---- Projet Motus</a:t>
-            </a:r>
-            <a:endParaRPr lang="x-none"/>
-          </a:p>
-        </p:txBody>
-      </p:sp>
-      <p:sp>
-        <p:nvSpPr>
-          <p:cNvPr id="7" name="Slide Number Placeholder 3"/>
-          <p:cNvSpPr>
-            <a:spLocks noGrp="1"/>
-          </p:cNvSpPr>
-          <p:nvPr>
-            <p:ph type="sldNum" sz="quarter" idx="12"/>
-          </p:nvPr>
-        </p:nvSpPr>
-        <p:spPr/>
-        <p:txBody>
-          <a:bodyPr/>
-          <a:lstStyle/>
-          <a:p>
-            <a:pPr lvl="0"/>
-            <a:fld id="{081A910D-1295-467C-B6AD-87BAD4657547}" type="slidenum">
-              <a:t>3</a:t>
-            </a:fld>
-            <a:endParaRPr lang="x-none"/>
-          </a:p>
-        </p:txBody>
-      </p:sp>
-      <p:sp>
-        <p:nvSpPr>
-          <p:cNvPr id="2" name="Title 1"/>
-          <p:cNvSpPr txBox="1">
-            <a:spLocks noGrp="1"/>
-          </p:cNvSpPr>
-          <p:nvPr>
-            <p:ph type="title" idx="4294967295"/>
-          </p:nvPr>
-        </p:nvSpPr>
-        <p:spPr>
-          <a:xfrm>
-            <a:off x="5952456" y="302161"/>
-            <a:ext cx="3816424" cy="855831"/>
-          </a:xfrm>
-        </p:spPr>
-        <p:txBody>
-          <a:bodyPr wrap="square">
-            <a:spAutoFit/>
-          </a:bodyPr>
-          <a:lstStyle>
-            <a:defPPr lvl="0">
-              <a:buSzPct val="45000"/>
-              <a:buFont typeface="StarSymbol"/>
-              <a:buNone/>
-            </a:defPPr>
-            <a:lvl1pPr lvl="0">
-              <a:buSzPct val="45000"/>
-              <a:buFont typeface="StarSymbol"/>
-              <a:buChar char="●"/>
-            </a:lvl1pPr>
-            <a:lvl2pPr lvl="1">
-              <a:buSzPct val="45000"/>
-              <a:buFont typeface="StarSymbol"/>
-              <a:buChar char="●"/>
-            </a:lvl2pPr>
-            <a:lvl3pPr lvl="2">
-              <a:buSzPct val="45000"/>
-              <a:buFont typeface="StarSymbol"/>
-              <a:buChar char="●"/>
-            </a:lvl3pPr>
-            <a:lvl4pPr lvl="3">
-              <a:buSzPct val="45000"/>
-              <a:buFont typeface="StarSymbol"/>
-              <a:buChar char="●"/>
-            </a:lvl4pPr>
-            <a:lvl5pPr lvl="4">
-              <a:buSzPct val="45000"/>
-              <a:buFont typeface="StarSymbol"/>
-              <a:buChar char="●"/>
-            </a:lvl5pPr>
-            <a:lvl6pPr lvl="5">
-              <a:buSzPct val="45000"/>
-              <a:buFont typeface="StarSymbol"/>
-              <a:buChar char="●"/>
-            </a:lvl6pPr>
-            <a:lvl7pPr lvl="6">
-              <a:buSzPct val="45000"/>
-              <a:buFont typeface="StarSymbol"/>
-              <a:buChar char="●"/>
-            </a:lvl7pPr>
-            <a:lvl8pPr lvl="7">
-              <a:buSzPct val="45000"/>
-              <a:buFont typeface="StarSymbol"/>
-              <a:buChar char="●"/>
-            </a:lvl8pPr>
-            <a:lvl9pPr lvl="8">
-              <a:buSzPct val="45000"/>
-              <a:buFont typeface="StarSymbol"/>
-              <a:buChar char="●"/>
-            </a:lvl9pPr>
-          </a:lstStyle>
-          <a:p>
-            <a:pPr lvl="0">
-              <a:buNone/>
-            </a:pPr>
-            <a:r>
-              <a:rPr lang="x-none" dirty="0">
-                <a:latin typeface="Arial" pitchFamily="34"/>
-              </a:rPr>
-              <a:t>MOTUS</a:t>
-            </a:r>
-          </a:p>
-        </p:txBody>
-      </p:sp>
-      <p:sp>
-        <p:nvSpPr>
-          <p:cNvPr id="3" name="Text Placeholder 2"/>
-          <p:cNvSpPr txBox="1">
-            <a:spLocks noGrp="1"/>
-          </p:cNvSpPr>
-          <p:nvPr>
-            <p:ph type="body" idx="4294967295"/>
-          </p:nvPr>
-        </p:nvSpPr>
-        <p:spPr>
-          <a:xfrm>
-            <a:off x="0" y="2123653"/>
-            <a:ext cx="9072563" cy="4384675"/>
-          </a:xfrm>
-        </p:spPr>
-        <p:txBody>
-          <a:bodyPr/>
-          <a:lstStyle>
-            <a:defPPr marL="432000" marR="0" lvl="0" indent="-324000">
-              <a:spcBef>
-                <a:spcPts val="0"/>
-              </a:spcBef>
-              <a:spcAft>
-                <a:spcPts val="1417"/>
-              </a:spcAft>
-              <a:buSzPct val="45000"/>
-              <a:buFont typeface="StarSymbol"/>
-              <a:buNone/>
-              <a:defRPr lang="x-none" sz="3200" b="0" i="0" u="none" strike="noStrike" kern="1200">
-                <a:ln>
-                  <a:noFill/>
-                </a:ln>
-                <a:latin typeface="Arial" pitchFamily="18"/>
-                <a:ea typeface="Andale Sans UI" pitchFamily="2"/>
-                <a:cs typeface="Tahoma" pitchFamily="2"/>
-              </a:defRPr>
-            </a:defPPr>
-            <a:lvl1pPr marL="432000" marR="0" lvl="0" indent="-324000">
-              <a:spcBef>
-                <a:spcPts val="0"/>
-              </a:spcBef>
-              <a:spcAft>
-                <a:spcPts val="1417"/>
-              </a:spcAft>
-              <a:buSzPct val="45000"/>
-              <a:buFont typeface="StarSymbol"/>
-              <a:buChar char="●"/>
-              <a:defRPr lang="x-none" sz="3200" b="0" i="0" u="none" strike="noStrike" kern="1200">
-                <a:ln>
-                  <a:noFill/>
-                </a:ln>
-                <a:latin typeface="Arial" pitchFamily="18"/>
-                <a:ea typeface="Andale Sans UI" pitchFamily="2"/>
-                <a:cs typeface="Tahoma" pitchFamily="2"/>
-              </a:defRPr>
-            </a:lvl1pPr>
-            <a:lvl2pPr marL="864000" marR="0" lvl="1" indent="-324000">
-              <a:spcBef>
-                <a:spcPts val="0"/>
-              </a:spcBef>
-              <a:spcAft>
-                <a:spcPts val="1134"/>
-              </a:spcAft>
-              <a:buSzPct val="45000"/>
-              <a:buFont typeface="StarSymbol"/>
-              <a:buChar char="●"/>
-              <a:defRPr lang="x-none" sz="2800" b="0" i="0" u="none" strike="noStrike" kern="1200">
-                <a:ln>
-                  <a:noFill/>
-                </a:ln>
-                <a:latin typeface="Arial" pitchFamily="18"/>
-                <a:ea typeface="Andale Sans UI" pitchFamily="2"/>
-                <a:cs typeface="Tahoma" pitchFamily="2"/>
-              </a:defRPr>
-            </a:lvl2pPr>
-            <a:lvl3pPr marL="1295999" marR="0" lvl="2" indent="-288000">
-              <a:spcBef>
-                <a:spcPts val="0"/>
-              </a:spcBef>
-              <a:spcAft>
-                <a:spcPts val="850"/>
-              </a:spcAft>
-              <a:buSzPct val="75000"/>
-              <a:buFont typeface="StarSymbol"/>
-              <a:buChar char="–"/>
-              <a:defRPr lang="x-none" sz="2400" b="0" i="0" u="none" strike="noStrike" kern="1200">
-                <a:ln>
-                  <a:noFill/>
-                </a:ln>
-                <a:latin typeface="Arial" pitchFamily="18"/>
-                <a:ea typeface="Andale Sans UI" pitchFamily="2"/>
-                <a:cs typeface="Tahoma" pitchFamily="2"/>
-              </a:defRPr>
-            </a:lvl3pPr>
-            <a:lvl4pPr marL="1728000" marR="0" lvl="3" indent="-216000">
-              <a:spcBef>
-                <a:spcPts val="0"/>
-              </a:spcBef>
-              <a:spcAft>
-                <a:spcPts val="567"/>
-              </a:spcAft>
-              <a:buSzPct val="45000"/>
-              <a:buFont typeface="StarSymbol"/>
-              <a:buChar char="●"/>
-              <a:defRPr lang="x-none" sz="2000" b="0" i="0" u="none" strike="noStrike" kern="1200">
-                <a:ln>
-                  <a:noFill/>
-                </a:ln>
-                <a:latin typeface="Arial" pitchFamily="18"/>
-                <a:ea typeface="Andale Sans UI" pitchFamily="2"/>
-                <a:cs typeface="Tahoma" pitchFamily="2"/>
-              </a:defRPr>
-            </a:lvl4pPr>
-            <a:lvl5pPr marL="2160000" marR="0" lvl="4" indent="-216000">
-              <a:spcBef>
-                <a:spcPts val="0"/>
-              </a:spcBef>
-              <a:spcAft>
-                <a:spcPts val="283"/>
-              </a:spcAft>
-              <a:buSzPct val="75000"/>
-              <a:buFont typeface="StarSymbol"/>
-              <a:buChar char="–"/>
-              <a:defRPr lang="x-none" sz="2000" b="0" i="0" u="none" strike="noStrike" kern="1200">
-                <a:ln>
-                  <a:noFill/>
-                </a:ln>
-                <a:latin typeface="Arial" pitchFamily="18"/>
-                <a:ea typeface="Andale Sans UI" pitchFamily="2"/>
-                <a:cs typeface="Tahoma" pitchFamily="2"/>
-              </a:defRPr>
-            </a:lvl5pPr>
-            <a:lvl6pPr marL="2592000" marR="0" lvl="5" indent="-216000">
-              <a:spcBef>
-                <a:spcPts val="0"/>
-              </a:spcBef>
-              <a:spcAft>
-                <a:spcPts val="283"/>
-              </a:spcAft>
-              <a:buSzPct val="45000"/>
-              <a:buFont typeface="StarSymbol"/>
-              <a:buChar char="●"/>
-              <a:defRPr lang="x-none" sz="2000" b="0" i="0" u="none" strike="noStrike" kern="1200">
-                <a:ln>
-                  <a:noFill/>
-                </a:ln>
-                <a:latin typeface="Arial" pitchFamily="18"/>
-                <a:ea typeface="Andale Sans UI" pitchFamily="2"/>
-                <a:cs typeface="Tahoma" pitchFamily="2"/>
-              </a:defRPr>
-            </a:lvl6pPr>
-            <a:lvl7pPr marL="3024000" marR="0" lvl="6" indent="-216000">
-              <a:spcBef>
-                <a:spcPts val="0"/>
-              </a:spcBef>
-              <a:spcAft>
-                <a:spcPts val="283"/>
-              </a:spcAft>
-              <a:buSzPct val="45000"/>
-              <a:buFont typeface="StarSymbol"/>
-              <a:buChar char="●"/>
-              <a:defRPr lang="x-none" sz="2000" b="0" i="0" u="none" strike="noStrike" kern="1200">
-                <a:ln>
-                  <a:noFill/>
-                </a:ln>
-                <a:latin typeface="Arial" pitchFamily="18"/>
-                <a:ea typeface="Andale Sans UI" pitchFamily="2"/>
-                <a:cs typeface="Tahoma" pitchFamily="2"/>
-              </a:defRPr>
-            </a:lvl7pPr>
-            <a:lvl8pPr marL="3456000" marR="0" lvl="7" indent="-216000">
-              <a:spcBef>
-                <a:spcPts val="0"/>
-              </a:spcBef>
-              <a:spcAft>
-                <a:spcPts val="283"/>
-              </a:spcAft>
-              <a:buSzPct val="45000"/>
-              <a:buFont typeface="StarSymbol"/>
-              <a:buChar char="●"/>
-              <a:defRPr lang="x-none" sz="2000" b="0" i="0" u="none" strike="noStrike" kern="1200">
-                <a:ln>
-                  <a:noFill/>
-                </a:ln>
-                <a:latin typeface="Arial" pitchFamily="18"/>
-                <a:ea typeface="Andale Sans UI" pitchFamily="2"/>
-                <a:cs typeface="Tahoma" pitchFamily="2"/>
-              </a:defRPr>
-            </a:lvl8pPr>
-            <a:lvl9pPr marL="3887999" marR="0" lvl="8" indent="-216000">
-              <a:spcBef>
-                <a:spcPts val="0"/>
-              </a:spcBef>
-              <a:spcAft>
-                <a:spcPts val="283"/>
-              </a:spcAft>
-              <a:buSzPct val="45000"/>
-              <a:buFont typeface="StarSymbol"/>
-              <a:buChar char="●"/>
-              <a:defRPr lang="x-none" sz="2000" b="0" i="0" u="none" strike="noStrike" kern="1200">
-                <a:ln>
-                  <a:noFill/>
-                </a:ln>
-                <a:latin typeface="Arial" pitchFamily="18"/>
-                <a:ea typeface="Andale Sans UI" pitchFamily="2"/>
-                <a:cs typeface="Tahoma" pitchFamily="2"/>
-              </a:defRPr>
-            </a:lvl9pPr>
-          </a:lstStyle>
-          <a:p>
-            <a:pPr lvl="0"/>
-            <a:r>
-              <a:rPr lang="fr-FR" dirty="0">
-                <a:latin typeface="Arial" pitchFamily="34"/>
-              </a:rPr>
-              <a:t>Trouver un mot mystère</a:t>
-            </a:r>
-          </a:p>
-          <a:p>
-            <a:pPr lvl="0"/>
-            <a:r>
-              <a:rPr lang="fr-FR" dirty="0">
-                <a:latin typeface="Arial" pitchFamily="34"/>
-              </a:rPr>
-              <a:t>Mot de taille fixe</a:t>
-            </a:r>
-          </a:p>
-          <a:p>
-            <a:pPr lvl="0"/>
-            <a:r>
-              <a:rPr lang="fr-FR" dirty="0">
-                <a:latin typeface="Arial" pitchFamily="34"/>
-              </a:rPr>
-              <a:t>Nombre de tentatives limité</a:t>
-            </a:r>
-          </a:p>
-          <a:p>
-            <a:pPr lvl="0"/>
-            <a:r>
-              <a:rPr lang="fr-FR" dirty="0">
-                <a:latin typeface="Arial" pitchFamily="34"/>
-              </a:rPr>
-              <a:t>Temps limité par tentative</a:t>
-            </a:r>
-          </a:p>
-          <a:p>
-            <a:pPr lvl="0"/>
-            <a:endParaRPr lang="fr-FR" dirty="0">
-              <a:latin typeface="Tahoma" pitchFamily="34"/>
-            </a:endParaRPr>
-          </a:p>
-        </p:txBody>
-      </p:sp>
-      <p:pic>
-        <p:nvPicPr>
-          <p:cNvPr id="4" name="Picture 3"/>
-          <p:cNvPicPr>
-            <a:picLocks noChangeAspect="1"/>
-          </p:cNvPicPr>
-          <p:nvPr/>
-        </p:nvPicPr>
-        <p:blipFill>
-          <a:blip r:embed="rId3">
-            <a:lum/>
-            <a:alphaModFix/>
-          </a:blip>
-          <a:srcRect/>
-          <a:stretch>
-            <a:fillRect/>
-          </a:stretch>
-        </p:blipFill>
-        <p:spPr>
-          <a:xfrm>
-            <a:off x="7020003" y="2123653"/>
-            <a:ext cx="2314441" cy="2685960"/>
-          </a:xfrm>
-          <a:prstGeom prst="rect">
-            <a:avLst/>
-          </a:prstGeom>
-          <a:noFill/>
-          <a:ln>
-            <a:noFill/>
-          </a:ln>
-        </p:spPr>
-      </p:pic>
-    </p:spTree>
-  </p:cSld>
-  <p:clrMapOvr>
-    <a:masterClrMapping/>
-  </p:clrMapOvr>
-  <mc:AlternateContent xmlns:mc="http://schemas.openxmlformats.org/markup-compatibility/2006" xmlns:p14="http://schemas.microsoft.com/office/powerpoint/2010/main">
-    <mc:Choice Requires="p14">
-      <p:transition spd="slow" p14:dur="2000"/>
-    </mc:Choice>
-    <mc:Fallback xmlns="">
-      <p:transition spd="slow"/>
-    </mc:Fallback>
-  </mc:AlternateContent>
-  <p:timing>
-    <p:tnLst>
-      <p:par>
-        <p:cTn id="1" dur="indefinite" restart="never" nodeType="tmRoot"/>
-      </p:par>
-    </p:tnLst>
-  </p:timing>
-</p:sld>
-</file>
-
-<file path=ppt/slides/slide4.xml><?xml version="1.0" encoding="utf-8"?>
-<p:sld xmlns:a="http://schemas.openxmlformats.org/drawingml/2006/main" xmlns:r="http://schemas.openxmlformats.org/officeDocument/2006/relationships" xmlns:p="http://schemas.openxmlformats.org/presentationml/2006/main">
-  <p:cSld name="page4">
-    <p:spTree>
-      <p:nvGrpSpPr>
-        <p:cNvPr id="1" name=""/>
-        <p:cNvGrpSpPr/>
-        <p:nvPr/>
-      </p:nvGrpSpPr>
-      <p:grpSpPr>
-        <a:xfrm>
-          <a:off x="0" y="0"/>
-          <a:ext cx="0" cy="0"/>
-          <a:chOff x="0" y="0"/>
-          <a:chExt cx="0" cy="0"/>
-        </a:xfrm>
-      </p:grpSpPr>
-      <p:sp>
-        <p:nvSpPr>
-          <p:cNvPr id="5" name="Footer Placeholder 2"/>
-          <p:cNvSpPr>
-            <a:spLocks noGrp="1"/>
-          </p:cNvSpPr>
-          <p:nvPr>
-            <p:ph type="ftr" sz="quarter" idx="11"/>
-          </p:nvPr>
-        </p:nvSpPr>
-        <p:spPr/>
-        <p:txBody>
-          <a:bodyPr/>
-          <a:lstStyle/>
-          <a:p>
-            <a:pPr lvl="0"/>
-            <a:r>
-              <a:rPr lang="x-none" smtClean="0"/>
-              <a:t>L3 Informatique ---- Projet Motus</a:t>
-            </a:r>
-            <a:endParaRPr lang="x-none"/>
-          </a:p>
-        </p:txBody>
-      </p:sp>
-      <p:sp>
-        <p:nvSpPr>
-          <p:cNvPr id="6" name="Slide Number Placeholder 3"/>
-          <p:cNvSpPr>
-            <a:spLocks noGrp="1"/>
-          </p:cNvSpPr>
-          <p:nvPr>
-            <p:ph type="sldNum" sz="quarter" idx="12"/>
-          </p:nvPr>
-        </p:nvSpPr>
-        <p:spPr/>
-        <p:txBody>
-          <a:bodyPr/>
-          <a:lstStyle/>
-          <a:p>
-            <a:pPr lvl="0"/>
-            <a:fld id="{85613A41-7B6C-42B8-AF3A-DC4170726D25}" type="slidenum">
-              <a:t>4</a:t>
-            </a:fld>
-            <a:endParaRPr lang="x-none"/>
-          </a:p>
-        </p:txBody>
-      </p:sp>
-      <p:sp>
-        <p:nvSpPr>
-          <p:cNvPr id="2" name="Title 1"/>
-          <p:cNvSpPr txBox="1">
-            <a:spLocks noGrp="1"/>
-          </p:cNvSpPr>
-          <p:nvPr>
-            <p:ph type="title" idx="4294967295"/>
-          </p:nvPr>
-        </p:nvSpPr>
-        <p:spPr>
-          <a:xfrm>
-            <a:off x="3960192" y="251445"/>
-            <a:ext cx="6336456" cy="855831"/>
-          </a:xfrm>
-        </p:spPr>
-        <p:txBody>
-          <a:bodyPr wrap="square">
-            <a:spAutoFit/>
-          </a:bodyPr>
-          <a:lstStyle>
-            <a:defPPr lvl="0">
-              <a:buSzPct val="45000"/>
-              <a:buFont typeface="StarSymbol"/>
-              <a:buNone/>
-            </a:defPPr>
-            <a:lvl1pPr lvl="0">
-              <a:buSzPct val="45000"/>
-              <a:buFont typeface="StarSymbol"/>
-              <a:buChar char="●"/>
-            </a:lvl1pPr>
-            <a:lvl2pPr lvl="1">
-              <a:buSzPct val="45000"/>
-              <a:buFont typeface="StarSymbol"/>
-              <a:buChar char="●"/>
-            </a:lvl2pPr>
-            <a:lvl3pPr lvl="2">
-              <a:buSzPct val="45000"/>
-              <a:buFont typeface="StarSymbol"/>
-              <a:buChar char="●"/>
-            </a:lvl3pPr>
-            <a:lvl4pPr lvl="3">
-              <a:buSzPct val="45000"/>
-              <a:buFont typeface="StarSymbol"/>
-              <a:buChar char="●"/>
-            </a:lvl4pPr>
-            <a:lvl5pPr lvl="4">
-              <a:buSzPct val="45000"/>
-              <a:buFont typeface="StarSymbol"/>
-              <a:buChar char="●"/>
-            </a:lvl5pPr>
-            <a:lvl6pPr lvl="5">
-              <a:buSzPct val="45000"/>
-              <a:buFont typeface="StarSymbol"/>
-              <a:buChar char="●"/>
-            </a:lvl6pPr>
-            <a:lvl7pPr lvl="6">
-              <a:buSzPct val="45000"/>
-              <a:buFont typeface="StarSymbol"/>
-              <a:buChar char="●"/>
-            </a:lvl7pPr>
-            <a:lvl8pPr lvl="7">
-              <a:buSzPct val="45000"/>
-              <a:buFont typeface="StarSymbol"/>
-              <a:buChar char="●"/>
-            </a:lvl8pPr>
-            <a:lvl9pPr lvl="8">
-              <a:buSzPct val="45000"/>
-              <a:buFont typeface="StarSymbol"/>
-              <a:buChar char="●"/>
-            </a:lvl9pPr>
-          </a:lstStyle>
-          <a:p>
-            <a:pPr lvl="0">
-              <a:buNone/>
-            </a:pPr>
-            <a:r>
-              <a:rPr lang="x-none" dirty="0">
-                <a:latin typeface="Arial" pitchFamily="34"/>
-              </a:rPr>
-              <a:t>Description globale</a:t>
-            </a:r>
-          </a:p>
-        </p:txBody>
-      </p:sp>
-      <p:sp>
-        <p:nvSpPr>
-          <p:cNvPr id="3" name="Text Placeholder 2"/>
-          <p:cNvSpPr txBox="1">
-            <a:spLocks noGrp="1"/>
-          </p:cNvSpPr>
-          <p:nvPr>
-            <p:ph type="body" idx="4294967295"/>
-          </p:nvPr>
-        </p:nvSpPr>
-        <p:spPr>
-          <a:xfrm>
-            <a:off x="0" y="1768475"/>
-            <a:ext cx="9072563" cy="4384675"/>
-          </a:xfrm>
-        </p:spPr>
-        <p:txBody>
-          <a:bodyPr/>
-          <a:lstStyle>
-            <a:defPPr marL="432000" marR="0" lvl="0" indent="-324000">
-              <a:spcBef>
-                <a:spcPts val="0"/>
-              </a:spcBef>
-              <a:spcAft>
-                <a:spcPts val="1417"/>
-              </a:spcAft>
-              <a:buSzPct val="45000"/>
-              <a:buFont typeface="StarSymbol"/>
-              <a:buNone/>
-              <a:defRPr lang="x-none" sz="3200" b="0" i="0" u="none" strike="noStrike" kern="1200">
-                <a:ln>
-                  <a:noFill/>
-                </a:ln>
-                <a:latin typeface="Arial" pitchFamily="18"/>
-                <a:ea typeface="Andale Sans UI" pitchFamily="2"/>
-                <a:cs typeface="Tahoma" pitchFamily="2"/>
-              </a:defRPr>
-            </a:defPPr>
-            <a:lvl1pPr marL="432000" marR="0" lvl="0" indent="-324000">
-              <a:spcBef>
-                <a:spcPts val="0"/>
-              </a:spcBef>
-              <a:spcAft>
-                <a:spcPts val="1417"/>
-              </a:spcAft>
-              <a:buSzPct val="45000"/>
-              <a:buFont typeface="StarSymbol"/>
-              <a:buChar char="●"/>
-              <a:defRPr lang="x-none" sz="3200" b="0" i="0" u="none" strike="noStrike" kern="1200">
-                <a:ln>
-                  <a:noFill/>
-                </a:ln>
-                <a:latin typeface="Arial" pitchFamily="18"/>
-                <a:ea typeface="Andale Sans UI" pitchFamily="2"/>
-                <a:cs typeface="Tahoma" pitchFamily="2"/>
-              </a:defRPr>
-            </a:lvl1pPr>
-            <a:lvl2pPr marL="864000" marR="0" lvl="1" indent="-324000">
-              <a:spcBef>
-                <a:spcPts val="0"/>
-              </a:spcBef>
-              <a:spcAft>
-                <a:spcPts val="1134"/>
-              </a:spcAft>
-              <a:buSzPct val="45000"/>
-              <a:buFont typeface="StarSymbol"/>
-              <a:buChar char="●"/>
-              <a:defRPr lang="x-none" sz="2800" b="0" i="0" u="none" strike="noStrike" kern="1200">
-                <a:ln>
-                  <a:noFill/>
-                </a:ln>
-                <a:latin typeface="Arial" pitchFamily="18"/>
-                <a:ea typeface="Andale Sans UI" pitchFamily="2"/>
-                <a:cs typeface="Tahoma" pitchFamily="2"/>
-              </a:defRPr>
-            </a:lvl2pPr>
-            <a:lvl3pPr marL="1295999" marR="0" lvl="2" indent="-288000">
-              <a:spcBef>
-                <a:spcPts val="0"/>
-              </a:spcBef>
-              <a:spcAft>
-                <a:spcPts val="850"/>
-              </a:spcAft>
-              <a:buSzPct val="75000"/>
-              <a:buFont typeface="StarSymbol"/>
-              <a:buChar char="–"/>
-              <a:defRPr lang="x-none" sz="2400" b="0" i="0" u="none" strike="noStrike" kern="1200">
-                <a:ln>
-                  <a:noFill/>
-                </a:ln>
-                <a:latin typeface="Arial" pitchFamily="18"/>
-                <a:ea typeface="Andale Sans UI" pitchFamily="2"/>
-                <a:cs typeface="Tahoma" pitchFamily="2"/>
-              </a:defRPr>
-            </a:lvl3pPr>
-            <a:lvl4pPr marL="1728000" marR="0" lvl="3" indent="-216000">
-              <a:spcBef>
-                <a:spcPts val="0"/>
-              </a:spcBef>
-              <a:spcAft>
-                <a:spcPts val="567"/>
-              </a:spcAft>
-              <a:buSzPct val="45000"/>
-              <a:buFont typeface="StarSymbol"/>
-              <a:buChar char="●"/>
-              <a:defRPr lang="x-none" sz="2000" b="0" i="0" u="none" strike="noStrike" kern="1200">
-                <a:ln>
-                  <a:noFill/>
-                </a:ln>
-                <a:latin typeface="Arial" pitchFamily="18"/>
-                <a:ea typeface="Andale Sans UI" pitchFamily="2"/>
-                <a:cs typeface="Tahoma" pitchFamily="2"/>
-              </a:defRPr>
-            </a:lvl4pPr>
-            <a:lvl5pPr marL="2160000" marR="0" lvl="4" indent="-216000">
-              <a:spcBef>
-                <a:spcPts val="0"/>
-              </a:spcBef>
-              <a:spcAft>
-                <a:spcPts val="283"/>
-              </a:spcAft>
-              <a:buSzPct val="75000"/>
-              <a:buFont typeface="StarSymbol"/>
-              <a:buChar char="–"/>
-              <a:defRPr lang="x-none" sz="2000" b="0" i="0" u="none" strike="noStrike" kern="1200">
-                <a:ln>
-                  <a:noFill/>
-                </a:ln>
-                <a:latin typeface="Arial" pitchFamily="18"/>
-                <a:ea typeface="Andale Sans UI" pitchFamily="2"/>
-                <a:cs typeface="Tahoma" pitchFamily="2"/>
-              </a:defRPr>
-            </a:lvl5pPr>
-            <a:lvl6pPr marL="2592000" marR="0" lvl="5" indent="-216000">
-              <a:spcBef>
-                <a:spcPts val="0"/>
-              </a:spcBef>
-              <a:spcAft>
-                <a:spcPts val="283"/>
-              </a:spcAft>
-              <a:buSzPct val="45000"/>
-              <a:buFont typeface="StarSymbol"/>
-              <a:buChar char="●"/>
-              <a:defRPr lang="x-none" sz="2000" b="0" i="0" u="none" strike="noStrike" kern="1200">
-                <a:ln>
-                  <a:noFill/>
-                </a:ln>
-                <a:latin typeface="Arial" pitchFamily="18"/>
-                <a:ea typeface="Andale Sans UI" pitchFamily="2"/>
-                <a:cs typeface="Tahoma" pitchFamily="2"/>
-              </a:defRPr>
-            </a:lvl6pPr>
-            <a:lvl7pPr marL="3024000" marR="0" lvl="6" indent="-216000">
-              <a:spcBef>
-                <a:spcPts val="0"/>
-              </a:spcBef>
-              <a:spcAft>
-                <a:spcPts val="283"/>
-              </a:spcAft>
-              <a:buSzPct val="45000"/>
-              <a:buFont typeface="StarSymbol"/>
-              <a:buChar char="●"/>
-              <a:defRPr lang="x-none" sz="2000" b="0" i="0" u="none" strike="noStrike" kern="1200">
-                <a:ln>
-                  <a:noFill/>
-                </a:ln>
-                <a:latin typeface="Arial" pitchFamily="18"/>
-                <a:ea typeface="Andale Sans UI" pitchFamily="2"/>
-                <a:cs typeface="Tahoma" pitchFamily="2"/>
-              </a:defRPr>
-            </a:lvl7pPr>
-            <a:lvl8pPr marL="3456000" marR="0" lvl="7" indent="-216000">
-              <a:spcBef>
-                <a:spcPts val="0"/>
-              </a:spcBef>
-              <a:spcAft>
-                <a:spcPts val="283"/>
-              </a:spcAft>
-              <a:buSzPct val="45000"/>
-              <a:buFont typeface="StarSymbol"/>
-              <a:buChar char="●"/>
-              <a:defRPr lang="x-none" sz="2000" b="0" i="0" u="none" strike="noStrike" kern="1200">
-                <a:ln>
-                  <a:noFill/>
-                </a:ln>
-                <a:latin typeface="Arial" pitchFamily="18"/>
-                <a:ea typeface="Andale Sans UI" pitchFamily="2"/>
-                <a:cs typeface="Tahoma" pitchFamily="2"/>
-              </a:defRPr>
-            </a:lvl8pPr>
-            <a:lvl9pPr marL="3887999" marR="0" lvl="8" indent="-216000">
-              <a:spcBef>
-                <a:spcPts val="0"/>
-              </a:spcBef>
-              <a:spcAft>
-                <a:spcPts val="283"/>
-              </a:spcAft>
-              <a:buSzPct val="45000"/>
-              <a:buFont typeface="StarSymbol"/>
-              <a:buChar char="●"/>
-              <a:defRPr lang="x-none" sz="2000" b="0" i="0" u="none" strike="noStrike" kern="1200">
-                <a:ln>
-                  <a:noFill/>
-                </a:ln>
-                <a:latin typeface="Arial" pitchFamily="18"/>
-                <a:ea typeface="Andale Sans UI" pitchFamily="2"/>
-                <a:cs typeface="Tahoma" pitchFamily="2"/>
-              </a:defRPr>
-            </a:lvl9pPr>
-          </a:lstStyle>
-          <a:p>
-            <a:pPr lvl="0"/>
-            <a:r>
-              <a:rPr lang="fr-FR">
-                <a:latin typeface="Arial" pitchFamily="34"/>
-              </a:rPr>
-              <a:t>Jeu accessible via un site web</a:t>
-            </a:r>
-          </a:p>
-          <a:p>
-            <a:pPr lvl="0"/>
-            <a:r>
-              <a:rPr lang="fr-FR">
-                <a:latin typeface="Arial" pitchFamily="34"/>
-              </a:rPr>
-              <a:t>Clavier et écran nécessaire pour jouer</a:t>
-            </a:r>
-          </a:p>
-          <a:p>
-            <a:pPr lvl="0"/>
-            <a:endParaRPr lang="fr-FR">
-              <a:latin typeface="Arial" pitchFamily="34"/>
-            </a:endParaRPr>
-          </a:p>
-          <a:p>
-            <a:pPr lvl="0"/>
-            <a:r>
-              <a:rPr lang="fr-FR">
-                <a:latin typeface="Arial" pitchFamily="34"/>
-              </a:rPr>
-              <a:t>Profil des utilisateurs</a:t>
-            </a:r>
-          </a:p>
-          <a:p>
-            <a:pPr lvl="0"/>
-            <a:r>
-              <a:rPr lang="fr-FR">
-                <a:latin typeface="Arial" pitchFamily="34"/>
-              </a:rPr>
-              <a:t>=&gt; utilisable par toute personne lettrée</a:t>
-            </a:r>
-          </a:p>
-        </p:txBody>
-      </p:sp>
-    </p:spTree>
-  </p:cSld>
-  <p:clrMapOvr>
-    <a:masterClrMapping/>
-  </p:clrMapOvr>
-  <mc:AlternateContent xmlns:mc="http://schemas.openxmlformats.org/markup-compatibility/2006" xmlns:p14="http://schemas.microsoft.com/office/powerpoint/2010/main">
-    <mc:Choice Requires="p14">
-      <p:transition spd="slow" p14:dur="2000"/>
-    </mc:Choice>
-    <mc:Fallback xmlns="">
-      <p:transition spd="slow"/>
-    </mc:Fallback>
-  </mc:AlternateContent>
-  <p:timing>
-    <p:tnLst>
-      <p:par>
-        <p:cTn id="1" dur="indefinite" restart="never" nodeType="tmRoot"/>
-      </p:par>
-    </p:tnLst>
-  </p:timing>
-</p:sld>
-</file>
-
-<file path=ppt/slides/slide5.xml><?xml version="1.0" encoding="utf-8"?>
-<p:sld xmlns:a="http://schemas.openxmlformats.org/drawingml/2006/main" xmlns:r="http://schemas.openxmlformats.org/officeDocument/2006/relationships" xmlns:p="http://schemas.openxmlformats.org/presentationml/2006/main">
-  <p:cSld name="page5">
-    <p:spTree>
-      <p:nvGrpSpPr>
-        <p:cNvPr id="1" name=""/>
-        <p:cNvGrpSpPr/>
-        <p:nvPr/>
-      </p:nvGrpSpPr>
-      <p:grpSpPr>
-        <a:xfrm>
-          <a:off x="0" y="0"/>
-          <a:ext cx="0" cy="0"/>
-          <a:chOff x="0" y="0"/>
-          <a:chExt cx="0" cy="0"/>
-        </a:xfrm>
-      </p:grpSpPr>
-      <p:sp>
-        <p:nvSpPr>
-          <p:cNvPr id="6" name="Footer Placeholder 2"/>
-          <p:cNvSpPr>
-            <a:spLocks noGrp="1"/>
-          </p:cNvSpPr>
-          <p:nvPr>
-            <p:ph type="ftr" sz="quarter" idx="11"/>
-          </p:nvPr>
-        </p:nvSpPr>
-        <p:spPr/>
-        <p:txBody>
-          <a:bodyPr/>
-          <a:lstStyle/>
-          <a:p>
-            <a:pPr lvl="0"/>
-            <a:r>
-              <a:rPr lang="x-none" smtClean="0"/>
-              <a:t>L3 Informatique ---- Projet Motus</a:t>
-            </a:r>
-            <a:endParaRPr lang="x-none"/>
-          </a:p>
-        </p:txBody>
-      </p:sp>
-      <p:sp>
-        <p:nvSpPr>
-          <p:cNvPr id="7" name="Slide Number Placeholder 3"/>
-          <p:cNvSpPr>
-            <a:spLocks noGrp="1"/>
-          </p:cNvSpPr>
-          <p:nvPr>
-            <p:ph type="sldNum" sz="quarter" idx="12"/>
-          </p:nvPr>
-        </p:nvSpPr>
-        <p:spPr/>
-        <p:txBody>
-          <a:bodyPr/>
-          <a:lstStyle/>
-          <a:p>
-            <a:pPr lvl="0"/>
-            <a:fld id="{E8AB436A-D21B-4945-8154-9E28EA5B2729}" type="slidenum">
-              <a:t>5</a:t>
-            </a:fld>
-            <a:endParaRPr lang="x-none"/>
-          </a:p>
-        </p:txBody>
-      </p:sp>
-      <p:sp>
-        <p:nvSpPr>
-          <p:cNvPr id="2" name="Title 1"/>
-          <p:cNvSpPr txBox="1">
-            <a:spLocks noGrp="1"/>
-          </p:cNvSpPr>
-          <p:nvPr>
-            <p:ph type="title" idx="4294967295"/>
-          </p:nvPr>
-        </p:nvSpPr>
-        <p:spPr>
-          <a:xfrm>
-            <a:off x="4320232" y="323453"/>
-            <a:ext cx="5472608" cy="855831"/>
-          </a:xfrm>
-        </p:spPr>
-        <p:txBody>
-          <a:bodyPr wrap="square">
-            <a:spAutoFit/>
-          </a:bodyPr>
-          <a:lstStyle>
-            <a:defPPr lvl="0">
-              <a:buSzPct val="45000"/>
-              <a:buFont typeface="StarSymbol"/>
-              <a:buNone/>
-            </a:defPPr>
-            <a:lvl1pPr lvl="0">
-              <a:buSzPct val="45000"/>
-              <a:buFont typeface="StarSymbol"/>
-              <a:buChar char="●"/>
-            </a:lvl1pPr>
-            <a:lvl2pPr lvl="1">
-              <a:buSzPct val="45000"/>
-              <a:buFont typeface="StarSymbol"/>
-              <a:buChar char="●"/>
-            </a:lvl2pPr>
-            <a:lvl3pPr lvl="2">
-              <a:buSzPct val="45000"/>
-              <a:buFont typeface="StarSymbol"/>
-              <a:buChar char="●"/>
-            </a:lvl3pPr>
-            <a:lvl4pPr lvl="3">
-              <a:buSzPct val="45000"/>
-              <a:buFont typeface="StarSymbol"/>
-              <a:buChar char="●"/>
-            </a:lvl4pPr>
-            <a:lvl5pPr lvl="4">
-              <a:buSzPct val="45000"/>
-              <a:buFont typeface="StarSymbol"/>
-              <a:buChar char="●"/>
-            </a:lvl5pPr>
-            <a:lvl6pPr lvl="5">
-              <a:buSzPct val="45000"/>
-              <a:buFont typeface="StarSymbol"/>
-              <a:buChar char="●"/>
-            </a:lvl6pPr>
-            <a:lvl7pPr lvl="6">
-              <a:buSzPct val="45000"/>
-              <a:buFont typeface="StarSymbol"/>
-              <a:buChar char="●"/>
-            </a:lvl7pPr>
-            <a:lvl8pPr lvl="7">
-              <a:buSzPct val="45000"/>
-              <a:buFont typeface="StarSymbol"/>
-              <a:buChar char="●"/>
-            </a:lvl8pPr>
-            <a:lvl9pPr lvl="8">
-              <a:buSzPct val="45000"/>
-              <a:buFont typeface="StarSymbol"/>
-              <a:buChar char="●"/>
-            </a:lvl9pPr>
-          </a:lstStyle>
-          <a:p>
-            <a:pPr lvl="0">
-              <a:buNone/>
-            </a:pPr>
-            <a:r>
-              <a:rPr lang="x-none" dirty="0">
-                <a:latin typeface="Arial" pitchFamily="34"/>
-              </a:rPr>
-              <a:t>Les fonctionnalités</a:t>
-            </a:r>
-          </a:p>
-        </p:txBody>
-      </p:sp>
-      <p:sp>
-        <p:nvSpPr>
-          <p:cNvPr id="3" name="Text Placeholder 2"/>
-          <p:cNvSpPr txBox="1">
-            <a:spLocks noGrp="1"/>
-          </p:cNvSpPr>
-          <p:nvPr>
-            <p:ph type="body" idx="4294967295"/>
-          </p:nvPr>
-        </p:nvSpPr>
-        <p:spPr>
-          <a:xfrm>
-            <a:off x="0" y="1768475"/>
-            <a:ext cx="9072563" cy="4384675"/>
-          </a:xfrm>
-        </p:spPr>
-        <p:txBody>
-          <a:bodyPr/>
-          <a:lstStyle>
-            <a:defPPr marL="432000" marR="0" lvl="0" indent="-324000">
-              <a:spcBef>
-                <a:spcPts val="0"/>
-              </a:spcBef>
-              <a:spcAft>
-                <a:spcPts val="1417"/>
-              </a:spcAft>
-              <a:buSzPct val="45000"/>
-              <a:buFont typeface="StarSymbol"/>
-              <a:buNone/>
-              <a:defRPr lang="x-none" sz="3200" b="0" i="0" u="none" strike="noStrike" kern="1200">
-                <a:ln>
-                  <a:noFill/>
-                </a:ln>
-                <a:latin typeface="Arial" pitchFamily="18"/>
-                <a:ea typeface="Andale Sans UI" pitchFamily="2"/>
-                <a:cs typeface="Tahoma" pitchFamily="2"/>
-              </a:defRPr>
-            </a:defPPr>
-            <a:lvl1pPr marL="432000" marR="0" lvl="0" indent="-324000">
-              <a:spcBef>
-                <a:spcPts val="0"/>
-              </a:spcBef>
-              <a:spcAft>
-                <a:spcPts val="1417"/>
-              </a:spcAft>
-              <a:buSzPct val="45000"/>
-              <a:buFont typeface="StarSymbol"/>
-              <a:buChar char="●"/>
-              <a:defRPr lang="x-none" sz="3200" b="0" i="0" u="none" strike="noStrike" kern="1200">
-                <a:ln>
-                  <a:noFill/>
-                </a:ln>
-                <a:latin typeface="Arial" pitchFamily="18"/>
-                <a:ea typeface="Andale Sans UI" pitchFamily="2"/>
-                <a:cs typeface="Tahoma" pitchFamily="2"/>
-              </a:defRPr>
-            </a:lvl1pPr>
-            <a:lvl2pPr marL="864000" marR="0" lvl="1" indent="-324000">
-              <a:spcBef>
-                <a:spcPts val="0"/>
-              </a:spcBef>
-              <a:spcAft>
-                <a:spcPts val="1134"/>
-              </a:spcAft>
-              <a:buSzPct val="45000"/>
-              <a:buFont typeface="StarSymbol"/>
-              <a:buChar char="●"/>
-              <a:defRPr lang="x-none" sz="2800" b="0" i="0" u="none" strike="noStrike" kern="1200">
-                <a:ln>
-                  <a:noFill/>
-                </a:ln>
-                <a:latin typeface="Arial" pitchFamily="18"/>
-                <a:ea typeface="Andale Sans UI" pitchFamily="2"/>
-                <a:cs typeface="Tahoma" pitchFamily="2"/>
-              </a:defRPr>
-            </a:lvl2pPr>
-            <a:lvl3pPr marL="1295999" marR="0" lvl="2" indent="-288000">
-              <a:spcBef>
-                <a:spcPts val="0"/>
-              </a:spcBef>
-              <a:spcAft>
-                <a:spcPts val="850"/>
-              </a:spcAft>
-              <a:buSzPct val="75000"/>
-              <a:buFont typeface="StarSymbol"/>
-              <a:buChar char="–"/>
-              <a:defRPr lang="x-none" sz="2400" b="0" i="0" u="none" strike="noStrike" kern="1200">
-                <a:ln>
-                  <a:noFill/>
-                </a:ln>
-                <a:latin typeface="Arial" pitchFamily="18"/>
-                <a:ea typeface="Andale Sans UI" pitchFamily="2"/>
-                <a:cs typeface="Tahoma" pitchFamily="2"/>
-              </a:defRPr>
-            </a:lvl3pPr>
-            <a:lvl4pPr marL="1728000" marR="0" lvl="3" indent="-216000">
-              <a:spcBef>
-                <a:spcPts val="0"/>
-              </a:spcBef>
-              <a:spcAft>
-                <a:spcPts val="567"/>
-              </a:spcAft>
-              <a:buSzPct val="45000"/>
-              <a:buFont typeface="StarSymbol"/>
-              <a:buChar char="●"/>
-              <a:defRPr lang="x-none" sz="2000" b="0" i="0" u="none" strike="noStrike" kern="1200">
-                <a:ln>
-                  <a:noFill/>
-                </a:ln>
-                <a:latin typeface="Arial" pitchFamily="18"/>
-                <a:ea typeface="Andale Sans UI" pitchFamily="2"/>
-                <a:cs typeface="Tahoma" pitchFamily="2"/>
-              </a:defRPr>
-            </a:lvl4pPr>
-            <a:lvl5pPr marL="2160000" marR="0" lvl="4" indent="-216000">
-              <a:spcBef>
-                <a:spcPts val="0"/>
-              </a:spcBef>
-              <a:spcAft>
-                <a:spcPts val="283"/>
-              </a:spcAft>
-              <a:buSzPct val="75000"/>
-              <a:buFont typeface="StarSymbol"/>
-              <a:buChar char="–"/>
-              <a:defRPr lang="x-none" sz="2000" b="0" i="0" u="none" strike="noStrike" kern="1200">
-                <a:ln>
-                  <a:noFill/>
-                </a:ln>
-                <a:latin typeface="Arial" pitchFamily="18"/>
-                <a:ea typeface="Andale Sans UI" pitchFamily="2"/>
-                <a:cs typeface="Tahoma" pitchFamily="2"/>
-              </a:defRPr>
-            </a:lvl5pPr>
-            <a:lvl6pPr marL="2592000" marR="0" lvl="5" indent="-216000">
-              <a:spcBef>
-                <a:spcPts val="0"/>
-              </a:spcBef>
-              <a:spcAft>
-                <a:spcPts val="283"/>
-              </a:spcAft>
-              <a:buSzPct val="45000"/>
-              <a:buFont typeface="StarSymbol"/>
-              <a:buChar char="●"/>
-              <a:defRPr lang="x-none" sz="2000" b="0" i="0" u="none" strike="noStrike" kern="1200">
-                <a:ln>
-                  <a:noFill/>
-                </a:ln>
-                <a:latin typeface="Arial" pitchFamily="18"/>
-                <a:ea typeface="Andale Sans UI" pitchFamily="2"/>
-                <a:cs typeface="Tahoma" pitchFamily="2"/>
-              </a:defRPr>
-            </a:lvl6pPr>
-            <a:lvl7pPr marL="3024000" marR="0" lvl="6" indent="-216000">
-              <a:spcBef>
-                <a:spcPts val="0"/>
-              </a:spcBef>
-              <a:spcAft>
-                <a:spcPts val="283"/>
-              </a:spcAft>
-              <a:buSzPct val="45000"/>
-              <a:buFont typeface="StarSymbol"/>
-              <a:buChar char="●"/>
-              <a:defRPr lang="x-none" sz="2000" b="0" i="0" u="none" strike="noStrike" kern="1200">
-                <a:ln>
-                  <a:noFill/>
-                </a:ln>
-                <a:latin typeface="Arial" pitchFamily="18"/>
-                <a:ea typeface="Andale Sans UI" pitchFamily="2"/>
-                <a:cs typeface="Tahoma" pitchFamily="2"/>
-              </a:defRPr>
-            </a:lvl7pPr>
-            <a:lvl8pPr marL="3456000" marR="0" lvl="7" indent="-216000">
-              <a:spcBef>
-                <a:spcPts val="0"/>
-              </a:spcBef>
-              <a:spcAft>
-                <a:spcPts val="283"/>
-              </a:spcAft>
-              <a:buSzPct val="45000"/>
-              <a:buFont typeface="StarSymbol"/>
-              <a:buChar char="●"/>
-              <a:defRPr lang="x-none" sz="2000" b="0" i="0" u="none" strike="noStrike" kern="1200">
-                <a:ln>
-                  <a:noFill/>
-                </a:ln>
-                <a:latin typeface="Arial" pitchFamily="18"/>
-                <a:ea typeface="Andale Sans UI" pitchFamily="2"/>
-                <a:cs typeface="Tahoma" pitchFamily="2"/>
-              </a:defRPr>
-            </a:lvl8pPr>
-            <a:lvl9pPr marL="3887999" marR="0" lvl="8" indent="-216000">
-              <a:spcBef>
-                <a:spcPts val="0"/>
-              </a:spcBef>
-              <a:spcAft>
-                <a:spcPts val="283"/>
-              </a:spcAft>
-              <a:buSzPct val="45000"/>
-              <a:buFont typeface="StarSymbol"/>
-              <a:buChar char="●"/>
-              <a:defRPr lang="x-none" sz="2000" b="0" i="0" u="none" strike="noStrike" kern="1200">
-                <a:ln>
-                  <a:noFill/>
-                </a:ln>
-                <a:latin typeface="Arial" pitchFamily="18"/>
-                <a:ea typeface="Andale Sans UI" pitchFamily="2"/>
-                <a:cs typeface="Tahoma" pitchFamily="2"/>
-              </a:defRPr>
-            </a:lvl9pPr>
-          </a:lstStyle>
-          <a:p>
-            <a:pPr lvl="0"/>
-            <a:r>
-              <a:rPr lang="x-none" dirty="0"/>
-              <a:t>Choix des paramètres</a:t>
-            </a:r>
-          </a:p>
-          <a:p>
-            <a:pPr lvl="0"/>
-            <a:endParaRPr lang="x-none" dirty="0"/>
-          </a:p>
-        </p:txBody>
-      </p:sp>
-      <p:pic>
-        <p:nvPicPr>
-          <p:cNvPr id="1026" name="Picture 2" descr="C:\Users\Arkane\AppData\Roaming\Skype\live#3aa4arkane\media_messaging\media_cache_v3\^2F7E45C40017E18C9BC7F5B96B448E7E7529CD72BB6901AFCC^pimgpsh_fullsize_distr.png"/>
-          <p:cNvPicPr>
-            <a:picLocks noChangeAspect="1" noChangeArrowheads="1"/>
-          </p:cNvPicPr>
-          <p:nvPr/>
-        </p:nvPicPr>
-        <p:blipFill>
-          <a:blip r:embed="rId3">
-            <a:extLst>
-              <a:ext uri="{28A0092B-C50C-407E-A947-70E740481C1C}">
-                <a14:useLocalDpi xmlns:a14="http://schemas.microsoft.com/office/drawing/2010/main" val="0"/>
-              </a:ext>
-            </a:extLst>
-          </a:blip>
-          <a:srcRect/>
-          <a:stretch>
-            <a:fillRect/>
-          </a:stretch>
-        </p:blipFill>
-        <p:spPr bwMode="auto">
-          <a:xfrm>
-            <a:off x="689291" y="2915741"/>
-            <a:ext cx="8707066" cy="2743583"/>
-          </a:xfrm>
-          <a:prstGeom prst="rect">
-            <a:avLst/>
-          </a:prstGeom>
-          <a:noFill/>
-          <a:extLst>
-            <a:ext uri="{909E8E84-426E-40DD-AFC4-6F175D3DCCD1}">
-              <a14:hiddenFill xmlns:a14="http://schemas.microsoft.com/office/drawing/2010/main">
-                <a:solidFill>
-                  <a:srgbClr val="FFFFFF"/>
-                </a:solidFill>
-              </a14:hiddenFill>
-            </a:ext>
-          </a:extLst>
-        </p:spPr>
-      </p:pic>
-    </p:spTree>
-  </p:cSld>
-  <p:clrMapOvr>
-    <a:masterClrMapping/>
-  </p:clrMapOvr>
-  <mc:AlternateContent xmlns:mc="http://schemas.openxmlformats.org/markup-compatibility/2006" xmlns:p14="http://schemas.microsoft.com/office/powerpoint/2010/main">
-    <mc:Choice Requires="p14">
-      <p:transition spd="slow" p14:dur="2000"/>
-    </mc:Choice>
-    <mc:Fallback xmlns="">
-      <p:transition spd="slow"/>
-    </mc:Fallback>
-  </mc:AlternateContent>
-  <p:timing>
-    <p:tnLst>
-      <p:par>
-        <p:cTn id="1" dur="indefinite" restart="never" nodeType="tmRoot"/>
-      </p:par>
-    </p:tnLst>
-  </p:timing>
-</p:sld>
-</file>
-
-<file path=ppt/slides/slide6.xml><?xml version="1.0" encoding="utf-8"?>
-<p:sld xmlns:a="http://schemas.openxmlformats.org/drawingml/2006/main" xmlns:r="http://schemas.openxmlformats.org/officeDocument/2006/relationships" xmlns:p="http://schemas.openxmlformats.org/presentationml/2006/main">
-  <p:cSld name="page6">
-    <p:spTree>
-      <p:nvGrpSpPr>
-        <p:cNvPr id="1" name=""/>
-        <p:cNvGrpSpPr/>
-        <p:nvPr/>
-      </p:nvGrpSpPr>
-      <p:grpSpPr>
-        <a:xfrm>
-          <a:off x="0" y="0"/>
-          <a:ext cx="0" cy="0"/>
-          <a:chOff x="0" y="0"/>
-          <a:chExt cx="0" cy="0"/>
-        </a:xfrm>
-      </p:grpSpPr>
-      <p:sp>
-        <p:nvSpPr>
-          <p:cNvPr id="7" name="Footer Placeholder 2"/>
-          <p:cNvSpPr>
-            <a:spLocks noGrp="1"/>
-          </p:cNvSpPr>
-          <p:nvPr>
-            <p:ph type="ftr" sz="quarter" idx="11"/>
-          </p:nvPr>
-        </p:nvSpPr>
-        <p:spPr/>
-        <p:txBody>
-          <a:bodyPr/>
-          <a:lstStyle/>
-          <a:p>
-            <a:pPr lvl="0"/>
-            <a:r>
-              <a:rPr lang="x-none" smtClean="0"/>
-              <a:t>L3 Informatique ---- Projet Motus</a:t>
-            </a:r>
-            <a:endParaRPr lang="x-none"/>
-          </a:p>
-        </p:txBody>
-      </p:sp>
-      <p:sp>
-        <p:nvSpPr>
-          <p:cNvPr id="8" name="Slide Number Placeholder 3"/>
-          <p:cNvSpPr>
-            <a:spLocks noGrp="1"/>
-          </p:cNvSpPr>
-          <p:nvPr>
-            <p:ph type="sldNum" sz="quarter" idx="12"/>
-          </p:nvPr>
-        </p:nvSpPr>
-        <p:spPr/>
-        <p:txBody>
-          <a:bodyPr/>
-          <a:lstStyle/>
-          <a:p>
-            <a:pPr lvl="0"/>
-            <a:fld id="{D5D1E1A4-5BBC-4815-AF38-01366DED5F24}" type="slidenum">
-              <a:t>6</a:t>
-            </a:fld>
-            <a:endParaRPr lang="x-none"/>
-          </a:p>
-        </p:txBody>
-      </p:sp>
-      <p:pic>
-        <p:nvPicPr>
-          <p:cNvPr id="2" name="Picture Placeholder 1"/>
-          <p:cNvPicPr>
-            <a:picLocks noGrp="1" noChangeAspect="1"/>
-          </p:cNvPicPr>
-          <p:nvPr>
-            <p:ph type="pic" idx="4294967295"/>
-          </p:nvPr>
-        </p:nvPicPr>
-        <p:blipFill>
-          <a:blip r:embed="rId3">
-            <a:lum/>
-            <a:alphaModFix/>
-          </a:blip>
-          <a:srcRect/>
-          <a:stretch>
-            <a:fillRect/>
-          </a:stretch>
-        </p:blipFill>
-        <p:spPr>
-          <a:xfrm>
-            <a:off x="791840" y="1691605"/>
-            <a:ext cx="3778250" cy="4384675"/>
-          </a:xfrm>
-        </p:spPr>
-      </p:pic>
-      <p:sp>
-        <p:nvSpPr>
-          <p:cNvPr id="3" name="TextBox 2"/>
-          <p:cNvSpPr txBox="1"/>
-          <p:nvPr/>
-        </p:nvSpPr>
-        <p:spPr>
-          <a:xfrm>
-            <a:off x="1583928" y="1187549"/>
-            <a:ext cx="1772560" cy="356328"/>
-          </a:xfrm>
-          <a:prstGeom prst="rect">
-            <a:avLst/>
-          </a:prstGeom>
-          <a:noFill/>
-          <a:ln>
-            <a:noFill/>
-          </a:ln>
-        </p:spPr>
-        <p:txBody>
-          <a:bodyPr vert="horz" wrap="none" lIns="89944" tIns="44973" rIns="89944" bIns="44973" anchorCtr="0" compatLnSpc="0">
-            <a:spAutoFit/>
-          </a:bodyPr>
-          <a:lstStyle/>
-          <a:p>
-            <a:pPr hangingPunct="0"/>
-            <a:r>
-              <a:rPr lang="fr-FR" dirty="0">
-                <a:latin typeface="Arial" pitchFamily="18"/>
-                <a:ea typeface="Andale Sans UI" pitchFamily="2"/>
-                <a:cs typeface="Tahoma" pitchFamily="2"/>
-              </a:rPr>
-              <a:t>Mot de 6 lettres</a:t>
-            </a:r>
-          </a:p>
-        </p:txBody>
-      </p:sp>
-      <p:sp>
-        <p:nvSpPr>
-          <p:cNvPr id="4" name="TextBox 3"/>
-          <p:cNvSpPr txBox="1"/>
-          <p:nvPr/>
-        </p:nvSpPr>
-        <p:spPr>
-          <a:xfrm>
-            <a:off x="4824288" y="3995861"/>
-            <a:ext cx="1362191" cy="356328"/>
-          </a:xfrm>
-          <a:prstGeom prst="rect">
-            <a:avLst/>
-          </a:prstGeom>
-          <a:noFill/>
-          <a:ln>
-            <a:noFill/>
-          </a:ln>
-        </p:spPr>
-        <p:txBody>
-          <a:bodyPr vert="horz" wrap="none" lIns="89944" tIns="44973" rIns="89944" bIns="44973" anchorCtr="0" compatLnSpc="0">
-            <a:spAutoFit/>
-          </a:bodyPr>
-          <a:lstStyle/>
-          <a:p>
-            <a:pPr hangingPunct="0"/>
-            <a:r>
-              <a:rPr lang="fr-FR" dirty="0">
-                <a:latin typeface="Arial" pitchFamily="18"/>
-                <a:ea typeface="Andale Sans UI" pitchFamily="2"/>
-                <a:cs typeface="Tahoma" pitchFamily="2"/>
-              </a:rPr>
-              <a:t>7 tentatives</a:t>
-            </a:r>
-          </a:p>
-        </p:txBody>
-      </p:sp>
-      <p:sp>
-        <p:nvSpPr>
-          <p:cNvPr id="5" name="TextBox 4"/>
-          <p:cNvSpPr txBox="1"/>
-          <p:nvPr/>
-        </p:nvSpPr>
-        <p:spPr>
-          <a:xfrm>
-            <a:off x="5400352" y="6133321"/>
-            <a:ext cx="4270551" cy="356328"/>
-          </a:xfrm>
-          <a:prstGeom prst="rect">
-            <a:avLst/>
-          </a:prstGeom>
-          <a:noFill/>
-          <a:ln>
-            <a:noFill/>
-          </a:ln>
-        </p:spPr>
-        <p:txBody>
-          <a:bodyPr vert="horz" wrap="none" lIns="89944" tIns="44973" rIns="89944" bIns="44973" anchorCtr="0" compatLnSpc="0">
-            <a:spAutoFit/>
-          </a:bodyPr>
-          <a:lstStyle/>
-          <a:p>
-            <a:pPr hangingPunct="0"/>
-            <a:r>
-              <a:rPr lang="fr-FR" dirty="0">
-                <a:latin typeface="Arial" pitchFamily="18"/>
-                <a:ea typeface="Andale Sans UI" pitchFamily="2"/>
-                <a:cs typeface="Tahoma" pitchFamily="2"/>
-              </a:rPr>
-              <a:t>Durée : Temps en seconde par tentative</a:t>
-            </a:r>
-          </a:p>
-        </p:txBody>
-      </p:sp>
-    </p:spTree>
-  </p:cSld>
-  <p:clrMapOvr>
-    <a:masterClrMapping/>
-  </p:clrMapOvr>
-  <mc:AlternateContent xmlns:mc="http://schemas.openxmlformats.org/markup-compatibility/2006" xmlns:p14="http://schemas.microsoft.com/office/powerpoint/2010/main">
-    <mc:Choice Requires="p14">
-      <p:transition spd="slow" p14:dur="2000"/>
-    </mc:Choice>
-    <mc:Fallback xmlns="">
-      <p:transition spd="slow"/>
-    </mc:Fallback>
-  </mc:AlternateContent>
-  <p:timing>
-    <p:tnLst>
-      <p:par>
-        <p:cTn id="1" dur="indefinite" restart="never" nodeType="tmRoot"/>
-      </p:par>
-    </p:tnLst>
-  </p:timing>
-</p:sld>
-</file>
-
-<file path=ppt/slides/slide7.xml><?xml version="1.0" encoding="utf-8"?>
-<p:sld xmlns:a="http://schemas.openxmlformats.org/drawingml/2006/main" xmlns:r="http://schemas.openxmlformats.org/officeDocument/2006/relationships" xmlns:p="http://schemas.openxmlformats.org/presentationml/2006/main">
-  <p:cSld name="page7">
-    <p:spTree>
-      <p:nvGrpSpPr>
-        <p:cNvPr id="1" name=""/>
-        <p:cNvGrpSpPr/>
-        <p:nvPr/>
-      </p:nvGrpSpPr>
-      <p:grpSpPr>
-        <a:xfrm>
-          <a:off x="0" y="0"/>
-          <a:ext cx="0" cy="0"/>
-          <a:chOff x="0" y="0"/>
-          <a:chExt cx="0" cy="0"/>
-        </a:xfrm>
-      </p:grpSpPr>
-      <p:sp>
-        <p:nvSpPr>
-          <p:cNvPr id="5" name="Footer Placeholder 2"/>
-          <p:cNvSpPr>
-            <a:spLocks noGrp="1"/>
-          </p:cNvSpPr>
-          <p:nvPr>
-            <p:ph type="ftr" sz="quarter" idx="11"/>
-          </p:nvPr>
-        </p:nvSpPr>
-        <p:spPr/>
-        <p:txBody>
-          <a:bodyPr/>
-          <a:lstStyle/>
-          <a:p>
-            <a:pPr lvl="0"/>
-            <a:r>
-              <a:rPr lang="x-none" smtClean="0"/>
-              <a:t>L3 Informatique ---- Projet Motus</a:t>
-            </a:r>
-            <a:endParaRPr lang="x-none"/>
-          </a:p>
-        </p:txBody>
-      </p:sp>
-      <p:sp>
-        <p:nvSpPr>
-          <p:cNvPr id="6" name="Slide Number Placeholder 3"/>
-          <p:cNvSpPr>
-            <a:spLocks noGrp="1"/>
-          </p:cNvSpPr>
-          <p:nvPr>
-            <p:ph type="sldNum" sz="quarter" idx="12"/>
-          </p:nvPr>
-        </p:nvSpPr>
-        <p:spPr/>
-        <p:txBody>
-          <a:bodyPr/>
-          <a:lstStyle/>
-          <a:p>
-            <a:pPr lvl="0"/>
-            <a:fld id="{8B028105-5D2A-46A1-8A05-EAC87363FDD8}" type="slidenum">
-              <a:t>7</a:t>
-            </a:fld>
-            <a:endParaRPr lang="x-none"/>
-          </a:p>
-        </p:txBody>
-      </p:sp>
-      <p:sp>
-        <p:nvSpPr>
-          <p:cNvPr id="2" name="Title 1"/>
-          <p:cNvSpPr txBox="1">
-            <a:spLocks noGrp="1"/>
-          </p:cNvSpPr>
-          <p:nvPr>
-            <p:ph type="title" idx="4294967295"/>
-          </p:nvPr>
-        </p:nvSpPr>
-        <p:spPr>
-          <a:xfrm>
-            <a:off x="4608264" y="323453"/>
-            <a:ext cx="5184576" cy="855831"/>
-          </a:xfrm>
-        </p:spPr>
-        <p:txBody>
-          <a:bodyPr wrap="square">
-            <a:spAutoFit/>
-          </a:bodyPr>
-          <a:lstStyle>
-            <a:defPPr lvl="0">
-              <a:buSzPct val="45000"/>
-              <a:buFont typeface="StarSymbol"/>
-              <a:buNone/>
-            </a:defPPr>
-            <a:lvl1pPr lvl="0">
-              <a:buSzPct val="45000"/>
-              <a:buFont typeface="StarSymbol"/>
-              <a:buChar char="●"/>
-            </a:lvl1pPr>
-            <a:lvl2pPr lvl="1">
-              <a:buSzPct val="45000"/>
-              <a:buFont typeface="StarSymbol"/>
-              <a:buChar char="●"/>
-            </a:lvl2pPr>
-            <a:lvl3pPr lvl="2">
-              <a:buSzPct val="45000"/>
-              <a:buFont typeface="StarSymbol"/>
-              <a:buChar char="●"/>
-            </a:lvl3pPr>
-            <a:lvl4pPr lvl="3">
-              <a:buSzPct val="45000"/>
-              <a:buFont typeface="StarSymbol"/>
-              <a:buChar char="●"/>
-            </a:lvl4pPr>
-            <a:lvl5pPr lvl="4">
-              <a:buSzPct val="45000"/>
-              <a:buFont typeface="StarSymbol"/>
-              <a:buChar char="●"/>
-            </a:lvl5pPr>
-            <a:lvl6pPr lvl="5">
-              <a:buSzPct val="45000"/>
-              <a:buFont typeface="StarSymbol"/>
-              <a:buChar char="●"/>
-            </a:lvl6pPr>
-            <a:lvl7pPr lvl="6">
-              <a:buSzPct val="45000"/>
-              <a:buFont typeface="StarSymbol"/>
-              <a:buChar char="●"/>
-            </a:lvl7pPr>
-            <a:lvl8pPr lvl="7">
-              <a:buSzPct val="45000"/>
-              <a:buFont typeface="StarSymbol"/>
-              <a:buChar char="●"/>
-            </a:lvl8pPr>
-            <a:lvl9pPr lvl="8">
-              <a:buSzPct val="45000"/>
-              <a:buFont typeface="StarSymbol"/>
-              <a:buChar char="●"/>
-            </a:lvl9pPr>
-          </a:lstStyle>
-          <a:p>
-            <a:pPr lvl="0">
-              <a:buNone/>
-            </a:pPr>
-            <a:r>
-              <a:rPr lang="x-none" dirty="0"/>
-              <a:t>Les modules</a:t>
+              <a:t>Interface graphique et sonore</a:t>
             </a:r>
           </a:p>
         </p:txBody>
@@ -20656,50 +20908,36 @@
           <a:p>
             <a:pPr lvl="0"/>
             <a:r>
-              <a:rPr lang="x-none"/>
-              <a:t>Interface graphique et sonore</a:t>
+              <a:rPr lang="x-none" dirty="0"/>
+              <a:t>Indication du temps restant</a:t>
             </a:r>
           </a:p>
           <a:p>
             <a:pPr lvl="0"/>
             <a:r>
-              <a:rPr lang="x-none"/>
-              <a:t>Traitement du mot</a:t>
+              <a:rPr lang="x-none" dirty="0"/>
+              <a:t>Construire et afficher la grille de jeu</a:t>
             </a:r>
           </a:p>
           <a:p>
             <a:pPr lvl="0"/>
             <a:r>
-              <a:rPr lang="x-none"/>
-              <a:t>Jeu</a:t>
+              <a:rPr lang="x-none" dirty="0"/>
+              <a:t>Afficher victoire ou défaite</a:t>
             </a:r>
           </a:p>
           <a:p>
             <a:pPr lvl="0"/>
             <a:r>
-              <a:rPr lang="x-none"/>
-              <a:t>Timer</a:t>
+              <a:rPr lang="x-none" dirty="0"/>
+              <a:t>Input contenant la réponse du joueur</a:t>
             </a:r>
           </a:p>
           <a:p>
             <a:pPr lvl="0"/>
             <a:r>
-              <a:rPr lang="x-none"/>
-              <a:t>Paramètre</a:t>
-            </a:r>
-          </a:p>
-          <a:p>
-            <a:pPr lvl="0"/>
-            <a:r>
-              <a:rPr lang="x-none"/>
-              <a:t>TALN</a:t>
-            </a:r>
-          </a:p>
-          <a:p>
-            <a:pPr lvl="0"/>
-            <a:r>
-              <a:rPr lang="x-none"/>
-              <a:t>Communication Client/Serveur</a:t>
+              <a:rPr lang="x-none" dirty="0"/>
+              <a:t>Effets sonores  selon évènement</a:t>
             </a:r>
           </a:p>
         </p:txBody>
@@ -20709,27 +20947,12 @@
   <p:clrMapOvr>
     <a:masterClrMapping/>
   </p:clrMapOvr>
-  <mc:AlternateContent xmlns:mc="http://schemas.openxmlformats.org/markup-compatibility/2006" xmlns:p14="http://schemas.microsoft.com/office/powerpoint/2010/main">
-    <mc:Choice Requires="p14">
-      <p:transition spd="slow" p14:dur="2000"/>
-    </mc:Choice>
-    <mc:Fallback xmlns="">
-      <p:transition spd="slow"/>
-    </mc:Fallback>
-  </mc:AlternateContent>
-  <p:timing>
-    <p:tnLst>
-      <p:par>
-        <p:cTn id="1" dur="indefinite" restart="never" nodeType="tmRoot"/>
-      </p:par>
-    </p:tnLst>
-  </p:timing>
 </p:sld>
 </file>
 
-<file path=ppt/slides/slide8.xml><?xml version="1.0" encoding="utf-8"?>
+<file path=ppt/slides/slide9.xml><?xml version="1.0" encoding="utf-8"?>
 <p:sld xmlns:a="http://schemas.openxmlformats.org/drawingml/2006/main" xmlns:r="http://schemas.openxmlformats.org/officeDocument/2006/relationships" xmlns:p="http://schemas.openxmlformats.org/presentationml/2006/main">
-  <p:cSld name="page8">
+  <p:cSld name="page9">
     <p:spTree>
       <p:nvGrpSpPr>
         <p:cNvPr id="1" name=""/>
@@ -20746,7 +20969,7 @@
       </p:grpSpPr>
       <p:sp>
         <p:nvSpPr>
-          <p:cNvPr id="5" name="Footer Placeholder 2"/>
+          <p:cNvPr id="6" name="Footer Placeholder 2"/>
           <p:cNvSpPr>
             <a:spLocks noGrp="1"/>
           </p:cNvSpPr>
@@ -20761,16 +20984,15 @@
           <a:p>
             <a:pPr lvl="0"/>
             <a:r>
-              <a:rPr lang="x-none" smtClean="0"/>
+              <a:rPr lang="x-none"/>
               <a:t>L3 Informatique ---- Projet Motus</a:t>
             </a:r>
-            <a:endParaRPr lang="x-none"/>
           </a:p>
         </p:txBody>
       </p:sp>
       <p:sp>
         <p:nvSpPr>
-          <p:cNvPr id="6" name="Slide Number Placeholder 3"/>
+          <p:cNvPr id="7" name="Slide Number Placeholder 3"/>
           <p:cNvSpPr>
             <a:spLocks noGrp="1"/>
           </p:cNvSpPr>
@@ -20784,8 +21006,8 @@
           <a:lstStyle/>
           <a:p>
             <a:pPr lvl="0"/>
-            <a:fld id="{A30EB4BA-084B-49F9-8EB5-A4EE3C1EBD40}" type="slidenum">
-              <a:t>8</a:t>
+            <a:fld id="{499765E9-D1CF-4CE0-B8F4-F3BEBE2D637B}" type="slidenum">
+              <a:t>9</a:t>
             </a:fld>
             <a:endParaRPr lang="x-none"/>
           </a:p>
@@ -20803,12 +21025,12 @@
         </p:nvSpPr>
         <p:spPr>
           <a:xfrm>
-            <a:off x="3024088" y="251445"/>
-            <a:ext cx="6768503" cy="1609883"/>
+            <a:off x="2520032" y="276172"/>
+            <a:ext cx="9072563" cy="655776"/>
           </a:xfrm>
         </p:spPr>
         <p:txBody>
-          <a:bodyPr wrap="square">
+          <a:bodyPr>
             <a:spAutoFit/>
           </a:bodyPr>
           <a:lstStyle>
@@ -20868,8 +21090,22 @@
               <a:buNone/>
             </a:pPr>
             <a:r>
-              <a:rPr lang="x-none" dirty="0"/>
-              <a:t>Interface graphique et sonore</a:t>
+              <a:rPr lang="x-none" sz="3600" b="1" dirty="0">
+                <a:ln w="6600">
+                  <a:solidFill>
+                    <a:schemeClr val="accent2"/>
+                  </a:solidFill>
+                  <a:prstDash val="solid"/>
+                </a:ln>
+                <a:effectLst>
+                  <a:outerShdw dist="38100" dir="2700000" algn="tl" rotWithShape="0">
+                    <a:schemeClr val="accent2"/>
+                  </a:outerShdw>
+                </a:effectLst>
+                <a:latin typeface="Arial" panose="020B0604020202020204" pitchFamily="34" charset="0"/>
+                <a:cs typeface="Arial" panose="020B0604020202020204" pitchFamily="34" charset="0"/>
+              </a:rPr>
+              <a:t>Traitement du mot</a:t>
             </a:r>
           </a:p>
         </p:txBody>
@@ -21090,439 +21326,20 @@
             <a:pPr lvl="0"/>
             <a:r>
               <a:rPr lang="x-none" dirty="0"/>
-              <a:t>Indication du temps restant</a:t>
+              <a:t>Vérifier Regex</a:t>
             </a:r>
           </a:p>
           <a:p>
             <a:pPr lvl="0"/>
             <a:r>
               <a:rPr lang="x-none" dirty="0"/>
-              <a:t>Construire et afficher la grille de jeu</a:t>
+              <a:t>Lettres bien placées =&gt; carrés rouges</a:t>
             </a:r>
           </a:p>
           <a:p>
             <a:pPr lvl="0"/>
             <a:r>
               <a:rPr lang="x-none" dirty="0"/>
-              <a:t>Afficher victoire ou défaite</a:t>
-            </a:r>
-          </a:p>
-          <a:p>
-            <a:pPr lvl="0"/>
-            <a:r>
-              <a:rPr lang="x-none" dirty="0"/>
-              <a:t>Input contenant la réponse du joueur</a:t>
-            </a:r>
-          </a:p>
-          <a:p>
-            <a:pPr lvl="0"/>
-            <a:r>
-              <a:rPr lang="x-none" dirty="0"/>
-              <a:t>Effets sonores  selon évènement</a:t>
-            </a:r>
-          </a:p>
-        </p:txBody>
-      </p:sp>
-    </p:spTree>
-  </p:cSld>
-  <p:clrMapOvr>
-    <a:masterClrMapping/>
-  </p:clrMapOvr>
-  <mc:AlternateContent xmlns:mc="http://schemas.openxmlformats.org/markup-compatibility/2006" xmlns:p14="http://schemas.microsoft.com/office/powerpoint/2010/main">
-    <mc:Choice Requires="p14">
-      <p:transition spd="slow" p14:dur="2000"/>
-    </mc:Choice>
-    <mc:Fallback xmlns="">
-      <p:transition spd="slow"/>
-    </mc:Fallback>
-  </mc:AlternateContent>
-  <p:timing>
-    <p:tnLst>
-      <p:par>
-        <p:cTn id="1" dur="indefinite" restart="never" nodeType="tmRoot"/>
-      </p:par>
-    </p:tnLst>
-  </p:timing>
-</p:sld>
-</file>
-
-<file path=ppt/slides/slide9.xml><?xml version="1.0" encoding="utf-8"?>
-<p:sld xmlns:a="http://schemas.openxmlformats.org/drawingml/2006/main" xmlns:r="http://schemas.openxmlformats.org/officeDocument/2006/relationships" xmlns:p="http://schemas.openxmlformats.org/presentationml/2006/main">
-  <p:cSld name="page9">
-    <p:spTree>
-      <p:nvGrpSpPr>
-        <p:cNvPr id="1" name=""/>
-        <p:cNvGrpSpPr/>
-        <p:nvPr/>
-      </p:nvGrpSpPr>
-      <p:grpSpPr>
-        <a:xfrm>
-          <a:off x="0" y="0"/>
-          <a:ext cx="0" cy="0"/>
-          <a:chOff x="0" y="0"/>
-          <a:chExt cx="0" cy="0"/>
-        </a:xfrm>
-      </p:grpSpPr>
-      <p:sp>
-        <p:nvSpPr>
-          <p:cNvPr id="6" name="Footer Placeholder 2"/>
-          <p:cNvSpPr>
-            <a:spLocks noGrp="1"/>
-          </p:cNvSpPr>
-          <p:nvPr>
-            <p:ph type="ftr" sz="quarter" idx="11"/>
-          </p:nvPr>
-        </p:nvSpPr>
-        <p:spPr/>
-        <p:txBody>
-          <a:bodyPr/>
-          <a:lstStyle/>
-          <a:p>
-            <a:pPr lvl="0"/>
-            <a:r>
-              <a:rPr lang="x-none" smtClean="0"/>
-              <a:t>L3 Informatique ---- Projet Motus</a:t>
-            </a:r>
-            <a:endParaRPr lang="x-none"/>
-          </a:p>
-        </p:txBody>
-      </p:sp>
-      <p:sp>
-        <p:nvSpPr>
-          <p:cNvPr id="7" name="Slide Number Placeholder 3"/>
-          <p:cNvSpPr>
-            <a:spLocks noGrp="1"/>
-          </p:cNvSpPr>
-          <p:nvPr>
-            <p:ph type="sldNum" sz="quarter" idx="12"/>
-          </p:nvPr>
-        </p:nvSpPr>
-        <p:spPr/>
-        <p:txBody>
-          <a:bodyPr/>
-          <a:lstStyle/>
-          <a:p>
-            <a:pPr lvl="0"/>
-            <a:fld id="{499765E9-D1CF-4CE0-B8F4-F3BEBE2D637B}" type="slidenum">
-              <a:t>9</a:t>
-            </a:fld>
-            <a:endParaRPr lang="x-none"/>
-          </a:p>
-        </p:txBody>
-      </p:sp>
-      <p:sp>
-        <p:nvSpPr>
-          <p:cNvPr id="2" name="Title 1"/>
-          <p:cNvSpPr txBox="1">
-            <a:spLocks noGrp="1"/>
-          </p:cNvSpPr>
-          <p:nvPr>
-            <p:ph type="title" idx="4294967295"/>
-          </p:nvPr>
-        </p:nvSpPr>
-        <p:spPr>
-          <a:xfrm>
-            <a:off x="0" y="301625"/>
-            <a:ext cx="9072563" cy="1262063"/>
-          </a:xfrm>
-        </p:spPr>
-        <p:txBody>
-          <a:bodyPr>
-            <a:spAutoFit/>
-          </a:bodyPr>
-          <a:lstStyle>
-            <a:defPPr lvl="0">
-              <a:buSzPct val="45000"/>
-              <a:buFont typeface="StarSymbol"/>
-              <a:buNone/>
-            </a:defPPr>
-            <a:lvl1pPr lvl="0">
-              <a:buSzPct val="45000"/>
-              <a:buFont typeface="StarSymbol"/>
-              <a:buChar char="●"/>
-            </a:lvl1pPr>
-            <a:lvl2pPr lvl="1">
-              <a:buSzPct val="45000"/>
-              <a:buFont typeface="StarSymbol"/>
-              <a:buChar char="●"/>
-            </a:lvl2pPr>
-            <a:lvl3pPr lvl="2">
-              <a:buSzPct val="45000"/>
-              <a:buFont typeface="StarSymbol"/>
-              <a:buChar char="●"/>
-            </a:lvl3pPr>
-            <a:lvl4pPr lvl="3">
-              <a:buSzPct val="45000"/>
-              <a:buFont typeface="StarSymbol"/>
-              <a:buChar char="●"/>
-            </a:lvl4pPr>
-            <a:lvl5pPr lvl="4">
-              <a:buSzPct val="45000"/>
-              <a:buFont typeface="StarSymbol"/>
-              <a:buChar char="●"/>
-            </a:lvl5pPr>
-            <a:lvl6pPr lvl="5">
-              <a:buSzPct val="45000"/>
-              <a:buFont typeface="StarSymbol"/>
-              <a:buChar char="●"/>
-            </a:lvl6pPr>
-            <a:lvl7pPr lvl="6">
-              <a:buSzPct val="45000"/>
-              <a:buFont typeface="StarSymbol"/>
-              <a:buChar char="●"/>
-            </a:lvl7pPr>
-            <a:lvl8pPr lvl="7">
-              <a:buSzPct val="45000"/>
-              <a:buFont typeface="StarSymbol"/>
-              <a:buChar char="●"/>
-            </a:lvl8pPr>
-            <a:lvl9pPr lvl="8">
-              <a:buSzPct val="45000"/>
-              <a:buFont typeface="StarSymbol"/>
-              <a:buChar char="●"/>
-            </a:lvl9pPr>
-          </a:lstStyle>
-          <a:p>
-            <a:pPr lvl="0">
-              <a:buNone/>
-            </a:pPr>
-            <a:r>
-              <a:rPr lang="x-none"/>
-              <a:t>Traitement du mot</a:t>
-            </a:r>
-          </a:p>
-        </p:txBody>
-      </p:sp>
-      <p:sp>
-        <p:nvSpPr>
-          <p:cNvPr id="3" name="Text Placeholder 2"/>
-          <p:cNvSpPr txBox="1">
-            <a:spLocks noGrp="1"/>
-          </p:cNvSpPr>
-          <p:nvPr>
-            <p:ph type="body" idx="4294967295"/>
-          </p:nvPr>
-        </p:nvSpPr>
-        <p:spPr>
-          <a:xfrm>
-            <a:off x="0" y="1768475"/>
-            <a:ext cx="9072563" cy="4384675"/>
-          </a:xfrm>
-        </p:spPr>
-        <p:txBody>
-          <a:bodyPr>
-            <a:spAutoFit/>
-          </a:bodyPr>
-          <a:lstStyle>
-            <a:defPPr marL="432000" marR="0" lvl="0" indent="-324000">
-              <a:spcBef>
-                <a:spcPts val="0"/>
-              </a:spcBef>
-              <a:spcAft>
-                <a:spcPts val="1417"/>
-              </a:spcAft>
-              <a:buSzPct val="45000"/>
-              <a:buFont typeface="StarSymbol"/>
-              <a:buNone/>
-              <a:defRPr lang="x-none" sz="3200" b="0" i="0" u="none" strike="noStrike" kern="1200">
-                <a:ln>
-                  <a:noFill/>
-                </a:ln>
-                <a:latin typeface="Arial" pitchFamily="18"/>
-                <a:ea typeface="Andale Sans UI" pitchFamily="2"/>
-                <a:cs typeface="Tahoma" pitchFamily="2"/>
-              </a:defRPr>
-            </a:defPPr>
-            <a:lvl1pPr marL="432000" marR="0" lvl="0" indent="-324000">
-              <a:spcBef>
-                <a:spcPts val="0"/>
-              </a:spcBef>
-              <a:spcAft>
-                <a:spcPts val="1417"/>
-              </a:spcAft>
-              <a:buSzPct val="45000"/>
-              <a:buFont typeface="StarSymbol"/>
-              <a:buChar char="●"/>
-              <a:defRPr lang="x-none" sz="3200" b="0" i="0" u="none" strike="noStrike" kern="1200">
-                <a:ln>
-                  <a:noFill/>
-                </a:ln>
-                <a:latin typeface="Arial" pitchFamily="18"/>
-                <a:ea typeface="Andale Sans UI" pitchFamily="2"/>
-                <a:cs typeface="Tahoma" pitchFamily="2"/>
-              </a:defRPr>
-            </a:lvl1pPr>
-            <a:lvl2pPr marL="864000" marR="0" lvl="1" indent="-324000">
-              <a:spcBef>
-                <a:spcPts val="0"/>
-              </a:spcBef>
-              <a:spcAft>
-                <a:spcPts val="1134"/>
-              </a:spcAft>
-              <a:buSzPct val="45000"/>
-              <a:buFont typeface="StarSymbol"/>
-              <a:buChar char="●"/>
-              <a:defRPr lang="x-none" sz="2800" b="0" i="0" u="none" strike="noStrike" kern="1200">
-                <a:ln>
-                  <a:noFill/>
-                </a:ln>
-                <a:latin typeface="Arial" pitchFamily="18"/>
-                <a:ea typeface="Andale Sans UI" pitchFamily="2"/>
-                <a:cs typeface="Tahoma" pitchFamily="2"/>
-              </a:defRPr>
-            </a:lvl2pPr>
-            <a:lvl3pPr marL="1295999" marR="0" lvl="2" indent="-288000">
-              <a:spcBef>
-                <a:spcPts val="0"/>
-              </a:spcBef>
-              <a:spcAft>
-                <a:spcPts val="850"/>
-              </a:spcAft>
-              <a:buSzPct val="75000"/>
-              <a:buFont typeface="StarSymbol"/>
-              <a:buChar char="–"/>
-              <a:defRPr lang="x-none" sz="2400" b="0" i="0" u="none" strike="noStrike" kern="1200">
-                <a:ln>
-                  <a:noFill/>
-                </a:ln>
-                <a:latin typeface="Arial" pitchFamily="18"/>
-                <a:ea typeface="Andale Sans UI" pitchFamily="2"/>
-                <a:cs typeface="Tahoma" pitchFamily="2"/>
-              </a:defRPr>
-            </a:lvl3pPr>
-            <a:lvl4pPr marL="1728000" marR="0" lvl="3" indent="-216000">
-              <a:spcBef>
-                <a:spcPts val="0"/>
-              </a:spcBef>
-              <a:spcAft>
-                <a:spcPts val="567"/>
-              </a:spcAft>
-              <a:buSzPct val="45000"/>
-              <a:buFont typeface="StarSymbol"/>
-              <a:buChar char="●"/>
-              <a:defRPr lang="x-none" sz="2000" b="0" i="0" u="none" strike="noStrike" kern="1200">
-                <a:ln>
-                  <a:noFill/>
-                </a:ln>
-                <a:latin typeface="Arial" pitchFamily="18"/>
-                <a:ea typeface="Andale Sans UI" pitchFamily="2"/>
-                <a:cs typeface="Tahoma" pitchFamily="2"/>
-              </a:defRPr>
-            </a:lvl4pPr>
-            <a:lvl5pPr marL="2160000" marR="0" lvl="4" indent="-216000">
-              <a:spcBef>
-                <a:spcPts val="0"/>
-              </a:spcBef>
-              <a:spcAft>
-                <a:spcPts val="283"/>
-              </a:spcAft>
-              <a:buSzPct val="75000"/>
-              <a:buFont typeface="StarSymbol"/>
-              <a:buChar char="–"/>
-              <a:defRPr lang="x-none" sz="2000" b="0" i="0" u="none" strike="noStrike" kern="1200">
-                <a:ln>
-                  <a:noFill/>
-                </a:ln>
-                <a:latin typeface="Arial" pitchFamily="18"/>
-                <a:ea typeface="Andale Sans UI" pitchFamily="2"/>
-                <a:cs typeface="Tahoma" pitchFamily="2"/>
-              </a:defRPr>
-            </a:lvl5pPr>
-            <a:lvl6pPr marL="2592000" marR="0" lvl="5" indent="-216000">
-              <a:spcBef>
-                <a:spcPts val="0"/>
-              </a:spcBef>
-              <a:spcAft>
-                <a:spcPts val="283"/>
-              </a:spcAft>
-              <a:buSzPct val="45000"/>
-              <a:buFont typeface="StarSymbol"/>
-              <a:buChar char="●"/>
-              <a:defRPr lang="x-none" sz="2000" b="0" i="0" u="none" strike="noStrike" kern="1200">
-                <a:ln>
-                  <a:noFill/>
-                </a:ln>
-                <a:latin typeface="Arial" pitchFamily="18"/>
-                <a:ea typeface="Andale Sans UI" pitchFamily="2"/>
-                <a:cs typeface="Tahoma" pitchFamily="2"/>
-              </a:defRPr>
-            </a:lvl6pPr>
-            <a:lvl7pPr marL="3024000" marR="0" lvl="6" indent="-216000">
-              <a:spcBef>
-                <a:spcPts val="0"/>
-              </a:spcBef>
-              <a:spcAft>
-                <a:spcPts val="283"/>
-              </a:spcAft>
-              <a:buSzPct val="45000"/>
-              <a:buFont typeface="StarSymbol"/>
-              <a:buChar char="●"/>
-              <a:defRPr lang="x-none" sz="2000" b="0" i="0" u="none" strike="noStrike" kern="1200">
-                <a:ln>
-                  <a:noFill/>
-                </a:ln>
-                <a:latin typeface="Arial" pitchFamily="18"/>
-                <a:ea typeface="Andale Sans UI" pitchFamily="2"/>
-                <a:cs typeface="Tahoma" pitchFamily="2"/>
-              </a:defRPr>
-            </a:lvl7pPr>
-            <a:lvl8pPr marL="3456000" marR="0" lvl="7" indent="-216000">
-              <a:spcBef>
-                <a:spcPts val="0"/>
-              </a:spcBef>
-              <a:spcAft>
-                <a:spcPts val="283"/>
-              </a:spcAft>
-              <a:buSzPct val="45000"/>
-              <a:buFont typeface="StarSymbol"/>
-              <a:buChar char="●"/>
-              <a:defRPr lang="x-none" sz="2000" b="0" i="0" u="none" strike="noStrike" kern="1200">
-                <a:ln>
-                  <a:noFill/>
-                </a:ln>
-                <a:latin typeface="Arial" pitchFamily="18"/>
-                <a:ea typeface="Andale Sans UI" pitchFamily="2"/>
-                <a:cs typeface="Tahoma" pitchFamily="2"/>
-              </a:defRPr>
-            </a:lvl8pPr>
-            <a:lvl9pPr marL="3887999" marR="0" lvl="8" indent="-216000">
-              <a:spcBef>
-                <a:spcPts val="0"/>
-              </a:spcBef>
-              <a:spcAft>
-                <a:spcPts val="283"/>
-              </a:spcAft>
-              <a:buSzPct val="45000"/>
-              <a:buFont typeface="StarSymbol"/>
-              <a:buChar char="●"/>
-              <a:defRPr lang="x-none" sz="2000" b="0" i="0" u="none" strike="noStrike" kern="1200">
-                <a:ln>
-                  <a:noFill/>
-                </a:ln>
-                <a:latin typeface="Arial" pitchFamily="18"/>
-                <a:ea typeface="Andale Sans UI" pitchFamily="2"/>
-                <a:cs typeface="Tahoma" pitchFamily="2"/>
-              </a:defRPr>
-            </a:lvl9pPr>
-          </a:lstStyle>
-          <a:p>
-            <a:pPr lvl="0"/>
-            <a:r>
-              <a:rPr lang="x-none"/>
-              <a:t>Vérifier Regex</a:t>
-            </a:r>
-          </a:p>
-          <a:p>
-            <a:pPr lvl="0"/>
-            <a:r>
-              <a:rPr lang="x-none"/>
-              <a:t>Lettres bien placées =&gt; carrés rouges</a:t>
-            </a:r>
-          </a:p>
-          <a:p>
-            <a:pPr lvl="0"/>
-            <a:r>
-              <a:rPr lang="x-none"/>
               <a:t>Lettres existantes mal placées =&gt; cercle jaune</a:t>
             </a:r>
           </a:p>
@@ -21565,21 +21382,6 @@
   <p:clrMapOvr>
     <a:masterClrMapping/>
   </p:clrMapOvr>
-  <mc:AlternateContent xmlns:mc="http://schemas.openxmlformats.org/markup-compatibility/2006" xmlns:p14="http://schemas.microsoft.com/office/powerpoint/2010/main">
-    <mc:Choice Requires="p14">
-      <p:transition spd="slow" p14:dur="2000"/>
-    </mc:Choice>
-    <mc:Fallback xmlns="">
-      <p:transition spd="slow"/>
-    </mc:Fallback>
-  </mc:AlternateContent>
-  <p:timing>
-    <p:tnLst>
-      <p:par>
-        <p:cTn id="1" dur="indefinite" restart="never" nodeType="tmRoot"/>
-      </p:par>
-    </p:tnLst>
-  </p:timing>
 </p:sld>
 </file>
 
